--- a/Project_Presentation.pptx
+++ b/Project_Presentation.pptx
@@ -2,14 +2,19 @@
 <file path=ppt/presentation.xml><?xml version="1.0" encoding="utf-8"?>
 <p:presentation xmlns:a="http://schemas.openxmlformats.org/drawingml/2006/main" xmlns:r="http://schemas.openxmlformats.org/officeDocument/2006/relationships" xmlns:p="http://schemas.openxmlformats.org/presentationml/2006/main" saveSubsetFonts="1">
   <p:sldMasterIdLst>
-    <p:sldMasterId id="2147483660" r:id="rId1"/>
+    <p:sldMasterId id="2147483672" r:id="rId1"/>
   </p:sldMasterIdLst>
   <p:sldIdLst>
     <p:sldId id="256" r:id="rId2"/>
-    <p:sldId id="257" r:id="rId3"/>
-    <p:sldId id="258" r:id="rId4"/>
-    <p:sldId id="259" r:id="rId5"/>
-    <p:sldId id="260" r:id="rId6"/>
+    <p:sldId id="258" r:id="rId3"/>
+    <p:sldId id="257" r:id="rId4"/>
+    <p:sldId id="261" r:id="rId5"/>
+    <p:sldId id="259" r:id="rId6"/>
+    <p:sldId id="262" r:id="rId7"/>
+    <p:sldId id="263" r:id="rId8"/>
+    <p:sldId id="264" r:id="rId9"/>
+    <p:sldId id="265" r:id="rId10"/>
+    <p:sldId id="260" r:id="rId11"/>
   </p:sldIdLst>
   <p:sldSz cx="12192000" cy="6858000"/>
   <p:notesSz cx="6858000" cy="9144000"/>
@@ -120,12 +125,587 @@
 <p1510:revInfo xmlns:a="http://schemas.openxmlformats.org/drawingml/2006/main" xmlns:r="http://schemas.openxmlformats.org/officeDocument/2006/relationships" xmlns:p1510="http://schemas.microsoft.com/office/powerpoint/2015/10/main">
   <p1510:revLst>
     <p1510:client id="{26EDA4FD-F610-48CE-9B5A-76446F4010F0}" v="3374" dt="2020-01-01T20:47:57.623"/>
+    <p1510:client id="{53C13019-C9C8-4D80-8907-AE79EC74C29E}" v="494" dt="2020-01-02T04:18:22.241"/>
+    <p1510:client id="{B1341131-3146-49BE-ACD8-A7EADD0C0D78}" v="4160" dt="2020-01-09T05:07:55.136"/>
+    <p1510:client id="{FEB52F05-7E63-4E31-80AB-5231932B8520}" v="6" dt="2020-01-08T21:21:09.730"/>
   </p1510:revLst>
 </p1510:revInfo>
 </file>
 
 <file path=ppt/changesInfos/changesInfo1.xml><?xml version="1.0" encoding="utf-8"?>
 <pc:chgInfo xmlns:a="http://schemas.openxmlformats.org/drawingml/2006/main" xmlns:r="http://schemas.openxmlformats.org/officeDocument/2006/relationships" xmlns:ac="http://schemas.microsoft.com/office/drawing/2013/main/command" xmlns:pc="http://schemas.microsoft.com/office/powerpoint/2013/main/command">
+  <pc:docChgLst>
+    <pc:chgData name="Purohit Shabarish Iyer" userId="4b5ec3db49396ebc" providerId="Windows Live" clId="Web-{B1341131-3146-49BE-ACD8-A7EADD0C0D78}"/>
+    <pc:docChg chg="addSld delSld modSld sldOrd addMainMaster delMainMaster">
+      <pc:chgData name="Purohit Shabarish Iyer" userId="4b5ec3db49396ebc" providerId="Windows Live" clId="Web-{B1341131-3146-49BE-ACD8-A7EADD0C0D78}" dt="2020-01-09T05:07:55.136" v="4149"/>
+      <pc:docMkLst>
+        <pc:docMk/>
+      </pc:docMkLst>
+      <pc:sldChg chg="modSp mod modClrScheme chgLayout">
+        <pc:chgData name="Purohit Shabarish Iyer" userId="4b5ec3db49396ebc" providerId="Windows Live" clId="Web-{B1341131-3146-49BE-ACD8-A7EADD0C0D78}" dt="2020-01-09T04:21:26.007" v="2304"/>
+        <pc:sldMkLst>
+          <pc:docMk/>
+          <pc:sldMk cId="109857222" sldId="256"/>
+        </pc:sldMkLst>
+        <pc:spChg chg="mod ord">
+          <ac:chgData name="Purohit Shabarish Iyer" userId="4b5ec3db49396ebc" providerId="Windows Live" clId="Web-{B1341131-3146-49BE-ACD8-A7EADD0C0D78}" dt="2020-01-09T04:21:26.007" v="2304"/>
+          <ac:spMkLst>
+            <pc:docMk/>
+            <pc:sldMk cId="109857222" sldId="256"/>
+            <ac:spMk id="2" creationId="{00000000-0000-0000-0000-000000000000}"/>
+          </ac:spMkLst>
+        </pc:spChg>
+        <pc:spChg chg="mod ord">
+          <ac:chgData name="Purohit Shabarish Iyer" userId="4b5ec3db49396ebc" providerId="Windows Live" clId="Web-{B1341131-3146-49BE-ACD8-A7EADD0C0D78}" dt="2020-01-09T04:21:26.007" v="2304"/>
+          <ac:spMkLst>
+            <pc:docMk/>
+            <pc:sldMk cId="109857222" sldId="256"/>
+            <ac:spMk id="3" creationId="{00000000-0000-0000-0000-000000000000}"/>
+          </ac:spMkLst>
+        </pc:spChg>
+      </pc:sldChg>
+      <pc:sldChg chg="modSp mod modClrScheme chgLayout">
+        <pc:chgData name="Purohit Shabarish Iyer" userId="4b5ec3db49396ebc" providerId="Windows Live" clId="Web-{B1341131-3146-49BE-ACD8-A7EADD0C0D78}" dt="2020-01-09T04:21:26.007" v="2304"/>
+        <pc:sldMkLst>
+          <pc:docMk/>
+          <pc:sldMk cId="1890009497" sldId="257"/>
+        </pc:sldMkLst>
+        <pc:spChg chg="mod ord">
+          <ac:chgData name="Purohit Shabarish Iyer" userId="4b5ec3db49396ebc" providerId="Windows Live" clId="Web-{B1341131-3146-49BE-ACD8-A7EADD0C0D78}" dt="2020-01-09T04:21:26.007" v="2304"/>
+          <ac:spMkLst>
+            <pc:docMk/>
+            <pc:sldMk cId="1890009497" sldId="257"/>
+            <ac:spMk id="2" creationId="{F62FAACA-0CEC-429D-A39F-141B26A5B283}"/>
+          </ac:spMkLst>
+        </pc:spChg>
+        <pc:spChg chg="mod ord">
+          <ac:chgData name="Purohit Shabarish Iyer" userId="4b5ec3db49396ebc" providerId="Windows Live" clId="Web-{B1341131-3146-49BE-ACD8-A7EADD0C0D78}" dt="2020-01-09T04:21:26.007" v="2304"/>
+          <ac:spMkLst>
+            <pc:docMk/>
+            <pc:sldMk cId="1890009497" sldId="257"/>
+            <ac:spMk id="3" creationId="{976D956A-03EC-49A2-A83F-9F7CB66734A2}"/>
+          </ac:spMkLst>
+        </pc:spChg>
+      </pc:sldChg>
+      <pc:sldChg chg="modSp mod ord modClrScheme chgLayout">
+        <pc:chgData name="Purohit Shabarish Iyer" userId="4b5ec3db49396ebc" providerId="Windows Live" clId="Web-{B1341131-3146-49BE-ACD8-A7EADD0C0D78}" dt="2020-01-09T04:21:26.007" v="2304"/>
+        <pc:sldMkLst>
+          <pc:docMk/>
+          <pc:sldMk cId="2582495466" sldId="258"/>
+        </pc:sldMkLst>
+        <pc:spChg chg="mod ord">
+          <ac:chgData name="Purohit Shabarish Iyer" userId="4b5ec3db49396ebc" providerId="Windows Live" clId="Web-{B1341131-3146-49BE-ACD8-A7EADD0C0D78}" dt="2020-01-09T04:21:26.007" v="2304"/>
+          <ac:spMkLst>
+            <pc:docMk/>
+            <pc:sldMk cId="2582495466" sldId="258"/>
+            <ac:spMk id="2" creationId="{A07B2586-8A18-4E63-B784-136646B00CA0}"/>
+          </ac:spMkLst>
+        </pc:spChg>
+        <pc:spChg chg="mod ord">
+          <ac:chgData name="Purohit Shabarish Iyer" userId="4b5ec3db49396ebc" providerId="Windows Live" clId="Web-{B1341131-3146-49BE-ACD8-A7EADD0C0D78}" dt="2020-01-09T04:21:26.007" v="2304"/>
+          <ac:spMkLst>
+            <pc:docMk/>
+            <pc:sldMk cId="2582495466" sldId="258"/>
+            <ac:spMk id="3" creationId="{A8A17B92-D9E1-4BAF-AED3-325912AB1C37}"/>
+          </ac:spMkLst>
+        </pc:spChg>
+      </pc:sldChg>
+      <pc:sldChg chg="modSp mod modClrScheme chgLayout">
+        <pc:chgData name="Purohit Shabarish Iyer" userId="4b5ec3db49396ebc" providerId="Windows Live" clId="Web-{B1341131-3146-49BE-ACD8-A7EADD0C0D78}" dt="2020-01-09T04:21:26.007" v="2304"/>
+        <pc:sldMkLst>
+          <pc:docMk/>
+          <pc:sldMk cId="459837830" sldId="259"/>
+        </pc:sldMkLst>
+        <pc:spChg chg="mod ord">
+          <ac:chgData name="Purohit Shabarish Iyer" userId="4b5ec3db49396ebc" providerId="Windows Live" clId="Web-{B1341131-3146-49BE-ACD8-A7EADD0C0D78}" dt="2020-01-09T04:21:26.007" v="2304"/>
+          <ac:spMkLst>
+            <pc:docMk/>
+            <pc:sldMk cId="459837830" sldId="259"/>
+            <ac:spMk id="2" creationId="{877F649B-FEC5-4059-8B9B-5EE97D95FF18}"/>
+          </ac:spMkLst>
+        </pc:spChg>
+        <pc:spChg chg="mod ord">
+          <ac:chgData name="Purohit Shabarish Iyer" userId="4b5ec3db49396ebc" providerId="Windows Live" clId="Web-{B1341131-3146-49BE-ACD8-A7EADD0C0D78}" dt="2020-01-09T04:21:26.007" v="2304"/>
+          <ac:spMkLst>
+            <pc:docMk/>
+            <pc:sldMk cId="459837830" sldId="259"/>
+            <ac:spMk id="3" creationId="{9D1B7160-69D7-45D7-9813-BCA75C2CF8A2}"/>
+          </ac:spMkLst>
+        </pc:spChg>
+      </pc:sldChg>
+      <pc:sldChg chg="modSp mod modClrScheme chgLayout">
+        <pc:chgData name="Purohit Shabarish Iyer" userId="4b5ec3db49396ebc" providerId="Windows Live" clId="Web-{B1341131-3146-49BE-ACD8-A7EADD0C0D78}" dt="2020-01-09T04:21:26.007" v="2304"/>
+        <pc:sldMkLst>
+          <pc:docMk/>
+          <pc:sldMk cId="731880317" sldId="260"/>
+        </pc:sldMkLst>
+        <pc:spChg chg="mod ord">
+          <ac:chgData name="Purohit Shabarish Iyer" userId="4b5ec3db49396ebc" providerId="Windows Live" clId="Web-{B1341131-3146-49BE-ACD8-A7EADD0C0D78}" dt="2020-01-09T04:21:26.007" v="2304"/>
+          <ac:spMkLst>
+            <pc:docMk/>
+            <pc:sldMk cId="731880317" sldId="260"/>
+            <ac:spMk id="2" creationId="{CEF888A3-8906-4050-9F3F-BF2E141B65ED}"/>
+          </ac:spMkLst>
+        </pc:spChg>
+        <pc:spChg chg="mod ord">
+          <ac:chgData name="Purohit Shabarish Iyer" userId="4b5ec3db49396ebc" providerId="Windows Live" clId="Web-{B1341131-3146-49BE-ACD8-A7EADD0C0D78}" dt="2020-01-09T04:21:26.007" v="2304"/>
+          <ac:spMkLst>
+            <pc:docMk/>
+            <pc:sldMk cId="731880317" sldId="260"/>
+            <ac:spMk id="3" creationId="{06979B7C-934B-4354-A351-2C1E1E56FCEE}"/>
+          </ac:spMkLst>
+        </pc:spChg>
+      </pc:sldChg>
+      <pc:sldChg chg="modSp new mod modClrScheme chgLayout">
+        <pc:chgData name="Purohit Shabarish Iyer" userId="4b5ec3db49396ebc" providerId="Windows Live" clId="Web-{B1341131-3146-49BE-ACD8-A7EADD0C0D78}" dt="2020-01-09T04:21:26.007" v="2304"/>
+        <pc:sldMkLst>
+          <pc:docMk/>
+          <pc:sldMk cId="1391133458" sldId="261"/>
+        </pc:sldMkLst>
+        <pc:spChg chg="mod ord">
+          <ac:chgData name="Purohit Shabarish Iyer" userId="4b5ec3db49396ebc" providerId="Windows Live" clId="Web-{B1341131-3146-49BE-ACD8-A7EADD0C0D78}" dt="2020-01-09T04:21:26.007" v="2304"/>
+          <ac:spMkLst>
+            <pc:docMk/>
+            <pc:sldMk cId="1391133458" sldId="261"/>
+            <ac:spMk id="2" creationId="{2EC53E09-1B03-4193-8D75-126100B6D134}"/>
+          </ac:spMkLst>
+        </pc:spChg>
+        <pc:spChg chg="mod ord">
+          <ac:chgData name="Purohit Shabarish Iyer" userId="4b5ec3db49396ebc" providerId="Windows Live" clId="Web-{B1341131-3146-49BE-ACD8-A7EADD0C0D78}" dt="2020-01-09T04:21:26.007" v="2304"/>
+          <ac:spMkLst>
+            <pc:docMk/>
+            <pc:sldMk cId="1391133458" sldId="261"/>
+            <ac:spMk id="3" creationId="{99DC7D7B-6A4D-47DD-8DCD-A1FAAF18F1E5}"/>
+          </ac:spMkLst>
+        </pc:spChg>
+      </pc:sldChg>
+      <pc:sldChg chg="new del">
+        <pc:chgData name="Purohit Shabarish Iyer" userId="4b5ec3db49396ebc" providerId="Windows Live" clId="Web-{B1341131-3146-49BE-ACD8-A7EADD0C0D78}" dt="2020-01-09T02:51:29.733" v="768"/>
+        <pc:sldMkLst>
+          <pc:docMk/>
+          <pc:sldMk cId="733228845" sldId="262"/>
+        </pc:sldMkLst>
+      </pc:sldChg>
+      <pc:sldChg chg="delSp modSp new mod modClrScheme chgLayout">
+        <pc:chgData name="Purohit Shabarish Iyer" userId="4b5ec3db49396ebc" providerId="Windows Live" clId="Web-{B1341131-3146-49BE-ACD8-A7EADD0C0D78}" dt="2020-01-09T04:34:48.872" v="2339" actId="20577"/>
+        <pc:sldMkLst>
+          <pc:docMk/>
+          <pc:sldMk cId="1726665168" sldId="262"/>
+        </pc:sldMkLst>
+        <pc:spChg chg="del">
+          <ac:chgData name="Purohit Shabarish Iyer" userId="4b5ec3db49396ebc" providerId="Windows Live" clId="Web-{B1341131-3146-49BE-ACD8-A7EADD0C0D78}" dt="2020-01-09T02:52:00.796" v="770"/>
+          <ac:spMkLst>
+            <pc:docMk/>
+            <pc:sldMk cId="1726665168" sldId="262"/>
+            <ac:spMk id="2" creationId="{2DE62A87-127E-40F1-8096-F0D9CA7FCB33}"/>
+          </ac:spMkLst>
+        </pc:spChg>
+        <pc:spChg chg="mod ord">
+          <ac:chgData name="Purohit Shabarish Iyer" userId="4b5ec3db49396ebc" providerId="Windows Live" clId="Web-{B1341131-3146-49BE-ACD8-A7EADD0C0D78}" dt="2020-01-09T04:34:48.872" v="2339" actId="20577"/>
+          <ac:spMkLst>
+            <pc:docMk/>
+            <pc:sldMk cId="1726665168" sldId="262"/>
+            <ac:spMk id="3" creationId="{2C224476-4FB6-49AF-893B-96BC6B2939C3}"/>
+          </ac:spMkLst>
+        </pc:spChg>
+      </pc:sldChg>
+      <pc:sldChg chg="delSp modSp new mod modClrScheme chgLayout">
+        <pc:chgData name="Purohit Shabarish Iyer" userId="4b5ec3db49396ebc" providerId="Windows Live" clId="Web-{B1341131-3146-49BE-ACD8-A7EADD0C0D78}" dt="2020-01-09T04:36:18.514" v="2348" actId="20577"/>
+        <pc:sldMkLst>
+          <pc:docMk/>
+          <pc:sldMk cId="2788318289" sldId="263"/>
+        </pc:sldMkLst>
+        <pc:spChg chg="del">
+          <ac:chgData name="Purohit Shabarish Iyer" userId="4b5ec3db49396ebc" providerId="Windows Live" clId="Web-{B1341131-3146-49BE-ACD8-A7EADD0C0D78}" dt="2020-01-09T03:06:31.473" v="1581"/>
+          <ac:spMkLst>
+            <pc:docMk/>
+            <pc:sldMk cId="2788318289" sldId="263"/>
+            <ac:spMk id="2" creationId="{B9F8A1BD-EAD3-4022-AA40-979B78508A71}"/>
+          </ac:spMkLst>
+        </pc:spChg>
+        <pc:spChg chg="mod ord">
+          <ac:chgData name="Purohit Shabarish Iyer" userId="4b5ec3db49396ebc" providerId="Windows Live" clId="Web-{B1341131-3146-49BE-ACD8-A7EADD0C0D78}" dt="2020-01-09T04:36:18.514" v="2348" actId="20577"/>
+          <ac:spMkLst>
+            <pc:docMk/>
+            <pc:sldMk cId="2788318289" sldId="263"/>
+            <ac:spMk id="3" creationId="{37F3756E-DFAD-4F71-8480-B1F9B677CA80}"/>
+          </ac:spMkLst>
+        </pc:spChg>
+      </pc:sldChg>
+      <pc:sldChg chg="addSp modSp new mod modClrScheme chgLayout">
+        <pc:chgData name="Purohit Shabarish Iyer" userId="4b5ec3db49396ebc" providerId="Windows Live" clId="Web-{B1341131-3146-49BE-ACD8-A7EADD0C0D78}" dt="2020-01-09T04:44:01.017" v="2487" actId="1076"/>
+        <pc:sldMkLst>
+          <pc:docMk/>
+          <pc:sldMk cId="845774409" sldId="264"/>
+        </pc:sldMkLst>
+        <pc:spChg chg="add mod">
+          <ac:chgData name="Purohit Shabarish Iyer" userId="4b5ec3db49396ebc" providerId="Windows Live" clId="Web-{B1341131-3146-49BE-ACD8-A7EADD0C0D78}" dt="2020-01-09T04:40:08.250" v="2360" actId="14100"/>
+          <ac:spMkLst>
+            <pc:docMk/>
+            <pc:sldMk cId="845774409" sldId="264"/>
+            <ac:spMk id="3" creationId="{CDAF5B61-198A-4B84-89EF-B417E5BF7640}"/>
+          </ac:spMkLst>
+        </pc:spChg>
+        <pc:spChg chg="add mod">
+          <ac:chgData name="Purohit Shabarish Iyer" userId="4b5ec3db49396ebc" providerId="Windows Live" clId="Web-{B1341131-3146-49BE-ACD8-A7EADD0C0D78}" dt="2020-01-09T04:24:10.712" v="2330" actId="20577"/>
+          <ac:spMkLst>
+            <pc:docMk/>
+            <pc:sldMk cId="845774409" sldId="264"/>
+            <ac:spMk id="4" creationId="{862275DB-F2D4-432E-9464-D707C5A2A473}"/>
+          </ac:spMkLst>
+        </pc:spChg>
+        <pc:spChg chg="add mod">
+          <ac:chgData name="Purohit Shabarish Iyer" userId="4b5ec3db49396ebc" providerId="Windows Live" clId="Web-{B1341131-3146-49BE-ACD8-A7EADD0C0D78}" dt="2020-01-09T03:16:40.726" v="1945" actId="14100"/>
+          <ac:spMkLst>
+            <pc:docMk/>
+            <pc:sldMk cId="845774409" sldId="264"/>
+            <ac:spMk id="5" creationId="{F26FE56D-FDC7-499A-AE3B-CC7B8C271ED0}"/>
+          </ac:spMkLst>
+        </pc:spChg>
+        <pc:spChg chg="add mod">
+          <ac:chgData name="Purohit Shabarish Iyer" userId="4b5ec3db49396ebc" providerId="Windows Live" clId="Web-{B1341131-3146-49BE-ACD8-A7EADD0C0D78}" dt="2020-01-09T03:18:04.039" v="1970" actId="14100"/>
+          <ac:spMkLst>
+            <pc:docMk/>
+            <pc:sldMk cId="845774409" sldId="264"/>
+            <ac:spMk id="6" creationId="{D8B828B5-1781-4EC2-BB67-22F46216B9ED}"/>
+          </ac:spMkLst>
+        </pc:spChg>
+        <pc:spChg chg="add mod">
+          <ac:chgData name="Purohit Shabarish Iyer" userId="4b5ec3db49396ebc" providerId="Windows Live" clId="Web-{B1341131-3146-49BE-ACD8-A7EADD0C0D78}" dt="2020-01-09T03:19:18.274" v="1991" actId="14100"/>
+          <ac:spMkLst>
+            <pc:docMk/>
+            <pc:sldMk cId="845774409" sldId="264"/>
+            <ac:spMk id="7" creationId="{BAF325A7-3740-44EE-A60D-35A75483E36B}"/>
+          </ac:spMkLst>
+        </pc:spChg>
+        <pc:spChg chg="add mod">
+          <ac:chgData name="Purohit Shabarish Iyer" userId="4b5ec3db49396ebc" providerId="Windows Live" clId="Web-{B1341131-3146-49BE-ACD8-A7EADD0C0D78}" dt="2020-01-09T03:20:04.790" v="2014" actId="1076"/>
+          <ac:spMkLst>
+            <pc:docMk/>
+            <pc:sldMk cId="845774409" sldId="264"/>
+            <ac:spMk id="8" creationId="{2754AE8B-23BF-4F53-BD05-E4E826802738}"/>
+          </ac:spMkLst>
+        </pc:spChg>
+        <pc:spChg chg="add mod">
+          <ac:chgData name="Purohit Shabarish Iyer" userId="4b5ec3db49396ebc" providerId="Windows Live" clId="Web-{B1341131-3146-49BE-ACD8-A7EADD0C0D78}" dt="2020-01-09T03:20:39.540" v="2035" actId="1076"/>
+          <ac:spMkLst>
+            <pc:docMk/>
+            <pc:sldMk cId="845774409" sldId="264"/>
+            <ac:spMk id="9" creationId="{ABCE9BDC-5D9E-4AB3-9BE5-71C3D93F328C}"/>
+          </ac:spMkLst>
+        </pc:spChg>
+        <pc:spChg chg="add mod">
+          <ac:chgData name="Purohit Shabarish Iyer" userId="4b5ec3db49396ebc" providerId="Windows Live" clId="Web-{B1341131-3146-49BE-ACD8-A7EADD0C0D78}" dt="2020-01-09T04:21:53.508" v="2305" actId="20577"/>
+          <ac:spMkLst>
+            <pc:docMk/>
+            <pc:sldMk cId="845774409" sldId="264"/>
+            <ac:spMk id="10" creationId="{CCC8037B-121E-4638-9F36-AF4EE2714F87}"/>
+          </ac:spMkLst>
+        </pc:spChg>
+        <pc:spChg chg="add mod">
+          <ac:chgData name="Purohit Shabarish Iyer" userId="4b5ec3db49396ebc" providerId="Windows Live" clId="Web-{B1341131-3146-49BE-ACD8-A7EADD0C0D78}" dt="2020-01-09T04:22:41.680" v="2313" actId="20577"/>
+          <ac:spMkLst>
+            <pc:docMk/>
+            <pc:sldMk cId="845774409" sldId="264"/>
+            <ac:spMk id="11" creationId="{BFDC4B63-2191-4A0A-84B8-724CB2AC1720}"/>
+          </ac:spMkLst>
+        </pc:spChg>
+        <pc:spChg chg="add mod">
+          <ac:chgData name="Purohit Shabarish Iyer" userId="4b5ec3db49396ebc" providerId="Windows Live" clId="Web-{B1341131-3146-49BE-ACD8-A7EADD0C0D78}" dt="2020-01-09T04:23:21.352" v="2320" actId="20577"/>
+          <ac:spMkLst>
+            <pc:docMk/>
+            <pc:sldMk cId="845774409" sldId="264"/>
+            <ac:spMk id="12" creationId="{E10398FA-F6C0-4B01-B7A5-CE408CAE64C8}"/>
+          </ac:spMkLst>
+        </pc:spChg>
+        <pc:spChg chg="add mod">
+          <ac:chgData name="Purohit Shabarish Iyer" userId="4b5ec3db49396ebc" providerId="Windows Live" clId="Web-{B1341131-3146-49BE-ACD8-A7EADD0C0D78}" dt="2020-01-09T04:19:27.757" v="2208" actId="20577"/>
+          <ac:spMkLst>
+            <pc:docMk/>
+            <pc:sldMk cId="845774409" sldId="264"/>
+            <ac:spMk id="13" creationId="{23E3708F-3CF5-4781-AB78-15F2EB7EC3B4}"/>
+          </ac:spMkLst>
+        </pc:spChg>
+        <pc:spChg chg="add mod">
+          <ac:chgData name="Purohit Shabarish Iyer" userId="4b5ec3db49396ebc" providerId="Windows Live" clId="Web-{B1341131-3146-49BE-ACD8-A7EADD0C0D78}" dt="2020-01-09T04:23:35.368" v="2322" actId="20577"/>
+          <ac:spMkLst>
+            <pc:docMk/>
+            <pc:sldMk cId="845774409" sldId="264"/>
+            <ac:spMk id="14" creationId="{1E1B6A35-121B-4E26-B8C4-1F89867289B7}"/>
+          </ac:spMkLst>
+        </pc:spChg>
+        <pc:spChg chg="add mod">
+          <ac:chgData name="Purohit Shabarish Iyer" userId="4b5ec3db49396ebc" providerId="Windows Live" clId="Web-{B1341131-3146-49BE-ACD8-A7EADD0C0D78}" dt="2020-01-09T04:44:01.017" v="2487" actId="1076"/>
+          <ac:spMkLst>
+            <pc:docMk/>
+            <pc:sldMk cId="845774409" sldId="264"/>
+            <ac:spMk id="15" creationId="{36287D79-E83C-45DC-9C70-1676A9D1A570}"/>
+          </ac:spMkLst>
+        </pc:spChg>
+        <pc:graphicFrameChg chg="add mod modGraphic">
+          <ac:chgData name="Purohit Shabarish Iyer" userId="4b5ec3db49396ebc" providerId="Windows Live" clId="Web-{B1341131-3146-49BE-ACD8-A7EADD0C0D78}" dt="2020-01-09T03:14:09.022" v="1879" actId="1076"/>
+          <ac:graphicFrameMkLst>
+            <pc:docMk/>
+            <pc:sldMk cId="845774409" sldId="264"/>
+            <ac:graphicFrameMk id="2" creationId="{B0A615CF-BB17-4B40-819E-A01D10BEABB8}"/>
+          </ac:graphicFrameMkLst>
+        </pc:graphicFrameChg>
+      </pc:sldChg>
+      <pc:sldChg chg="addSp modSp new">
+        <pc:chgData name="Purohit Shabarish Iyer" userId="4b5ec3db49396ebc" providerId="Windows Live" clId="Web-{B1341131-3146-49BE-ACD8-A7EADD0C0D78}" dt="2020-01-09T05:07:55.136" v="4149"/>
+        <pc:sldMkLst>
+          <pc:docMk/>
+          <pc:sldMk cId="1093309325" sldId="265"/>
+        </pc:sldMkLst>
+        <pc:graphicFrameChg chg="add mod modGraphic">
+          <ac:chgData name="Purohit Shabarish Iyer" userId="4b5ec3db49396ebc" providerId="Windows Live" clId="Web-{B1341131-3146-49BE-ACD8-A7EADD0C0D78}" dt="2020-01-09T05:07:55.136" v="4149"/>
+          <ac:graphicFrameMkLst>
+            <pc:docMk/>
+            <pc:sldMk cId="1093309325" sldId="265"/>
+            <ac:graphicFrameMk id="2" creationId="{F81EE1FD-F445-4450-AE3F-3E6B89790D90}"/>
+          </ac:graphicFrameMkLst>
+        </pc:graphicFrameChg>
+      </pc:sldChg>
+      <pc:sldMasterChg chg="del delSldLayout">
+        <pc:chgData name="Purohit Shabarish Iyer" userId="4b5ec3db49396ebc" providerId="Windows Live" clId="Web-{B1341131-3146-49BE-ACD8-A7EADD0C0D78}" dt="2020-01-09T04:21:26.007" v="2304"/>
+        <pc:sldMasterMkLst>
+          <pc:docMk/>
+          <pc:sldMasterMk cId="2460954070" sldId="2147483660"/>
+        </pc:sldMasterMkLst>
+        <pc:sldLayoutChg chg="del">
+          <pc:chgData name="Purohit Shabarish Iyer" userId="4b5ec3db49396ebc" providerId="Windows Live" clId="Web-{B1341131-3146-49BE-ACD8-A7EADD0C0D78}" dt="2020-01-09T04:21:26.007" v="2304"/>
+          <pc:sldLayoutMkLst>
+            <pc:docMk/>
+            <pc:sldMasterMk cId="2460954070" sldId="2147483660"/>
+            <pc:sldLayoutMk cId="2385387890" sldId="2147483661"/>
+          </pc:sldLayoutMkLst>
+        </pc:sldLayoutChg>
+        <pc:sldLayoutChg chg="del">
+          <pc:chgData name="Purohit Shabarish Iyer" userId="4b5ec3db49396ebc" providerId="Windows Live" clId="Web-{B1341131-3146-49BE-ACD8-A7EADD0C0D78}" dt="2020-01-09T04:21:26.007" v="2304"/>
+          <pc:sldLayoutMkLst>
+            <pc:docMk/>
+            <pc:sldMasterMk cId="2460954070" sldId="2147483660"/>
+            <pc:sldLayoutMk cId="949138452" sldId="2147483662"/>
+          </pc:sldLayoutMkLst>
+        </pc:sldLayoutChg>
+        <pc:sldLayoutChg chg="del">
+          <pc:chgData name="Purohit Shabarish Iyer" userId="4b5ec3db49396ebc" providerId="Windows Live" clId="Web-{B1341131-3146-49BE-ACD8-A7EADD0C0D78}" dt="2020-01-09T04:21:26.007" v="2304"/>
+          <pc:sldLayoutMkLst>
+            <pc:docMk/>
+            <pc:sldMasterMk cId="2460954070" sldId="2147483660"/>
+            <pc:sldLayoutMk cId="2591524520" sldId="2147483663"/>
+          </pc:sldLayoutMkLst>
+        </pc:sldLayoutChg>
+        <pc:sldLayoutChg chg="del">
+          <pc:chgData name="Purohit Shabarish Iyer" userId="4b5ec3db49396ebc" providerId="Windows Live" clId="Web-{B1341131-3146-49BE-ACD8-A7EADD0C0D78}" dt="2020-01-09T04:21:26.007" v="2304"/>
+          <pc:sldLayoutMkLst>
+            <pc:docMk/>
+            <pc:sldMasterMk cId="2460954070" sldId="2147483660"/>
+            <pc:sldLayoutMk cId="1203092039" sldId="2147483664"/>
+          </pc:sldLayoutMkLst>
+        </pc:sldLayoutChg>
+        <pc:sldLayoutChg chg="del">
+          <pc:chgData name="Purohit Shabarish Iyer" userId="4b5ec3db49396ebc" providerId="Windows Live" clId="Web-{B1341131-3146-49BE-ACD8-A7EADD0C0D78}" dt="2020-01-09T04:21:26.007" v="2304"/>
+          <pc:sldLayoutMkLst>
+            <pc:docMk/>
+            <pc:sldMasterMk cId="2460954070" sldId="2147483660"/>
+            <pc:sldLayoutMk cId="3733172339" sldId="2147483665"/>
+          </pc:sldLayoutMkLst>
+        </pc:sldLayoutChg>
+        <pc:sldLayoutChg chg="del">
+          <pc:chgData name="Purohit Shabarish Iyer" userId="4b5ec3db49396ebc" providerId="Windows Live" clId="Web-{B1341131-3146-49BE-ACD8-A7EADD0C0D78}" dt="2020-01-09T04:21:26.007" v="2304"/>
+          <pc:sldLayoutMkLst>
+            <pc:docMk/>
+            <pc:sldMasterMk cId="2460954070" sldId="2147483660"/>
+            <pc:sldLayoutMk cId="3210312558" sldId="2147483666"/>
+          </pc:sldLayoutMkLst>
+        </pc:sldLayoutChg>
+        <pc:sldLayoutChg chg="del">
+          <pc:chgData name="Purohit Shabarish Iyer" userId="4b5ec3db49396ebc" providerId="Windows Live" clId="Web-{B1341131-3146-49BE-ACD8-A7EADD0C0D78}" dt="2020-01-09T04:21:26.007" v="2304"/>
+          <pc:sldLayoutMkLst>
+            <pc:docMk/>
+            <pc:sldMasterMk cId="2460954070" sldId="2147483660"/>
+            <pc:sldLayoutMk cId="3146388984" sldId="2147483667"/>
+          </pc:sldLayoutMkLst>
+        </pc:sldLayoutChg>
+        <pc:sldLayoutChg chg="del">
+          <pc:chgData name="Purohit Shabarish Iyer" userId="4b5ec3db49396ebc" providerId="Windows Live" clId="Web-{B1341131-3146-49BE-ACD8-A7EADD0C0D78}" dt="2020-01-09T04:21:26.007" v="2304"/>
+          <pc:sldLayoutMkLst>
+            <pc:docMk/>
+            <pc:sldMasterMk cId="2460954070" sldId="2147483660"/>
+            <pc:sldLayoutMk cId="3171841454" sldId="2147483668"/>
+          </pc:sldLayoutMkLst>
+        </pc:sldLayoutChg>
+        <pc:sldLayoutChg chg="del">
+          <pc:chgData name="Purohit Shabarish Iyer" userId="4b5ec3db49396ebc" providerId="Windows Live" clId="Web-{B1341131-3146-49BE-ACD8-A7EADD0C0D78}" dt="2020-01-09T04:21:26.007" v="2304"/>
+          <pc:sldLayoutMkLst>
+            <pc:docMk/>
+            <pc:sldMasterMk cId="2460954070" sldId="2147483660"/>
+            <pc:sldLayoutMk cId="1718958274" sldId="2147483669"/>
+          </pc:sldLayoutMkLst>
+        </pc:sldLayoutChg>
+        <pc:sldLayoutChg chg="del">
+          <pc:chgData name="Purohit Shabarish Iyer" userId="4b5ec3db49396ebc" providerId="Windows Live" clId="Web-{B1341131-3146-49BE-ACD8-A7EADD0C0D78}" dt="2020-01-09T04:21:26.007" v="2304"/>
+          <pc:sldLayoutMkLst>
+            <pc:docMk/>
+            <pc:sldMasterMk cId="2460954070" sldId="2147483660"/>
+            <pc:sldLayoutMk cId="2202905451" sldId="2147483670"/>
+          </pc:sldLayoutMkLst>
+        </pc:sldLayoutChg>
+        <pc:sldLayoutChg chg="del">
+          <pc:chgData name="Purohit Shabarish Iyer" userId="4b5ec3db49396ebc" providerId="Windows Live" clId="Web-{B1341131-3146-49BE-ACD8-A7EADD0C0D78}" dt="2020-01-09T04:21:26.007" v="2304"/>
+          <pc:sldLayoutMkLst>
+            <pc:docMk/>
+            <pc:sldMasterMk cId="2460954070" sldId="2147483660"/>
+            <pc:sldLayoutMk cId="3479445657" sldId="2147483671"/>
+          </pc:sldLayoutMkLst>
+        </pc:sldLayoutChg>
+      </pc:sldMasterChg>
+      <pc:sldMasterChg chg="add addSldLayout modSldLayout">
+        <pc:chgData name="Purohit Shabarish Iyer" userId="4b5ec3db49396ebc" providerId="Windows Live" clId="Web-{B1341131-3146-49BE-ACD8-A7EADD0C0D78}" dt="2020-01-09T04:21:26.007" v="2304"/>
+        <pc:sldMasterMkLst>
+          <pc:docMk/>
+          <pc:sldMasterMk cId="3362274584" sldId="2147483672"/>
+        </pc:sldMasterMkLst>
+        <pc:sldLayoutChg chg="add mod replId">
+          <pc:chgData name="Purohit Shabarish Iyer" userId="4b5ec3db49396ebc" providerId="Windows Live" clId="Web-{B1341131-3146-49BE-ACD8-A7EADD0C0D78}" dt="2020-01-09T04:21:26.007" v="2304"/>
+          <pc:sldLayoutMkLst>
+            <pc:docMk/>
+            <pc:sldMasterMk cId="3362274584" sldId="2147483672"/>
+            <pc:sldLayoutMk cId="812285709" sldId="2147483673"/>
+          </pc:sldLayoutMkLst>
+        </pc:sldLayoutChg>
+        <pc:sldLayoutChg chg="add mod replId">
+          <pc:chgData name="Purohit Shabarish Iyer" userId="4b5ec3db49396ebc" providerId="Windows Live" clId="Web-{B1341131-3146-49BE-ACD8-A7EADD0C0D78}" dt="2020-01-09T04:21:26.007" v="2304"/>
+          <pc:sldLayoutMkLst>
+            <pc:docMk/>
+            <pc:sldMasterMk cId="3362274584" sldId="2147483672"/>
+            <pc:sldLayoutMk cId="1041658515" sldId="2147483674"/>
+          </pc:sldLayoutMkLst>
+        </pc:sldLayoutChg>
+        <pc:sldLayoutChg chg="add mod replId">
+          <pc:chgData name="Purohit Shabarish Iyer" userId="4b5ec3db49396ebc" providerId="Windows Live" clId="Web-{B1341131-3146-49BE-ACD8-A7EADD0C0D78}" dt="2020-01-09T04:21:26.007" v="2304"/>
+          <pc:sldLayoutMkLst>
+            <pc:docMk/>
+            <pc:sldMasterMk cId="3362274584" sldId="2147483672"/>
+            <pc:sldLayoutMk cId="3374856556" sldId="2147483675"/>
+          </pc:sldLayoutMkLst>
+        </pc:sldLayoutChg>
+        <pc:sldLayoutChg chg="add mod replId">
+          <pc:chgData name="Purohit Shabarish Iyer" userId="4b5ec3db49396ebc" providerId="Windows Live" clId="Web-{B1341131-3146-49BE-ACD8-A7EADD0C0D78}" dt="2020-01-09T04:21:26.007" v="2304"/>
+          <pc:sldLayoutMkLst>
+            <pc:docMk/>
+            <pc:sldMasterMk cId="3362274584" sldId="2147483672"/>
+            <pc:sldLayoutMk cId="3660380560" sldId="2147483676"/>
+          </pc:sldLayoutMkLst>
+        </pc:sldLayoutChg>
+        <pc:sldLayoutChg chg="add mod replId">
+          <pc:chgData name="Purohit Shabarish Iyer" userId="4b5ec3db49396ebc" providerId="Windows Live" clId="Web-{B1341131-3146-49BE-ACD8-A7EADD0C0D78}" dt="2020-01-09T04:21:26.007" v="2304"/>
+          <pc:sldLayoutMkLst>
+            <pc:docMk/>
+            <pc:sldMasterMk cId="3362274584" sldId="2147483672"/>
+            <pc:sldLayoutMk cId="3491969838" sldId="2147483677"/>
+          </pc:sldLayoutMkLst>
+        </pc:sldLayoutChg>
+        <pc:sldLayoutChg chg="add mod replId">
+          <pc:chgData name="Purohit Shabarish Iyer" userId="4b5ec3db49396ebc" providerId="Windows Live" clId="Web-{B1341131-3146-49BE-ACD8-A7EADD0C0D78}" dt="2020-01-09T04:21:26.007" v="2304"/>
+          <pc:sldLayoutMkLst>
+            <pc:docMk/>
+            <pc:sldMasterMk cId="3362274584" sldId="2147483672"/>
+            <pc:sldLayoutMk cId="3514835221" sldId="2147483678"/>
+          </pc:sldLayoutMkLst>
+        </pc:sldLayoutChg>
+        <pc:sldLayoutChg chg="add mod replId">
+          <pc:chgData name="Purohit Shabarish Iyer" userId="4b5ec3db49396ebc" providerId="Windows Live" clId="Web-{B1341131-3146-49BE-ACD8-A7EADD0C0D78}" dt="2020-01-09T04:21:26.007" v="2304"/>
+          <pc:sldLayoutMkLst>
+            <pc:docMk/>
+            <pc:sldMasterMk cId="3362274584" sldId="2147483672"/>
+            <pc:sldLayoutMk cId="4054243635" sldId="2147483679"/>
+          </pc:sldLayoutMkLst>
+        </pc:sldLayoutChg>
+        <pc:sldLayoutChg chg="add mod replId">
+          <pc:chgData name="Purohit Shabarish Iyer" userId="4b5ec3db49396ebc" providerId="Windows Live" clId="Web-{B1341131-3146-49BE-ACD8-A7EADD0C0D78}" dt="2020-01-09T04:21:26.007" v="2304"/>
+          <pc:sldLayoutMkLst>
+            <pc:docMk/>
+            <pc:sldMasterMk cId="3362274584" sldId="2147483672"/>
+            <pc:sldLayoutMk cId="2633495016" sldId="2147483680"/>
+          </pc:sldLayoutMkLst>
+        </pc:sldLayoutChg>
+        <pc:sldLayoutChg chg="add mod replId">
+          <pc:chgData name="Purohit Shabarish Iyer" userId="4b5ec3db49396ebc" providerId="Windows Live" clId="Web-{B1341131-3146-49BE-ACD8-A7EADD0C0D78}" dt="2020-01-09T04:21:26.007" v="2304"/>
+          <pc:sldLayoutMkLst>
+            <pc:docMk/>
+            <pc:sldMasterMk cId="3362274584" sldId="2147483672"/>
+            <pc:sldLayoutMk cId="543706136" sldId="2147483681"/>
+          </pc:sldLayoutMkLst>
+        </pc:sldLayoutChg>
+        <pc:sldLayoutChg chg="add mod replId">
+          <pc:chgData name="Purohit Shabarish Iyer" userId="4b5ec3db49396ebc" providerId="Windows Live" clId="Web-{B1341131-3146-49BE-ACD8-A7EADD0C0D78}" dt="2020-01-09T04:21:26.007" v="2304"/>
+          <pc:sldLayoutMkLst>
+            <pc:docMk/>
+            <pc:sldMasterMk cId="3362274584" sldId="2147483672"/>
+            <pc:sldLayoutMk cId="2526253755" sldId="2147483682"/>
+          </pc:sldLayoutMkLst>
+        </pc:sldLayoutChg>
+        <pc:sldLayoutChg chg="add mod replId">
+          <pc:chgData name="Purohit Shabarish Iyer" userId="4b5ec3db49396ebc" providerId="Windows Live" clId="Web-{B1341131-3146-49BE-ACD8-A7EADD0C0D78}" dt="2020-01-09T04:21:26.007" v="2304"/>
+          <pc:sldLayoutMkLst>
+            <pc:docMk/>
+            <pc:sldMasterMk cId="3362274584" sldId="2147483672"/>
+            <pc:sldLayoutMk cId="2181055816" sldId="2147483683"/>
+          </pc:sldLayoutMkLst>
+        </pc:sldLayoutChg>
+        <pc:sldLayoutChg chg="add mod replId">
+          <pc:chgData name="Purohit Shabarish Iyer" userId="4b5ec3db49396ebc" providerId="Windows Live" clId="Web-{B1341131-3146-49BE-ACD8-A7EADD0C0D78}" dt="2020-01-09T04:21:26.007" v="2304"/>
+          <pc:sldLayoutMkLst>
+            <pc:docMk/>
+            <pc:sldMasterMk cId="3362274584" sldId="2147483672"/>
+            <pc:sldLayoutMk cId="4080723295" sldId="2147483684"/>
+          </pc:sldLayoutMkLst>
+        </pc:sldLayoutChg>
+        <pc:sldLayoutChg chg="add mod replId">
+          <pc:chgData name="Purohit Shabarish Iyer" userId="4b5ec3db49396ebc" providerId="Windows Live" clId="Web-{B1341131-3146-49BE-ACD8-A7EADD0C0D78}" dt="2020-01-09T04:21:26.007" v="2304"/>
+          <pc:sldLayoutMkLst>
+            <pc:docMk/>
+            <pc:sldMasterMk cId="3362274584" sldId="2147483672"/>
+            <pc:sldLayoutMk cId="3094176383" sldId="2147483685"/>
+          </pc:sldLayoutMkLst>
+        </pc:sldLayoutChg>
+        <pc:sldLayoutChg chg="add mod replId">
+          <pc:chgData name="Purohit Shabarish Iyer" userId="4b5ec3db49396ebc" providerId="Windows Live" clId="Web-{B1341131-3146-49BE-ACD8-A7EADD0C0D78}" dt="2020-01-09T04:21:26.007" v="2304"/>
+          <pc:sldLayoutMkLst>
+            <pc:docMk/>
+            <pc:sldMasterMk cId="3362274584" sldId="2147483672"/>
+            <pc:sldLayoutMk cId="3040763759" sldId="2147483686"/>
+          </pc:sldLayoutMkLst>
+        </pc:sldLayoutChg>
+        <pc:sldLayoutChg chg="add mod replId">
+          <pc:chgData name="Purohit Shabarish Iyer" userId="4b5ec3db49396ebc" providerId="Windows Live" clId="Web-{B1341131-3146-49BE-ACD8-A7EADD0C0D78}" dt="2020-01-09T04:21:26.007" v="2304"/>
+          <pc:sldLayoutMkLst>
+            <pc:docMk/>
+            <pc:sldMasterMk cId="3362274584" sldId="2147483672"/>
+            <pc:sldLayoutMk cId="1150367159" sldId="2147483687"/>
+          </pc:sldLayoutMkLst>
+        </pc:sldLayoutChg>
+        <pc:sldLayoutChg chg="add mod replId">
+          <pc:chgData name="Purohit Shabarish Iyer" userId="4b5ec3db49396ebc" providerId="Windows Live" clId="Web-{B1341131-3146-49BE-ACD8-A7EADD0C0D78}" dt="2020-01-09T04:21:26.007" v="2304"/>
+          <pc:sldLayoutMkLst>
+            <pc:docMk/>
+            <pc:sldMasterMk cId="3362274584" sldId="2147483672"/>
+            <pc:sldLayoutMk cId="388044965" sldId="2147483688"/>
+          </pc:sldLayoutMkLst>
+        </pc:sldLayoutChg>
+        <pc:sldLayoutChg chg="add mod replId">
+          <pc:chgData name="Purohit Shabarish Iyer" userId="4b5ec3db49396ebc" providerId="Windows Live" clId="Web-{B1341131-3146-49BE-ACD8-A7EADD0C0D78}" dt="2020-01-09T04:21:26.007" v="2304"/>
+          <pc:sldLayoutMkLst>
+            <pc:docMk/>
+            <pc:sldMasterMk cId="3362274584" sldId="2147483672"/>
+            <pc:sldLayoutMk cId="1805446410" sldId="2147483689"/>
+          </pc:sldLayoutMkLst>
+        </pc:sldLayoutChg>
+      </pc:sldMasterChg>
+    </pc:docChg>
+  </pc:docChgLst>
   <pc:docChgLst>
     <pc:chgData name="Purohit Shabarish Iyer" userId="4b5ec3db49396ebc" providerId="Windows Live" clId="Web-{26EDA4FD-F610-48CE-9B5A-76446F4010F0}"/>
     <pc:docChg chg="addSld modSld">
@@ -250,6 +830,54 @@
       </pc:sldChg>
     </pc:docChg>
   </pc:docChgLst>
+  <pc:docChgLst>
+    <pc:chgData name="Purohit Shabarish Iyer" userId="4b5ec3db49396ebc" providerId="Windows Live" clId="Web-{FEB52F05-7E63-4E31-80AB-5231932B8520}"/>
+    <pc:docChg chg="modSld">
+      <pc:chgData name="Purohit Shabarish Iyer" userId="4b5ec3db49396ebc" providerId="Windows Live" clId="Web-{FEB52F05-7E63-4E31-80AB-5231932B8520}" dt="2020-01-08T21:21:09.730" v="5" actId="20577"/>
+      <pc:docMkLst>
+        <pc:docMk/>
+      </pc:docMkLst>
+      <pc:sldChg chg="modSp">
+        <pc:chgData name="Purohit Shabarish Iyer" userId="4b5ec3db49396ebc" providerId="Windows Live" clId="Web-{FEB52F05-7E63-4E31-80AB-5231932B8520}" dt="2020-01-08T21:21:09.730" v="4" actId="20577"/>
+        <pc:sldMkLst>
+          <pc:docMk/>
+          <pc:sldMk cId="2582495466" sldId="258"/>
+        </pc:sldMkLst>
+        <pc:spChg chg="mod">
+          <ac:chgData name="Purohit Shabarish Iyer" userId="4b5ec3db49396ebc" providerId="Windows Live" clId="Web-{FEB52F05-7E63-4E31-80AB-5231932B8520}" dt="2020-01-08T21:21:09.730" v="4" actId="20577"/>
+          <ac:spMkLst>
+            <pc:docMk/>
+            <pc:sldMk cId="2582495466" sldId="258"/>
+            <ac:spMk id="3" creationId="{A8A17B92-D9E1-4BAF-AED3-325912AB1C37}"/>
+          </ac:spMkLst>
+        </pc:spChg>
+      </pc:sldChg>
+    </pc:docChg>
+  </pc:docChgLst>
+  <pc:docChgLst>
+    <pc:chgData name="Purohit Shabarish Iyer" userId="4b5ec3db49396ebc" providerId="Windows Live" clId="Web-{53C13019-C9C8-4D80-8907-AE79EC74C29E}"/>
+    <pc:docChg chg="modSld">
+      <pc:chgData name="Purohit Shabarish Iyer" userId="4b5ec3db49396ebc" providerId="Windows Live" clId="Web-{53C13019-C9C8-4D80-8907-AE79EC74C29E}" dt="2020-01-02T04:18:22.241" v="493" actId="20577"/>
+      <pc:docMkLst>
+        <pc:docMk/>
+      </pc:docMkLst>
+      <pc:sldChg chg="modSp">
+        <pc:chgData name="Purohit Shabarish Iyer" userId="4b5ec3db49396ebc" providerId="Windows Live" clId="Web-{53C13019-C9C8-4D80-8907-AE79EC74C29E}" dt="2020-01-02T04:18:22.241" v="492" actId="20577"/>
+        <pc:sldMkLst>
+          <pc:docMk/>
+          <pc:sldMk cId="1890009497" sldId="257"/>
+        </pc:sldMkLst>
+        <pc:spChg chg="mod">
+          <ac:chgData name="Purohit Shabarish Iyer" userId="4b5ec3db49396ebc" providerId="Windows Live" clId="Web-{53C13019-C9C8-4D80-8907-AE79EC74C29E}" dt="2020-01-02T04:18:22.241" v="492" actId="20577"/>
+          <ac:spMkLst>
+            <pc:docMk/>
+            <pc:sldMk cId="1890009497" sldId="257"/>
+            <ac:spMk id="3" creationId="{976D956A-03EC-49A2-A83F-9F7CB66734A2}"/>
+          </ac:spMkLst>
+        </pc:spChg>
+      </pc:sldChg>
+    </pc:docChg>
+  </pc:docChgLst>
 </pc:chgInfo>
 </file>
 
@@ -282,23 +910,22 @@
         </p:nvSpPr>
         <p:spPr>
           <a:xfrm>
-            <a:off x="1524000" y="1122363"/>
-            <a:ext cx="9144000" cy="2387600"/>
+            <a:off x="1154955" y="1447800"/>
+            <a:ext cx="8825658" cy="3329581"/>
           </a:xfrm>
         </p:spPr>
         <p:txBody>
           <a:bodyPr anchor="b"/>
           <a:lstStyle>
-            <a:lvl1pPr algn="ctr">
-              <a:defRPr sz="6000"/>
+            <a:lvl1pPr>
+              <a:defRPr sz="7200"/>
             </a:lvl1pPr>
           </a:lstStyle>
           <a:p>
             <a:r>
-              <a:rPr lang="en-US"/>
+              <a:rPr lang="en-US" dirty="0"/>
               <a:t>Click to edit Master title style</a:t>
             </a:r>
-            <a:endParaRPr lang="en-US" dirty="0"/>
           </a:p>
         </p:txBody>
       </p:sp>
@@ -314,56 +941,110 @@
         </p:nvSpPr>
         <p:spPr>
           <a:xfrm>
-            <a:off x="1524000" y="3602038"/>
-            <a:ext cx="9144000" cy="1655762"/>
+            <a:off x="1154955" y="4777380"/>
+            <a:ext cx="8825658" cy="861420"/>
           </a:xfrm>
         </p:spPr>
         <p:txBody>
-          <a:bodyPr/>
+          <a:bodyPr anchor="t"/>
           <a:lstStyle>
-            <a:lvl1pPr marL="0" indent="0" algn="ctr">
-              <a:buNone/>
-              <a:defRPr sz="2400"/>
+            <a:lvl1pPr marL="0" indent="0" algn="l">
+              <a:buNone/>
+              <a:defRPr cap="all">
+                <a:solidFill>
+                  <a:schemeClr val="bg2">
+                    <a:lumMod val="40000"/>
+                    <a:lumOff val="60000"/>
+                  </a:schemeClr>
+                </a:solidFill>
+              </a:defRPr>
             </a:lvl1pPr>
             <a:lvl2pPr marL="457200" indent="0" algn="ctr">
               <a:buNone/>
-              <a:defRPr sz="2000"/>
+              <a:defRPr>
+                <a:solidFill>
+                  <a:schemeClr val="tx1">
+                    <a:tint val="75000"/>
+                  </a:schemeClr>
+                </a:solidFill>
+              </a:defRPr>
             </a:lvl2pPr>
             <a:lvl3pPr marL="914400" indent="0" algn="ctr">
               <a:buNone/>
-              <a:defRPr sz="1800"/>
+              <a:defRPr>
+                <a:solidFill>
+                  <a:schemeClr val="tx1">
+                    <a:tint val="75000"/>
+                  </a:schemeClr>
+                </a:solidFill>
+              </a:defRPr>
             </a:lvl3pPr>
             <a:lvl4pPr marL="1371600" indent="0" algn="ctr">
               <a:buNone/>
-              <a:defRPr sz="1600"/>
+              <a:defRPr>
+                <a:solidFill>
+                  <a:schemeClr val="tx1">
+                    <a:tint val="75000"/>
+                  </a:schemeClr>
+                </a:solidFill>
+              </a:defRPr>
             </a:lvl4pPr>
             <a:lvl5pPr marL="1828800" indent="0" algn="ctr">
               <a:buNone/>
-              <a:defRPr sz="1600"/>
+              <a:defRPr>
+                <a:solidFill>
+                  <a:schemeClr val="tx1">
+                    <a:tint val="75000"/>
+                  </a:schemeClr>
+                </a:solidFill>
+              </a:defRPr>
             </a:lvl5pPr>
             <a:lvl6pPr marL="2286000" indent="0" algn="ctr">
               <a:buNone/>
-              <a:defRPr sz="1600"/>
+              <a:defRPr>
+                <a:solidFill>
+                  <a:schemeClr val="tx1">
+                    <a:tint val="75000"/>
+                  </a:schemeClr>
+                </a:solidFill>
+              </a:defRPr>
             </a:lvl6pPr>
             <a:lvl7pPr marL="2743200" indent="0" algn="ctr">
               <a:buNone/>
-              <a:defRPr sz="1600"/>
+              <a:defRPr>
+                <a:solidFill>
+                  <a:schemeClr val="tx1">
+                    <a:tint val="75000"/>
+                  </a:schemeClr>
+                </a:solidFill>
+              </a:defRPr>
             </a:lvl7pPr>
             <a:lvl8pPr marL="3200400" indent="0" algn="ctr">
               <a:buNone/>
-              <a:defRPr sz="1600"/>
+              <a:defRPr>
+                <a:solidFill>
+                  <a:schemeClr val="tx1">
+                    <a:tint val="75000"/>
+                  </a:schemeClr>
+                </a:solidFill>
+              </a:defRPr>
             </a:lvl8pPr>
             <a:lvl9pPr marL="3657600" indent="0" algn="ctr">
               <a:buNone/>
-              <a:defRPr sz="1600"/>
+              <a:defRPr>
+                <a:solidFill>
+                  <a:schemeClr val="tx1">
+                    <a:tint val="75000"/>
+                  </a:schemeClr>
+                </a:solidFill>
+              </a:defRPr>
             </a:lvl9pPr>
           </a:lstStyle>
           <a:p>
             <a:r>
-              <a:rPr lang="en-US"/>
+              <a:rPr lang="en-US" dirty="0"/>
               <a:t>Click to edit Master subtitle style</a:t>
             </a:r>
-            <a:endParaRPr lang="en-US" dirty="0"/>
           </a:p>
         </p:txBody>
       </p:sp>
@@ -382,11 +1063,11 @@
           <a:bodyPr/>
           <a:lstStyle/>
           <a:p>
-            <a:fld id="{846CE7D5-CF57-46EF-B807-FDD0502418D4}" type="datetimeFigureOut">
-              <a:rPr lang="en-US" smtClean="0"/>
-              <a:t>1/1/2020</a:t>
+            <a:fld id="{4AAD347D-5ACD-4C99-B74B-A9C85AD731AF}" type="datetimeFigureOut">
+              <a:rPr lang="en-US" dirty="0"/>
+              <a:t>1/8/2020</a:t>
             </a:fld>
-            <a:endParaRPr lang="en-US"/>
+            <a:endParaRPr lang="en-US" dirty="0"/>
           </a:p>
         </p:txBody>
       </p:sp>
@@ -405,7 +1086,7 @@
           <a:bodyPr/>
           <a:lstStyle/>
           <a:p>
-            <a:endParaRPr lang="en-US"/>
+            <a:endParaRPr lang="en-US" dirty="0"/>
           </a:p>
         </p:txBody>
       </p:sp>
@@ -424,18 +1105,18 @@
           <a:bodyPr/>
           <a:lstStyle/>
           <a:p>
-            <a:fld id="{330EA680-D336-4FF7-8B7A-9848BB0A1C32}" type="slidenum">
-              <a:rPr lang="en-US" smtClean="0"/>
+            <a:fld id="{D57F1E4F-1CFF-5643-939E-02111984F565}" type="slidenum">
+              <a:rPr lang="en-US" dirty="0"/>
               <a:t>‹#›</a:t>
             </a:fld>
-            <a:endParaRPr lang="en-US"/>
+            <a:endParaRPr lang="en-US" dirty="0"/>
           </a:p>
         </p:txBody>
       </p:sp>
     </p:spTree>
     <p:extLst>
       <p:ext uri="{BB962C8B-B14F-4D97-AF65-F5344CB8AC3E}">
-        <p14:creationId xmlns:p14="http://schemas.microsoft.com/office/powerpoint/2010/main" val="2385387890"/>
+        <p14:creationId xmlns:p14="http://schemas.microsoft.com/office/powerpoint/2010/main" val="812285709"/>
       </p:ext>
     </p:extLst>
   </p:cSld>
@@ -446,6 +1127,2550 @@
 </file>
 
 <file path=ppt/slideLayouts/slideLayout10.xml><?xml version="1.0" encoding="utf-8"?>
+<p:sldLayout xmlns:a="http://schemas.openxmlformats.org/drawingml/2006/main" xmlns:r="http://schemas.openxmlformats.org/officeDocument/2006/relationships" xmlns:p="http://schemas.openxmlformats.org/presentationml/2006/main" preserve="1">
+  <p:cSld name="Panoramic Picture with Caption">
+    <p:spTree>
+      <p:nvGrpSpPr>
+        <p:cNvPr id="1" name=""/>
+        <p:cNvGrpSpPr/>
+        <p:nvPr/>
+      </p:nvGrpSpPr>
+      <p:grpSpPr>
+        <a:xfrm>
+          <a:off x="0" y="0"/>
+          <a:ext cx="0" cy="0"/>
+          <a:chOff x="0" y="0"/>
+          <a:chExt cx="0" cy="0"/>
+        </a:xfrm>
+      </p:grpSpPr>
+      <p:sp>
+        <p:nvSpPr>
+          <p:cNvPr id="2" name="Title 1"/>
+          <p:cNvSpPr>
+            <a:spLocks noGrp="1"/>
+          </p:cNvSpPr>
+          <p:nvPr>
+            <p:ph type="title"/>
+          </p:nvPr>
+        </p:nvSpPr>
+        <p:spPr>
+          <a:xfrm>
+            <a:off x="1154956" y="4800587"/>
+            <a:ext cx="8825657" cy="566738"/>
+          </a:xfrm>
+        </p:spPr>
+        <p:txBody>
+          <a:bodyPr anchor="b">
+            <a:normAutofit/>
+          </a:bodyPr>
+          <a:lstStyle>
+            <a:lvl1pPr algn="l">
+              <a:defRPr sz="2400" b="0"/>
+            </a:lvl1pPr>
+          </a:lstStyle>
+          <a:p>
+            <a:r>
+              <a:rPr lang="en-US" dirty="0"/>
+              <a:t>Click to edit Master title style</a:t>
+            </a:r>
+          </a:p>
+        </p:txBody>
+      </p:sp>
+      <p:sp>
+        <p:nvSpPr>
+          <p:cNvPr id="3" name="Picture Placeholder 2"/>
+          <p:cNvSpPr>
+            <a:spLocks noGrp="1" noChangeAspect="1"/>
+          </p:cNvSpPr>
+          <p:nvPr>
+            <p:ph type="pic" idx="1"/>
+          </p:nvPr>
+        </p:nvSpPr>
+        <p:spPr>
+          <a:xfrm>
+            <a:off x="1154955" y="685800"/>
+            <a:ext cx="8825658" cy="3640666"/>
+          </a:xfrm>
+          <a:prstGeom prst="roundRect">
+            <a:avLst>
+              <a:gd name="adj" fmla="val 1858"/>
+            </a:avLst>
+          </a:prstGeom>
+          <a:effectLst>
+            <a:outerShdw blurRad="50800" dist="50800" dir="5400000" algn="tl" rotWithShape="0">
+              <a:srgbClr val="000000">
+                <a:alpha val="43000"/>
+              </a:srgbClr>
+            </a:outerShdw>
+          </a:effectLst>
+        </p:spPr>
+        <p:txBody>
+          <a:bodyPr anchor="t">
+            <a:normAutofit/>
+          </a:bodyPr>
+          <a:lstStyle>
+            <a:lvl1pPr marL="0" indent="0" algn="ctr">
+              <a:buNone/>
+              <a:defRPr sz="1600"/>
+            </a:lvl1pPr>
+            <a:lvl2pPr marL="457200" indent="0">
+              <a:buNone/>
+              <a:defRPr sz="1600"/>
+            </a:lvl2pPr>
+            <a:lvl3pPr marL="914400" indent="0">
+              <a:buNone/>
+              <a:defRPr sz="1600"/>
+            </a:lvl3pPr>
+            <a:lvl4pPr marL="1371600" indent="0">
+              <a:buNone/>
+              <a:defRPr sz="1600"/>
+            </a:lvl4pPr>
+            <a:lvl5pPr marL="1828800" indent="0">
+              <a:buNone/>
+              <a:defRPr sz="1600"/>
+            </a:lvl5pPr>
+            <a:lvl6pPr marL="2286000" indent="0">
+              <a:buNone/>
+              <a:defRPr sz="1600"/>
+            </a:lvl6pPr>
+            <a:lvl7pPr marL="2743200" indent="0">
+              <a:buNone/>
+              <a:defRPr sz="1600"/>
+            </a:lvl7pPr>
+            <a:lvl8pPr marL="3200400" indent="0">
+              <a:buNone/>
+              <a:defRPr sz="1600"/>
+            </a:lvl8pPr>
+            <a:lvl9pPr marL="3657600" indent="0">
+              <a:buNone/>
+              <a:defRPr sz="1600"/>
+            </a:lvl9pPr>
+          </a:lstStyle>
+          <a:p>
+            <a:endParaRPr lang="en-US" dirty="0"/>
+          </a:p>
+        </p:txBody>
+      </p:sp>
+      <p:sp>
+        <p:nvSpPr>
+          <p:cNvPr id="4" name="Text Placeholder 3"/>
+          <p:cNvSpPr>
+            <a:spLocks noGrp="1"/>
+          </p:cNvSpPr>
+          <p:nvPr>
+            <p:ph type="body" sz="half" idx="2"/>
+          </p:nvPr>
+        </p:nvSpPr>
+        <p:spPr>
+          <a:xfrm>
+            <a:off x="1154956" y="5367325"/>
+            <a:ext cx="8825656" cy="493712"/>
+          </a:xfrm>
+        </p:spPr>
+        <p:txBody>
+          <a:bodyPr>
+            <a:normAutofit/>
+          </a:bodyPr>
+          <a:lstStyle>
+            <a:lvl1pPr marL="0" indent="0">
+              <a:buNone/>
+              <a:defRPr sz="1200"/>
+            </a:lvl1pPr>
+            <a:lvl2pPr marL="457200" indent="0">
+              <a:buNone/>
+              <a:defRPr sz="1200"/>
+            </a:lvl2pPr>
+            <a:lvl3pPr marL="914400" indent="0">
+              <a:buNone/>
+              <a:defRPr sz="1000"/>
+            </a:lvl3pPr>
+            <a:lvl4pPr marL="1371600" indent="0">
+              <a:buNone/>
+              <a:defRPr sz="900"/>
+            </a:lvl4pPr>
+            <a:lvl5pPr marL="1828800" indent="0">
+              <a:buNone/>
+              <a:defRPr sz="900"/>
+            </a:lvl5pPr>
+            <a:lvl6pPr marL="2286000" indent="0">
+              <a:buNone/>
+              <a:defRPr sz="900"/>
+            </a:lvl6pPr>
+            <a:lvl7pPr marL="2743200" indent="0">
+              <a:buNone/>
+              <a:defRPr sz="900"/>
+            </a:lvl7pPr>
+            <a:lvl8pPr marL="3200400" indent="0">
+              <a:buNone/>
+              <a:defRPr sz="900"/>
+            </a:lvl8pPr>
+            <a:lvl9pPr marL="3657600" indent="0">
+              <a:buNone/>
+              <a:defRPr sz="900"/>
+            </a:lvl9pPr>
+          </a:lstStyle>
+          <a:p>
+            <a:pPr lvl="0"/>
+            <a:r>
+              <a:rPr lang="en-US" dirty="0"/>
+              <a:t>Click to edit Master text styles</a:t>
+            </a:r>
+          </a:p>
+        </p:txBody>
+      </p:sp>
+      <p:sp>
+        <p:nvSpPr>
+          <p:cNvPr id="5" name="Date Placeholder 4"/>
+          <p:cNvSpPr>
+            <a:spLocks noGrp="1"/>
+          </p:cNvSpPr>
+          <p:nvPr>
+            <p:ph type="dt" sz="half" idx="10"/>
+          </p:nvPr>
+        </p:nvSpPr>
+        <p:spPr/>
+        <p:txBody>
+          <a:bodyPr/>
+          <a:lstStyle/>
+          <a:p>
+            <a:fld id="{4509A250-FF31-4206-8172-F9D3106AACB1}" type="datetimeFigureOut">
+              <a:rPr lang="en-US" dirty="0"/>
+              <a:t>1/8/2020</a:t>
+            </a:fld>
+            <a:endParaRPr lang="en-US" dirty="0"/>
+          </a:p>
+        </p:txBody>
+      </p:sp>
+      <p:sp>
+        <p:nvSpPr>
+          <p:cNvPr id="6" name="Footer Placeholder 5"/>
+          <p:cNvSpPr>
+            <a:spLocks noGrp="1"/>
+          </p:cNvSpPr>
+          <p:nvPr>
+            <p:ph type="ftr" sz="quarter" idx="11"/>
+          </p:nvPr>
+        </p:nvSpPr>
+        <p:spPr/>
+        <p:txBody>
+          <a:bodyPr/>
+          <a:lstStyle/>
+          <a:p>
+            <a:endParaRPr lang="en-US" dirty="0"/>
+          </a:p>
+        </p:txBody>
+      </p:sp>
+      <p:sp>
+        <p:nvSpPr>
+          <p:cNvPr id="7" name="Slide Number Placeholder 6"/>
+          <p:cNvSpPr>
+            <a:spLocks noGrp="1"/>
+          </p:cNvSpPr>
+          <p:nvPr>
+            <p:ph type="sldNum" sz="quarter" idx="12"/>
+          </p:nvPr>
+        </p:nvSpPr>
+        <p:spPr/>
+        <p:txBody>
+          <a:bodyPr/>
+          <a:lstStyle/>
+          <a:p>
+            <a:fld id="{D57F1E4F-1CFF-5643-939E-02111984F565}" type="slidenum">
+              <a:rPr lang="en-US" dirty="0"/>
+              <a:t>‹#›</a:t>
+            </a:fld>
+            <a:endParaRPr lang="en-US" dirty="0"/>
+          </a:p>
+        </p:txBody>
+      </p:sp>
+    </p:spTree>
+    <p:extLst>
+      <p:ext uri="{BB962C8B-B14F-4D97-AF65-F5344CB8AC3E}">
+        <p14:creationId xmlns:p14="http://schemas.microsoft.com/office/powerpoint/2010/main" val="2526253755"/>
+      </p:ext>
+    </p:extLst>
+  </p:cSld>
+  <p:clrMapOvr>
+    <a:masterClrMapping/>
+  </p:clrMapOvr>
+</p:sldLayout>
+</file>
+
+<file path=ppt/slideLayouts/slideLayout11.xml><?xml version="1.0" encoding="utf-8"?>
+<p:sldLayout xmlns:a="http://schemas.openxmlformats.org/drawingml/2006/main" xmlns:r="http://schemas.openxmlformats.org/officeDocument/2006/relationships" xmlns:p="http://schemas.openxmlformats.org/presentationml/2006/main" preserve="1">
+  <p:cSld name="Title and Caption">
+    <p:spTree>
+      <p:nvGrpSpPr>
+        <p:cNvPr id="1" name=""/>
+        <p:cNvGrpSpPr/>
+        <p:nvPr/>
+      </p:nvGrpSpPr>
+      <p:grpSpPr>
+        <a:xfrm>
+          <a:off x="0" y="0"/>
+          <a:ext cx="0" cy="0"/>
+          <a:chOff x="0" y="0"/>
+          <a:chExt cx="0" cy="0"/>
+        </a:xfrm>
+      </p:grpSpPr>
+      <p:sp>
+        <p:nvSpPr>
+          <p:cNvPr id="2" name="Title 1"/>
+          <p:cNvSpPr>
+            <a:spLocks noGrp="1"/>
+          </p:cNvSpPr>
+          <p:nvPr>
+            <p:ph type="title"/>
+          </p:nvPr>
+        </p:nvSpPr>
+        <p:spPr>
+          <a:xfrm>
+            <a:off x="1154954" y="1447800"/>
+            <a:ext cx="8825659" cy="1981200"/>
+          </a:xfrm>
+        </p:spPr>
+        <p:txBody>
+          <a:bodyPr/>
+          <a:lstStyle>
+            <a:lvl1pPr>
+              <a:defRPr sz="4800"/>
+            </a:lvl1pPr>
+          </a:lstStyle>
+          <a:p>
+            <a:r>
+              <a:rPr lang="en-US" dirty="0"/>
+              <a:t>Click to edit Master title style</a:t>
+            </a:r>
+          </a:p>
+        </p:txBody>
+      </p:sp>
+      <p:sp>
+        <p:nvSpPr>
+          <p:cNvPr id="8" name="Text Placeholder 3"/>
+          <p:cNvSpPr>
+            <a:spLocks noGrp="1"/>
+          </p:cNvSpPr>
+          <p:nvPr>
+            <p:ph type="body" sz="half" idx="2"/>
+          </p:nvPr>
+        </p:nvSpPr>
+        <p:spPr>
+          <a:xfrm>
+            <a:off x="1154954" y="3657600"/>
+            <a:ext cx="8825659" cy="2362200"/>
+          </a:xfrm>
+        </p:spPr>
+        <p:txBody>
+          <a:bodyPr anchor="ctr">
+            <a:normAutofit/>
+          </a:bodyPr>
+          <a:lstStyle>
+            <a:lvl1pPr marL="0" indent="0">
+              <a:buNone/>
+              <a:defRPr sz="1800"/>
+            </a:lvl1pPr>
+            <a:lvl2pPr marL="457200" indent="0">
+              <a:buNone/>
+              <a:defRPr sz="1200"/>
+            </a:lvl2pPr>
+            <a:lvl3pPr marL="914400" indent="0">
+              <a:buNone/>
+              <a:defRPr sz="1000"/>
+            </a:lvl3pPr>
+            <a:lvl4pPr marL="1371600" indent="0">
+              <a:buNone/>
+              <a:defRPr sz="900"/>
+            </a:lvl4pPr>
+            <a:lvl5pPr marL="1828800" indent="0">
+              <a:buNone/>
+              <a:defRPr sz="900"/>
+            </a:lvl5pPr>
+            <a:lvl6pPr marL="2286000" indent="0">
+              <a:buNone/>
+              <a:defRPr sz="900"/>
+            </a:lvl6pPr>
+            <a:lvl7pPr marL="2743200" indent="0">
+              <a:buNone/>
+              <a:defRPr sz="900"/>
+            </a:lvl7pPr>
+            <a:lvl8pPr marL="3200400" indent="0">
+              <a:buNone/>
+              <a:defRPr sz="900"/>
+            </a:lvl8pPr>
+            <a:lvl9pPr marL="3657600" indent="0">
+              <a:buNone/>
+              <a:defRPr sz="900"/>
+            </a:lvl9pPr>
+          </a:lstStyle>
+          <a:p>
+            <a:pPr lvl="0"/>
+            <a:r>
+              <a:rPr lang="en-US" dirty="0"/>
+              <a:t>Click to edit Master text styles</a:t>
+            </a:r>
+          </a:p>
+        </p:txBody>
+      </p:sp>
+      <p:sp>
+        <p:nvSpPr>
+          <p:cNvPr id="4" name="Date Placeholder 3"/>
+          <p:cNvSpPr>
+            <a:spLocks noGrp="1"/>
+          </p:cNvSpPr>
+          <p:nvPr>
+            <p:ph type="dt" sz="half" idx="10"/>
+          </p:nvPr>
+        </p:nvSpPr>
+        <p:spPr/>
+        <p:txBody>
+          <a:bodyPr/>
+          <a:lstStyle/>
+          <a:p>
+            <a:fld id="{4509A250-FF31-4206-8172-F9D3106AACB1}" type="datetimeFigureOut">
+              <a:rPr lang="en-US" dirty="0"/>
+              <a:t>1/8/2020</a:t>
+            </a:fld>
+            <a:endParaRPr lang="en-US" dirty="0"/>
+          </a:p>
+        </p:txBody>
+      </p:sp>
+      <p:sp>
+        <p:nvSpPr>
+          <p:cNvPr id="5" name="Footer Placeholder 4"/>
+          <p:cNvSpPr>
+            <a:spLocks noGrp="1"/>
+          </p:cNvSpPr>
+          <p:nvPr>
+            <p:ph type="ftr" sz="quarter" idx="11"/>
+          </p:nvPr>
+        </p:nvSpPr>
+        <p:spPr/>
+        <p:txBody>
+          <a:bodyPr/>
+          <a:lstStyle/>
+          <a:p>
+            <a:endParaRPr lang="en-US" dirty="0"/>
+          </a:p>
+        </p:txBody>
+      </p:sp>
+      <p:sp>
+        <p:nvSpPr>
+          <p:cNvPr id="6" name="Slide Number Placeholder 5"/>
+          <p:cNvSpPr>
+            <a:spLocks noGrp="1"/>
+          </p:cNvSpPr>
+          <p:nvPr>
+            <p:ph type="sldNum" sz="quarter" idx="12"/>
+          </p:nvPr>
+        </p:nvSpPr>
+        <p:spPr/>
+        <p:txBody>
+          <a:bodyPr/>
+          <a:lstStyle/>
+          <a:p>
+            <a:fld id="{D57F1E4F-1CFF-5643-939E-02111984F565}" type="slidenum">
+              <a:rPr lang="en-US" dirty="0"/>
+              <a:t>‹#›</a:t>
+            </a:fld>
+            <a:endParaRPr lang="en-US" dirty="0"/>
+          </a:p>
+        </p:txBody>
+      </p:sp>
+    </p:spTree>
+    <p:extLst>
+      <p:ext uri="{BB962C8B-B14F-4D97-AF65-F5344CB8AC3E}">
+        <p14:creationId xmlns:p14="http://schemas.microsoft.com/office/powerpoint/2010/main" val="2181055816"/>
+      </p:ext>
+    </p:extLst>
+  </p:cSld>
+  <p:clrMapOvr>
+    <a:masterClrMapping/>
+  </p:clrMapOvr>
+</p:sldLayout>
+</file>
+
+<file path=ppt/slideLayouts/slideLayout12.xml><?xml version="1.0" encoding="utf-8"?>
+<p:sldLayout xmlns:a="http://schemas.openxmlformats.org/drawingml/2006/main" xmlns:r="http://schemas.openxmlformats.org/officeDocument/2006/relationships" xmlns:p="http://schemas.openxmlformats.org/presentationml/2006/main" preserve="1">
+  <p:cSld name="Quote with Caption">
+    <p:spTree>
+      <p:nvGrpSpPr>
+        <p:cNvPr id="1" name=""/>
+        <p:cNvGrpSpPr/>
+        <p:nvPr/>
+      </p:nvGrpSpPr>
+      <p:grpSpPr>
+        <a:xfrm>
+          <a:off x="0" y="0"/>
+          <a:ext cx="0" cy="0"/>
+          <a:chOff x="0" y="0"/>
+          <a:chExt cx="0" cy="0"/>
+        </a:xfrm>
+      </p:grpSpPr>
+      <p:sp>
+        <p:nvSpPr>
+          <p:cNvPr id="2" name="Title 1"/>
+          <p:cNvSpPr>
+            <a:spLocks noGrp="1"/>
+          </p:cNvSpPr>
+          <p:nvPr>
+            <p:ph type="title"/>
+          </p:nvPr>
+        </p:nvSpPr>
+        <p:spPr>
+          <a:xfrm>
+            <a:off x="1574801" y="1447800"/>
+            <a:ext cx="7999315" cy="2323374"/>
+          </a:xfrm>
+        </p:spPr>
+        <p:txBody>
+          <a:bodyPr/>
+          <a:lstStyle>
+            <a:lvl1pPr>
+              <a:defRPr sz="4800"/>
+            </a:lvl1pPr>
+          </a:lstStyle>
+          <a:p>
+            <a:r>
+              <a:rPr lang="en-US" dirty="0"/>
+              <a:t>Click to edit Master title style</a:t>
+            </a:r>
+          </a:p>
+        </p:txBody>
+      </p:sp>
+      <p:sp>
+        <p:nvSpPr>
+          <p:cNvPr id="11" name="Text Placeholder 3"/>
+          <p:cNvSpPr>
+            <a:spLocks noGrp="1"/>
+          </p:cNvSpPr>
+          <p:nvPr>
+            <p:ph type="body" sz="half" idx="14"/>
+          </p:nvPr>
+        </p:nvSpPr>
+        <p:spPr>
+          <a:xfrm>
+            <a:off x="1930400" y="3771174"/>
+            <a:ext cx="7279649" cy="342174"/>
+          </a:xfrm>
+        </p:spPr>
+        <p:txBody>
+          <a:bodyPr vert="horz" lIns="91440" tIns="45720" rIns="91440" bIns="45720" rtlCol="0" anchor="t">
+            <a:normAutofit/>
+          </a:bodyPr>
+          <a:lstStyle>
+            <a:lvl1pPr marL="0" indent="0">
+              <a:buNone/>
+              <a:defRPr lang="en-US" sz="1400" b="0" i="0" kern="1200" cap="small" dirty="0">
+                <a:solidFill>
+                  <a:schemeClr val="bg2">
+                    <a:lumMod val="40000"/>
+                    <a:lumOff val="60000"/>
+                  </a:schemeClr>
+                </a:solidFill>
+                <a:latin typeface="+mj-lt"/>
+                <a:ea typeface="+mj-ea"/>
+                <a:cs typeface="+mj-cs"/>
+              </a:defRPr>
+            </a:lvl1pPr>
+            <a:lvl2pPr marL="457200" indent="0">
+              <a:buNone/>
+              <a:defRPr sz="1200"/>
+            </a:lvl2pPr>
+            <a:lvl3pPr marL="914400" indent="0">
+              <a:buNone/>
+              <a:defRPr sz="1000"/>
+            </a:lvl3pPr>
+            <a:lvl4pPr marL="1371600" indent="0">
+              <a:buNone/>
+              <a:defRPr sz="900"/>
+            </a:lvl4pPr>
+            <a:lvl5pPr marL="1828800" indent="0">
+              <a:buNone/>
+              <a:defRPr sz="900"/>
+            </a:lvl5pPr>
+            <a:lvl6pPr marL="2286000" indent="0">
+              <a:buNone/>
+              <a:defRPr sz="900"/>
+            </a:lvl6pPr>
+            <a:lvl7pPr marL="2743200" indent="0">
+              <a:buNone/>
+              <a:defRPr sz="900"/>
+            </a:lvl7pPr>
+            <a:lvl8pPr marL="3200400" indent="0">
+              <a:buNone/>
+              <a:defRPr sz="900"/>
+            </a:lvl8pPr>
+            <a:lvl9pPr marL="3657600" indent="0">
+              <a:buNone/>
+              <a:defRPr sz="900"/>
+            </a:lvl9pPr>
+          </a:lstStyle>
+          <a:p>
+            <a:pPr marL="0" lvl="0" indent="0">
+              <a:buNone/>
+            </a:pPr>
+            <a:r>
+              <a:rPr lang="en-US" dirty="0"/>
+              <a:t>Click to edit Master text styles</a:t>
+            </a:r>
+          </a:p>
+        </p:txBody>
+      </p:sp>
+      <p:sp>
+        <p:nvSpPr>
+          <p:cNvPr id="10" name="Text Placeholder 3"/>
+          <p:cNvSpPr>
+            <a:spLocks noGrp="1"/>
+          </p:cNvSpPr>
+          <p:nvPr>
+            <p:ph type="body" sz="half" idx="2"/>
+          </p:nvPr>
+        </p:nvSpPr>
+        <p:spPr>
+          <a:xfrm>
+            <a:off x="1154954" y="4350657"/>
+            <a:ext cx="8825659" cy="1676400"/>
+          </a:xfrm>
+        </p:spPr>
+        <p:txBody>
+          <a:bodyPr anchor="ctr">
+            <a:normAutofit/>
+          </a:bodyPr>
+          <a:lstStyle>
+            <a:lvl1pPr marL="0" indent="0">
+              <a:buNone/>
+              <a:defRPr sz="1800"/>
+            </a:lvl1pPr>
+            <a:lvl2pPr marL="457200" indent="0">
+              <a:buNone/>
+              <a:defRPr sz="1200"/>
+            </a:lvl2pPr>
+            <a:lvl3pPr marL="914400" indent="0">
+              <a:buNone/>
+              <a:defRPr sz="1000"/>
+            </a:lvl3pPr>
+            <a:lvl4pPr marL="1371600" indent="0">
+              <a:buNone/>
+              <a:defRPr sz="900"/>
+            </a:lvl4pPr>
+            <a:lvl5pPr marL="1828800" indent="0">
+              <a:buNone/>
+              <a:defRPr sz="900"/>
+            </a:lvl5pPr>
+            <a:lvl6pPr marL="2286000" indent="0">
+              <a:buNone/>
+              <a:defRPr sz="900"/>
+            </a:lvl6pPr>
+            <a:lvl7pPr marL="2743200" indent="0">
+              <a:buNone/>
+              <a:defRPr sz="900"/>
+            </a:lvl7pPr>
+            <a:lvl8pPr marL="3200400" indent="0">
+              <a:buNone/>
+              <a:defRPr sz="900"/>
+            </a:lvl8pPr>
+            <a:lvl9pPr marL="3657600" indent="0">
+              <a:buNone/>
+              <a:defRPr sz="900"/>
+            </a:lvl9pPr>
+          </a:lstStyle>
+          <a:p>
+            <a:pPr lvl="0"/>
+            <a:r>
+              <a:rPr lang="en-US" dirty="0"/>
+              <a:t>Click to edit Master text styles</a:t>
+            </a:r>
+          </a:p>
+        </p:txBody>
+      </p:sp>
+      <p:sp>
+        <p:nvSpPr>
+          <p:cNvPr id="4" name="Date Placeholder 3"/>
+          <p:cNvSpPr>
+            <a:spLocks noGrp="1"/>
+          </p:cNvSpPr>
+          <p:nvPr>
+            <p:ph type="dt" sz="half" idx="10"/>
+          </p:nvPr>
+        </p:nvSpPr>
+        <p:spPr/>
+        <p:txBody>
+          <a:bodyPr/>
+          <a:lstStyle/>
+          <a:p>
+            <a:fld id="{4509A250-FF31-4206-8172-F9D3106AACB1}" type="datetimeFigureOut">
+              <a:rPr lang="en-US" dirty="0"/>
+              <a:t>1/8/2020</a:t>
+            </a:fld>
+            <a:endParaRPr lang="en-US" dirty="0"/>
+          </a:p>
+        </p:txBody>
+      </p:sp>
+      <p:sp>
+        <p:nvSpPr>
+          <p:cNvPr id="5" name="Footer Placeholder 4"/>
+          <p:cNvSpPr>
+            <a:spLocks noGrp="1"/>
+          </p:cNvSpPr>
+          <p:nvPr>
+            <p:ph type="ftr" sz="quarter" idx="11"/>
+          </p:nvPr>
+        </p:nvSpPr>
+        <p:spPr/>
+        <p:txBody>
+          <a:bodyPr/>
+          <a:lstStyle/>
+          <a:p>
+            <a:endParaRPr lang="en-US" dirty="0"/>
+          </a:p>
+        </p:txBody>
+      </p:sp>
+      <p:sp>
+        <p:nvSpPr>
+          <p:cNvPr id="6" name="Slide Number Placeholder 5"/>
+          <p:cNvSpPr>
+            <a:spLocks noGrp="1"/>
+          </p:cNvSpPr>
+          <p:nvPr>
+            <p:ph type="sldNum" sz="quarter" idx="12"/>
+          </p:nvPr>
+        </p:nvSpPr>
+        <p:spPr/>
+        <p:txBody>
+          <a:bodyPr/>
+          <a:lstStyle/>
+          <a:p>
+            <a:fld id="{D57F1E4F-1CFF-5643-939E-02111984F565}" type="slidenum">
+              <a:rPr lang="en-US" dirty="0"/>
+              <a:t>‹#›</a:t>
+            </a:fld>
+            <a:endParaRPr lang="en-US" dirty="0"/>
+          </a:p>
+        </p:txBody>
+      </p:sp>
+      <p:sp>
+        <p:nvSpPr>
+          <p:cNvPr id="12" name="TextBox 11"/>
+          <p:cNvSpPr txBox="1"/>
+          <p:nvPr/>
+        </p:nvSpPr>
+        <p:spPr>
+          <a:xfrm>
+            <a:off x="898295" y="971253"/>
+            <a:ext cx="801912" cy="1969770"/>
+          </a:xfrm>
+          <a:prstGeom prst="rect">
+            <a:avLst/>
+          </a:prstGeom>
+          <a:noFill/>
+        </p:spPr>
+        <p:txBody>
+          <a:bodyPr wrap="square" rtlCol="0">
+            <a:spAutoFit/>
+          </a:bodyPr>
+          <a:lstStyle>
+            <a:defPPr>
+              <a:defRPr lang="en-US"/>
+            </a:defPPr>
+            <a:lvl1pPr algn="r">
+              <a:defRPr sz="12200" b="0" i="0">
+                <a:solidFill>
+                  <a:schemeClr val="bg2">
+                    <a:lumMod val="40000"/>
+                    <a:lumOff val="60000"/>
+                  </a:schemeClr>
+                </a:solidFill>
+                <a:latin typeface="Arial"/>
+                <a:ea typeface="+mj-ea"/>
+                <a:cs typeface="+mj-cs"/>
+              </a:defRPr>
+            </a:lvl1pPr>
+          </a:lstStyle>
+          <a:p>
+            <a:pPr lvl="0"/>
+            <a:r>
+              <a:rPr lang="en-US" dirty="0"/>
+              <a:t>“</a:t>
+            </a:r>
+          </a:p>
+        </p:txBody>
+      </p:sp>
+      <p:sp>
+        <p:nvSpPr>
+          <p:cNvPr id="15" name="TextBox 14"/>
+          <p:cNvSpPr txBox="1"/>
+          <p:nvPr/>
+        </p:nvSpPr>
+        <p:spPr>
+          <a:xfrm>
+            <a:off x="9330490" y="2613787"/>
+            <a:ext cx="801912" cy="1969770"/>
+          </a:xfrm>
+          <a:prstGeom prst="rect">
+            <a:avLst/>
+          </a:prstGeom>
+          <a:noFill/>
+        </p:spPr>
+        <p:txBody>
+          <a:bodyPr wrap="square" rtlCol="0">
+            <a:spAutoFit/>
+          </a:bodyPr>
+          <a:lstStyle>
+            <a:defPPr>
+              <a:defRPr lang="en-US"/>
+            </a:defPPr>
+            <a:lvl1pPr algn="r">
+              <a:defRPr sz="12200" b="0" i="0">
+                <a:solidFill>
+                  <a:schemeClr val="bg2">
+                    <a:lumMod val="40000"/>
+                    <a:lumOff val="60000"/>
+                  </a:schemeClr>
+                </a:solidFill>
+                <a:latin typeface="Arial"/>
+                <a:ea typeface="+mj-ea"/>
+                <a:cs typeface="+mj-cs"/>
+              </a:defRPr>
+            </a:lvl1pPr>
+          </a:lstStyle>
+          <a:p>
+            <a:pPr lvl="0"/>
+            <a:r>
+              <a:rPr lang="en-US" dirty="0"/>
+              <a:t>”</a:t>
+            </a:r>
+          </a:p>
+        </p:txBody>
+      </p:sp>
+    </p:spTree>
+    <p:extLst>
+      <p:ext uri="{BB962C8B-B14F-4D97-AF65-F5344CB8AC3E}">
+        <p14:creationId xmlns:p14="http://schemas.microsoft.com/office/powerpoint/2010/main" val="4080723295"/>
+      </p:ext>
+    </p:extLst>
+  </p:cSld>
+  <p:clrMapOvr>
+    <a:masterClrMapping/>
+  </p:clrMapOvr>
+</p:sldLayout>
+</file>
+
+<file path=ppt/slideLayouts/slideLayout13.xml><?xml version="1.0" encoding="utf-8"?>
+<p:sldLayout xmlns:a="http://schemas.openxmlformats.org/drawingml/2006/main" xmlns:r="http://schemas.openxmlformats.org/officeDocument/2006/relationships" xmlns:p="http://schemas.openxmlformats.org/presentationml/2006/main" preserve="1">
+  <p:cSld name="Name Card">
+    <p:spTree>
+      <p:nvGrpSpPr>
+        <p:cNvPr id="1" name=""/>
+        <p:cNvGrpSpPr/>
+        <p:nvPr/>
+      </p:nvGrpSpPr>
+      <p:grpSpPr>
+        <a:xfrm>
+          <a:off x="0" y="0"/>
+          <a:ext cx="0" cy="0"/>
+          <a:chOff x="0" y="0"/>
+          <a:chExt cx="0" cy="0"/>
+        </a:xfrm>
+      </p:grpSpPr>
+      <p:sp>
+        <p:nvSpPr>
+          <p:cNvPr id="2" name="Title 1"/>
+          <p:cNvSpPr>
+            <a:spLocks noGrp="1"/>
+          </p:cNvSpPr>
+          <p:nvPr>
+            <p:ph type="title"/>
+          </p:nvPr>
+        </p:nvSpPr>
+        <p:spPr>
+          <a:xfrm>
+            <a:off x="1154954" y="3124201"/>
+            <a:ext cx="8825660" cy="1653180"/>
+          </a:xfrm>
+        </p:spPr>
+        <p:txBody>
+          <a:bodyPr anchor="b"/>
+          <a:lstStyle>
+            <a:lvl1pPr algn="l">
+              <a:defRPr sz="4000" b="0" cap="none"/>
+            </a:lvl1pPr>
+          </a:lstStyle>
+          <a:p>
+            <a:r>
+              <a:rPr lang="en-US" dirty="0"/>
+              <a:t>Click to edit Master title style</a:t>
+            </a:r>
+          </a:p>
+        </p:txBody>
+      </p:sp>
+      <p:sp>
+        <p:nvSpPr>
+          <p:cNvPr id="3" name="Text Placeholder 2"/>
+          <p:cNvSpPr>
+            <a:spLocks noGrp="1"/>
+          </p:cNvSpPr>
+          <p:nvPr>
+            <p:ph type="body" idx="1"/>
+          </p:nvPr>
+        </p:nvSpPr>
+        <p:spPr>
+          <a:xfrm>
+            <a:off x="1154954" y="4777381"/>
+            <a:ext cx="8825659" cy="860400"/>
+          </a:xfrm>
+        </p:spPr>
+        <p:txBody>
+          <a:bodyPr anchor="t"/>
+          <a:lstStyle>
+            <a:lvl1pPr marL="0" indent="0" algn="l">
+              <a:buNone/>
+              <a:defRPr sz="2000" cap="none">
+                <a:solidFill>
+                  <a:schemeClr val="bg2">
+                    <a:lumMod val="40000"/>
+                    <a:lumOff val="60000"/>
+                  </a:schemeClr>
+                </a:solidFill>
+              </a:defRPr>
+            </a:lvl1pPr>
+            <a:lvl2pPr marL="457200" indent="0">
+              <a:buNone/>
+              <a:defRPr sz="1800">
+                <a:solidFill>
+                  <a:schemeClr val="tx1">
+                    <a:tint val="75000"/>
+                  </a:schemeClr>
+                </a:solidFill>
+              </a:defRPr>
+            </a:lvl2pPr>
+            <a:lvl3pPr marL="914400" indent="0">
+              <a:buNone/>
+              <a:defRPr sz="1600">
+                <a:solidFill>
+                  <a:schemeClr val="tx1">
+                    <a:tint val="75000"/>
+                  </a:schemeClr>
+                </a:solidFill>
+              </a:defRPr>
+            </a:lvl3pPr>
+            <a:lvl4pPr marL="1371600" indent="0">
+              <a:buNone/>
+              <a:defRPr sz="1400">
+                <a:solidFill>
+                  <a:schemeClr val="tx1">
+                    <a:tint val="75000"/>
+                  </a:schemeClr>
+                </a:solidFill>
+              </a:defRPr>
+            </a:lvl4pPr>
+            <a:lvl5pPr marL="1828800" indent="0">
+              <a:buNone/>
+              <a:defRPr sz="1400">
+                <a:solidFill>
+                  <a:schemeClr val="tx1">
+                    <a:tint val="75000"/>
+                  </a:schemeClr>
+                </a:solidFill>
+              </a:defRPr>
+            </a:lvl5pPr>
+            <a:lvl6pPr marL="2286000" indent="0">
+              <a:buNone/>
+              <a:defRPr sz="1400">
+                <a:solidFill>
+                  <a:schemeClr val="tx1">
+                    <a:tint val="75000"/>
+                  </a:schemeClr>
+                </a:solidFill>
+              </a:defRPr>
+            </a:lvl6pPr>
+            <a:lvl7pPr marL="2743200" indent="0">
+              <a:buNone/>
+              <a:defRPr sz="1400">
+                <a:solidFill>
+                  <a:schemeClr val="tx1">
+                    <a:tint val="75000"/>
+                  </a:schemeClr>
+                </a:solidFill>
+              </a:defRPr>
+            </a:lvl7pPr>
+            <a:lvl8pPr marL="3200400" indent="0">
+              <a:buNone/>
+              <a:defRPr sz="1400">
+                <a:solidFill>
+                  <a:schemeClr val="tx1">
+                    <a:tint val="75000"/>
+                  </a:schemeClr>
+                </a:solidFill>
+              </a:defRPr>
+            </a:lvl8pPr>
+            <a:lvl9pPr marL="3657600" indent="0">
+              <a:buNone/>
+              <a:defRPr sz="1400">
+                <a:solidFill>
+                  <a:schemeClr val="tx1">
+                    <a:tint val="75000"/>
+                  </a:schemeClr>
+                </a:solidFill>
+              </a:defRPr>
+            </a:lvl9pPr>
+          </a:lstStyle>
+          <a:p>
+            <a:pPr lvl="0"/>
+            <a:r>
+              <a:rPr lang="en-US" dirty="0"/>
+              <a:t>Click to edit Master text styles</a:t>
+            </a:r>
+          </a:p>
+        </p:txBody>
+      </p:sp>
+      <p:sp>
+        <p:nvSpPr>
+          <p:cNvPr id="4" name="Date Placeholder 3"/>
+          <p:cNvSpPr>
+            <a:spLocks noGrp="1"/>
+          </p:cNvSpPr>
+          <p:nvPr>
+            <p:ph type="dt" sz="half" idx="10"/>
+          </p:nvPr>
+        </p:nvSpPr>
+        <p:spPr/>
+        <p:txBody>
+          <a:bodyPr/>
+          <a:lstStyle/>
+          <a:p>
+            <a:fld id="{4509A250-FF31-4206-8172-F9D3106AACB1}" type="datetimeFigureOut">
+              <a:rPr lang="en-US" dirty="0"/>
+              <a:t>1/8/2020</a:t>
+            </a:fld>
+            <a:endParaRPr lang="en-US" dirty="0"/>
+          </a:p>
+        </p:txBody>
+      </p:sp>
+      <p:sp>
+        <p:nvSpPr>
+          <p:cNvPr id="5" name="Footer Placeholder 4"/>
+          <p:cNvSpPr>
+            <a:spLocks noGrp="1"/>
+          </p:cNvSpPr>
+          <p:nvPr>
+            <p:ph type="ftr" sz="quarter" idx="11"/>
+          </p:nvPr>
+        </p:nvSpPr>
+        <p:spPr/>
+        <p:txBody>
+          <a:bodyPr/>
+          <a:lstStyle/>
+          <a:p>
+            <a:endParaRPr lang="en-US" dirty="0"/>
+          </a:p>
+        </p:txBody>
+      </p:sp>
+      <p:sp>
+        <p:nvSpPr>
+          <p:cNvPr id="6" name="Slide Number Placeholder 5"/>
+          <p:cNvSpPr>
+            <a:spLocks noGrp="1"/>
+          </p:cNvSpPr>
+          <p:nvPr>
+            <p:ph type="sldNum" sz="quarter" idx="12"/>
+          </p:nvPr>
+        </p:nvSpPr>
+        <p:spPr/>
+        <p:txBody>
+          <a:bodyPr/>
+          <a:lstStyle/>
+          <a:p>
+            <a:fld id="{D57F1E4F-1CFF-5643-939E-02111984F565}" type="slidenum">
+              <a:rPr lang="en-US" dirty="0"/>
+              <a:t>‹#›</a:t>
+            </a:fld>
+            <a:endParaRPr lang="en-US" dirty="0"/>
+          </a:p>
+        </p:txBody>
+      </p:sp>
+    </p:spTree>
+    <p:extLst>
+      <p:ext uri="{BB962C8B-B14F-4D97-AF65-F5344CB8AC3E}">
+        <p14:creationId xmlns:p14="http://schemas.microsoft.com/office/powerpoint/2010/main" val="3094176383"/>
+      </p:ext>
+    </p:extLst>
+  </p:cSld>
+  <p:clrMapOvr>
+    <a:masterClrMapping/>
+  </p:clrMapOvr>
+</p:sldLayout>
+</file>
+
+<file path=ppt/slideLayouts/slideLayout14.xml><?xml version="1.0" encoding="utf-8"?>
+<p:sldLayout xmlns:a="http://schemas.openxmlformats.org/drawingml/2006/main" xmlns:r="http://schemas.openxmlformats.org/officeDocument/2006/relationships" xmlns:p="http://schemas.openxmlformats.org/presentationml/2006/main" preserve="1">
+  <p:cSld name="3 Column">
+    <p:spTree>
+      <p:nvGrpSpPr>
+        <p:cNvPr id="1" name=""/>
+        <p:cNvGrpSpPr/>
+        <p:nvPr/>
+      </p:nvGrpSpPr>
+      <p:grpSpPr>
+        <a:xfrm>
+          <a:off x="0" y="0"/>
+          <a:ext cx="0" cy="0"/>
+          <a:chOff x="0" y="0"/>
+          <a:chExt cx="0" cy="0"/>
+        </a:xfrm>
+      </p:grpSpPr>
+      <p:sp>
+        <p:nvSpPr>
+          <p:cNvPr id="2" name="Title 1"/>
+          <p:cNvSpPr>
+            <a:spLocks noGrp="1"/>
+          </p:cNvSpPr>
+          <p:nvPr>
+            <p:ph type="title"/>
+          </p:nvPr>
+        </p:nvSpPr>
+        <p:spPr/>
+        <p:txBody>
+          <a:bodyPr/>
+          <a:lstStyle>
+            <a:lvl1pPr>
+              <a:defRPr sz="4200"/>
+            </a:lvl1pPr>
+          </a:lstStyle>
+          <a:p>
+            <a:r>
+              <a:rPr lang="en-US" dirty="0"/>
+              <a:t>Click to edit Master title style</a:t>
+            </a:r>
+          </a:p>
+        </p:txBody>
+      </p:sp>
+      <p:sp>
+        <p:nvSpPr>
+          <p:cNvPr id="3" name="Text Placeholder 2"/>
+          <p:cNvSpPr>
+            <a:spLocks noGrp="1"/>
+          </p:cNvSpPr>
+          <p:nvPr>
+            <p:ph type="body" idx="1"/>
+          </p:nvPr>
+        </p:nvSpPr>
+        <p:spPr>
+          <a:xfrm>
+            <a:off x="632947" y="1981200"/>
+            <a:ext cx="2946866" cy="576262"/>
+          </a:xfrm>
+        </p:spPr>
+        <p:txBody>
+          <a:bodyPr anchor="b">
+            <a:noAutofit/>
+          </a:bodyPr>
+          <a:lstStyle>
+            <a:lvl1pPr marL="0" indent="0">
+              <a:buNone/>
+              <a:defRPr sz="2400" b="0">
+                <a:solidFill>
+                  <a:schemeClr val="bg2">
+                    <a:lumMod val="40000"/>
+                    <a:lumOff val="60000"/>
+                  </a:schemeClr>
+                </a:solidFill>
+              </a:defRPr>
+            </a:lvl1pPr>
+            <a:lvl2pPr marL="457200" indent="0">
+              <a:buNone/>
+              <a:defRPr sz="2000" b="1"/>
+            </a:lvl2pPr>
+            <a:lvl3pPr marL="914400" indent="0">
+              <a:buNone/>
+              <a:defRPr sz="1800" b="1"/>
+            </a:lvl3pPr>
+            <a:lvl4pPr marL="1371600" indent="0">
+              <a:buNone/>
+              <a:defRPr sz="1600" b="1"/>
+            </a:lvl4pPr>
+            <a:lvl5pPr marL="1828800" indent="0">
+              <a:buNone/>
+              <a:defRPr sz="1600" b="1"/>
+            </a:lvl5pPr>
+            <a:lvl6pPr marL="2286000" indent="0">
+              <a:buNone/>
+              <a:defRPr sz="1600" b="1"/>
+            </a:lvl6pPr>
+            <a:lvl7pPr marL="2743200" indent="0">
+              <a:buNone/>
+              <a:defRPr sz="1600" b="1"/>
+            </a:lvl7pPr>
+            <a:lvl8pPr marL="3200400" indent="0">
+              <a:buNone/>
+              <a:defRPr sz="1600" b="1"/>
+            </a:lvl8pPr>
+            <a:lvl9pPr marL="3657600" indent="0">
+              <a:buNone/>
+              <a:defRPr sz="1600" b="1"/>
+            </a:lvl9pPr>
+          </a:lstStyle>
+          <a:p>
+            <a:pPr lvl="0"/>
+            <a:r>
+              <a:rPr lang="en-US" dirty="0"/>
+              <a:t>Click to edit Master text styles</a:t>
+            </a:r>
+          </a:p>
+        </p:txBody>
+      </p:sp>
+      <p:sp>
+        <p:nvSpPr>
+          <p:cNvPr id="16" name="Text Placeholder 3"/>
+          <p:cNvSpPr>
+            <a:spLocks noGrp="1"/>
+          </p:cNvSpPr>
+          <p:nvPr>
+            <p:ph type="body" sz="half" idx="15"/>
+          </p:nvPr>
+        </p:nvSpPr>
+        <p:spPr>
+          <a:xfrm>
+            <a:off x="652463" y="2667000"/>
+            <a:ext cx="2927350" cy="3589338"/>
+          </a:xfrm>
+        </p:spPr>
+        <p:txBody>
+          <a:bodyPr anchor="t">
+            <a:normAutofit/>
+          </a:bodyPr>
+          <a:lstStyle>
+            <a:lvl1pPr marL="0" indent="0">
+              <a:buNone/>
+              <a:defRPr sz="1400"/>
+            </a:lvl1pPr>
+            <a:lvl2pPr marL="457200" indent="0">
+              <a:buNone/>
+              <a:defRPr sz="1200"/>
+            </a:lvl2pPr>
+            <a:lvl3pPr marL="914400" indent="0">
+              <a:buNone/>
+              <a:defRPr sz="1000"/>
+            </a:lvl3pPr>
+            <a:lvl4pPr marL="1371600" indent="0">
+              <a:buNone/>
+              <a:defRPr sz="900"/>
+            </a:lvl4pPr>
+            <a:lvl5pPr marL="1828800" indent="0">
+              <a:buNone/>
+              <a:defRPr sz="900"/>
+            </a:lvl5pPr>
+            <a:lvl6pPr marL="2286000" indent="0">
+              <a:buNone/>
+              <a:defRPr sz="900"/>
+            </a:lvl6pPr>
+            <a:lvl7pPr marL="2743200" indent="0">
+              <a:buNone/>
+              <a:defRPr sz="900"/>
+            </a:lvl7pPr>
+            <a:lvl8pPr marL="3200400" indent="0">
+              <a:buNone/>
+              <a:defRPr sz="900"/>
+            </a:lvl8pPr>
+            <a:lvl9pPr marL="3657600" indent="0">
+              <a:buNone/>
+              <a:defRPr sz="900"/>
+            </a:lvl9pPr>
+          </a:lstStyle>
+          <a:p>
+            <a:pPr lvl="0"/>
+            <a:r>
+              <a:rPr lang="en-US" dirty="0"/>
+              <a:t>Click to edit Master text styles</a:t>
+            </a:r>
+          </a:p>
+        </p:txBody>
+      </p:sp>
+      <p:sp>
+        <p:nvSpPr>
+          <p:cNvPr id="5" name="Text Placeholder 4"/>
+          <p:cNvSpPr>
+            <a:spLocks noGrp="1"/>
+          </p:cNvSpPr>
+          <p:nvPr>
+            <p:ph type="body" sz="quarter" idx="3"/>
+          </p:nvPr>
+        </p:nvSpPr>
+        <p:spPr>
+          <a:xfrm>
+            <a:off x="3883659" y="1981200"/>
+            <a:ext cx="2936241" cy="576262"/>
+          </a:xfrm>
+        </p:spPr>
+        <p:txBody>
+          <a:bodyPr anchor="b">
+            <a:noAutofit/>
+          </a:bodyPr>
+          <a:lstStyle>
+            <a:lvl1pPr marL="0" indent="0">
+              <a:buNone/>
+              <a:defRPr sz="2400" b="0">
+                <a:solidFill>
+                  <a:schemeClr val="bg2">
+                    <a:lumMod val="40000"/>
+                    <a:lumOff val="60000"/>
+                  </a:schemeClr>
+                </a:solidFill>
+              </a:defRPr>
+            </a:lvl1pPr>
+            <a:lvl2pPr marL="457200" indent="0">
+              <a:buNone/>
+              <a:defRPr sz="2000" b="1"/>
+            </a:lvl2pPr>
+            <a:lvl3pPr marL="914400" indent="0">
+              <a:buNone/>
+              <a:defRPr sz="1800" b="1"/>
+            </a:lvl3pPr>
+            <a:lvl4pPr marL="1371600" indent="0">
+              <a:buNone/>
+              <a:defRPr sz="1600" b="1"/>
+            </a:lvl4pPr>
+            <a:lvl5pPr marL="1828800" indent="0">
+              <a:buNone/>
+              <a:defRPr sz="1600" b="1"/>
+            </a:lvl5pPr>
+            <a:lvl6pPr marL="2286000" indent="0">
+              <a:buNone/>
+              <a:defRPr sz="1600" b="1"/>
+            </a:lvl6pPr>
+            <a:lvl7pPr marL="2743200" indent="0">
+              <a:buNone/>
+              <a:defRPr sz="1600" b="1"/>
+            </a:lvl7pPr>
+            <a:lvl8pPr marL="3200400" indent="0">
+              <a:buNone/>
+              <a:defRPr sz="1600" b="1"/>
+            </a:lvl8pPr>
+            <a:lvl9pPr marL="3657600" indent="0">
+              <a:buNone/>
+              <a:defRPr sz="1600" b="1"/>
+            </a:lvl9pPr>
+          </a:lstStyle>
+          <a:p>
+            <a:pPr lvl="0"/>
+            <a:r>
+              <a:rPr lang="en-US" dirty="0"/>
+              <a:t>Click to edit Master text styles</a:t>
+            </a:r>
+          </a:p>
+        </p:txBody>
+      </p:sp>
+      <p:sp>
+        <p:nvSpPr>
+          <p:cNvPr id="19" name="Text Placeholder 3"/>
+          <p:cNvSpPr>
+            <a:spLocks noGrp="1"/>
+          </p:cNvSpPr>
+          <p:nvPr>
+            <p:ph type="body" sz="half" idx="16"/>
+          </p:nvPr>
+        </p:nvSpPr>
+        <p:spPr>
+          <a:xfrm>
+            <a:off x="3873106" y="2667000"/>
+            <a:ext cx="2946794" cy="3589338"/>
+          </a:xfrm>
+        </p:spPr>
+        <p:txBody>
+          <a:bodyPr anchor="t">
+            <a:normAutofit/>
+          </a:bodyPr>
+          <a:lstStyle>
+            <a:lvl1pPr marL="0" indent="0">
+              <a:buNone/>
+              <a:defRPr sz="1400"/>
+            </a:lvl1pPr>
+            <a:lvl2pPr marL="457200" indent="0">
+              <a:buNone/>
+              <a:defRPr sz="1200"/>
+            </a:lvl2pPr>
+            <a:lvl3pPr marL="914400" indent="0">
+              <a:buNone/>
+              <a:defRPr sz="1000"/>
+            </a:lvl3pPr>
+            <a:lvl4pPr marL="1371600" indent="0">
+              <a:buNone/>
+              <a:defRPr sz="900"/>
+            </a:lvl4pPr>
+            <a:lvl5pPr marL="1828800" indent="0">
+              <a:buNone/>
+              <a:defRPr sz="900"/>
+            </a:lvl5pPr>
+            <a:lvl6pPr marL="2286000" indent="0">
+              <a:buNone/>
+              <a:defRPr sz="900"/>
+            </a:lvl6pPr>
+            <a:lvl7pPr marL="2743200" indent="0">
+              <a:buNone/>
+              <a:defRPr sz="900"/>
+            </a:lvl7pPr>
+            <a:lvl8pPr marL="3200400" indent="0">
+              <a:buNone/>
+              <a:defRPr sz="900"/>
+            </a:lvl8pPr>
+            <a:lvl9pPr marL="3657600" indent="0">
+              <a:buNone/>
+              <a:defRPr sz="900"/>
+            </a:lvl9pPr>
+          </a:lstStyle>
+          <a:p>
+            <a:pPr lvl="0"/>
+            <a:r>
+              <a:rPr lang="en-US" dirty="0"/>
+              <a:t>Click to edit Master text styles</a:t>
+            </a:r>
+          </a:p>
+        </p:txBody>
+      </p:sp>
+      <p:sp>
+        <p:nvSpPr>
+          <p:cNvPr id="14" name="Text Placeholder 4"/>
+          <p:cNvSpPr>
+            <a:spLocks noGrp="1"/>
+          </p:cNvSpPr>
+          <p:nvPr>
+            <p:ph type="body" sz="quarter" idx="13"/>
+          </p:nvPr>
+        </p:nvSpPr>
+        <p:spPr>
+          <a:xfrm>
+            <a:off x="7124700" y="1981200"/>
+            <a:ext cx="2932113" cy="576262"/>
+          </a:xfrm>
+        </p:spPr>
+        <p:txBody>
+          <a:bodyPr anchor="b">
+            <a:noAutofit/>
+          </a:bodyPr>
+          <a:lstStyle>
+            <a:lvl1pPr marL="0" indent="0">
+              <a:buNone/>
+              <a:defRPr sz="2400" b="0">
+                <a:solidFill>
+                  <a:schemeClr val="bg2">
+                    <a:lumMod val="40000"/>
+                    <a:lumOff val="60000"/>
+                  </a:schemeClr>
+                </a:solidFill>
+              </a:defRPr>
+            </a:lvl1pPr>
+            <a:lvl2pPr marL="457200" indent="0">
+              <a:buNone/>
+              <a:defRPr sz="2000" b="1"/>
+            </a:lvl2pPr>
+            <a:lvl3pPr marL="914400" indent="0">
+              <a:buNone/>
+              <a:defRPr sz="1800" b="1"/>
+            </a:lvl3pPr>
+            <a:lvl4pPr marL="1371600" indent="0">
+              <a:buNone/>
+              <a:defRPr sz="1600" b="1"/>
+            </a:lvl4pPr>
+            <a:lvl5pPr marL="1828800" indent="0">
+              <a:buNone/>
+              <a:defRPr sz="1600" b="1"/>
+            </a:lvl5pPr>
+            <a:lvl6pPr marL="2286000" indent="0">
+              <a:buNone/>
+              <a:defRPr sz="1600" b="1"/>
+            </a:lvl6pPr>
+            <a:lvl7pPr marL="2743200" indent="0">
+              <a:buNone/>
+              <a:defRPr sz="1600" b="1"/>
+            </a:lvl7pPr>
+            <a:lvl8pPr marL="3200400" indent="0">
+              <a:buNone/>
+              <a:defRPr sz="1600" b="1"/>
+            </a:lvl8pPr>
+            <a:lvl9pPr marL="3657600" indent="0">
+              <a:buNone/>
+              <a:defRPr sz="1600" b="1"/>
+            </a:lvl9pPr>
+          </a:lstStyle>
+          <a:p>
+            <a:pPr lvl="0"/>
+            <a:r>
+              <a:rPr lang="en-US" dirty="0"/>
+              <a:t>Click to edit Master text styles</a:t>
+            </a:r>
+          </a:p>
+        </p:txBody>
+      </p:sp>
+      <p:sp>
+        <p:nvSpPr>
+          <p:cNvPr id="20" name="Text Placeholder 3"/>
+          <p:cNvSpPr>
+            <a:spLocks noGrp="1"/>
+          </p:cNvSpPr>
+          <p:nvPr>
+            <p:ph type="body" sz="half" idx="17"/>
+          </p:nvPr>
+        </p:nvSpPr>
+        <p:spPr>
+          <a:xfrm>
+            <a:off x="7124700" y="2667000"/>
+            <a:ext cx="2932113" cy="3589338"/>
+          </a:xfrm>
+        </p:spPr>
+        <p:txBody>
+          <a:bodyPr anchor="t">
+            <a:normAutofit/>
+          </a:bodyPr>
+          <a:lstStyle>
+            <a:lvl1pPr marL="0" indent="0">
+              <a:buNone/>
+              <a:defRPr sz="1400"/>
+            </a:lvl1pPr>
+            <a:lvl2pPr marL="457200" indent="0">
+              <a:buNone/>
+              <a:defRPr sz="1200"/>
+            </a:lvl2pPr>
+            <a:lvl3pPr marL="914400" indent="0">
+              <a:buNone/>
+              <a:defRPr sz="1000"/>
+            </a:lvl3pPr>
+            <a:lvl4pPr marL="1371600" indent="0">
+              <a:buNone/>
+              <a:defRPr sz="900"/>
+            </a:lvl4pPr>
+            <a:lvl5pPr marL="1828800" indent="0">
+              <a:buNone/>
+              <a:defRPr sz="900"/>
+            </a:lvl5pPr>
+            <a:lvl6pPr marL="2286000" indent="0">
+              <a:buNone/>
+              <a:defRPr sz="900"/>
+            </a:lvl6pPr>
+            <a:lvl7pPr marL="2743200" indent="0">
+              <a:buNone/>
+              <a:defRPr sz="900"/>
+            </a:lvl7pPr>
+            <a:lvl8pPr marL="3200400" indent="0">
+              <a:buNone/>
+              <a:defRPr sz="900"/>
+            </a:lvl8pPr>
+            <a:lvl9pPr marL="3657600" indent="0">
+              <a:buNone/>
+              <a:defRPr sz="900"/>
+            </a:lvl9pPr>
+          </a:lstStyle>
+          <a:p>
+            <a:pPr lvl="0"/>
+            <a:r>
+              <a:rPr lang="en-US" dirty="0"/>
+              <a:t>Click to edit Master text styles</a:t>
+            </a:r>
+          </a:p>
+        </p:txBody>
+      </p:sp>
+      <p:cxnSp>
+        <p:nvCxnSpPr>
+          <p:cNvPr id="17" name="Straight Connector 16"/>
+          <p:cNvCxnSpPr/>
+          <p:nvPr/>
+        </p:nvCxnSpPr>
+        <p:spPr>
+          <a:xfrm>
+            <a:off x="3726142" y="2133600"/>
+            <a:ext cx="0" cy="3962400"/>
+          </a:xfrm>
+          <a:prstGeom prst="line">
+            <a:avLst/>
+          </a:prstGeom>
+          <a:ln w="12700" cmpd="sng">
+            <a:solidFill>
+              <a:schemeClr val="bg2">
+                <a:lumMod val="40000"/>
+                <a:lumOff val="60000"/>
+                <a:alpha val="40000"/>
+              </a:schemeClr>
+            </a:solidFill>
+          </a:ln>
+        </p:spPr>
+        <p:style>
+          <a:lnRef idx="2">
+            <a:schemeClr val="accent1"/>
+          </a:lnRef>
+          <a:fillRef idx="0">
+            <a:schemeClr val="accent1"/>
+          </a:fillRef>
+          <a:effectRef idx="1">
+            <a:schemeClr val="accent1"/>
+          </a:effectRef>
+          <a:fontRef idx="minor">
+            <a:schemeClr val="tx1"/>
+          </a:fontRef>
+        </p:style>
+      </p:cxnSp>
+      <p:cxnSp>
+        <p:nvCxnSpPr>
+          <p:cNvPr id="18" name="Straight Connector 17"/>
+          <p:cNvCxnSpPr/>
+          <p:nvPr/>
+        </p:nvCxnSpPr>
+        <p:spPr>
+          <a:xfrm>
+            <a:off x="6962227" y="2133600"/>
+            <a:ext cx="0" cy="3966882"/>
+          </a:xfrm>
+          <a:prstGeom prst="line">
+            <a:avLst/>
+          </a:prstGeom>
+          <a:ln w="12700" cmpd="sng">
+            <a:solidFill>
+              <a:schemeClr val="bg2">
+                <a:lumMod val="40000"/>
+                <a:lumOff val="60000"/>
+                <a:alpha val="40000"/>
+              </a:schemeClr>
+            </a:solidFill>
+          </a:ln>
+        </p:spPr>
+        <p:style>
+          <a:lnRef idx="2">
+            <a:schemeClr val="accent1"/>
+          </a:lnRef>
+          <a:fillRef idx="0">
+            <a:schemeClr val="accent1"/>
+          </a:fillRef>
+          <a:effectRef idx="1">
+            <a:schemeClr val="accent1"/>
+          </a:effectRef>
+          <a:fontRef idx="minor">
+            <a:schemeClr val="tx1"/>
+          </a:fontRef>
+        </p:style>
+      </p:cxnSp>
+      <p:sp>
+        <p:nvSpPr>
+          <p:cNvPr id="7" name="Date Placeholder 3"/>
+          <p:cNvSpPr>
+            <a:spLocks noGrp="1"/>
+          </p:cNvSpPr>
+          <p:nvPr>
+            <p:ph type="dt" sz="half" idx="10"/>
+          </p:nvPr>
+        </p:nvSpPr>
+        <p:spPr/>
+        <p:txBody>
+          <a:bodyPr/>
+          <a:lstStyle/>
+          <a:p>
+            <a:fld id="{4509A250-FF31-4206-8172-F9D3106AACB1}" type="datetimeFigureOut">
+              <a:rPr lang="en-US" dirty="0"/>
+              <a:t>1/8/2020</a:t>
+            </a:fld>
+            <a:endParaRPr lang="en-US" dirty="0"/>
+          </a:p>
+        </p:txBody>
+      </p:sp>
+      <p:sp>
+        <p:nvSpPr>
+          <p:cNvPr id="4" name="Footer Placeholder 4"/>
+          <p:cNvSpPr>
+            <a:spLocks noGrp="1"/>
+          </p:cNvSpPr>
+          <p:nvPr>
+            <p:ph type="ftr" sz="quarter" idx="11"/>
+          </p:nvPr>
+        </p:nvSpPr>
+        <p:spPr/>
+        <p:txBody>
+          <a:bodyPr/>
+          <a:lstStyle/>
+          <a:p>
+            <a:endParaRPr lang="en-US" dirty="0"/>
+          </a:p>
+        </p:txBody>
+      </p:sp>
+      <p:sp>
+        <p:nvSpPr>
+          <p:cNvPr id="6" name="Slide Number Placeholder 5"/>
+          <p:cNvSpPr>
+            <a:spLocks noGrp="1"/>
+          </p:cNvSpPr>
+          <p:nvPr>
+            <p:ph type="sldNum" sz="quarter" idx="12"/>
+          </p:nvPr>
+        </p:nvSpPr>
+        <p:spPr/>
+        <p:txBody>
+          <a:bodyPr/>
+          <a:lstStyle/>
+          <a:p>
+            <a:fld id="{D57F1E4F-1CFF-5643-939E-02111984F565}" type="slidenum">
+              <a:rPr lang="en-US" dirty="0"/>
+              <a:t>‹#›</a:t>
+            </a:fld>
+            <a:endParaRPr lang="en-US" dirty="0"/>
+          </a:p>
+        </p:txBody>
+      </p:sp>
+    </p:spTree>
+    <p:extLst>
+      <p:ext uri="{BB962C8B-B14F-4D97-AF65-F5344CB8AC3E}">
+        <p14:creationId xmlns:p14="http://schemas.microsoft.com/office/powerpoint/2010/main" val="3040763759"/>
+      </p:ext>
+    </p:extLst>
+  </p:cSld>
+  <p:clrMapOvr>
+    <a:masterClrMapping/>
+  </p:clrMapOvr>
+</p:sldLayout>
+</file>
+
+<file path=ppt/slideLayouts/slideLayout15.xml><?xml version="1.0" encoding="utf-8"?>
+<p:sldLayout xmlns:a="http://schemas.openxmlformats.org/drawingml/2006/main" xmlns:r="http://schemas.openxmlformats.org/officeDocument/2006/relationships" xmlns:p="http://schemas.openxmlformats.org/presentationml/2006/main" preserve="1">
+  <p:cSld name="3 Picture Column">
+    <p:spTree>
+      <p:nvGrpSpPr>
+        <p:cNvPr id="1" name=""/>
+        <p:cNvGrpSpPr/>
+        <p:nvPr/>
+      </p:nvGrpSpPr>
+      <p:grpSpPr>
+        <a:xfrm>
+          <a:off x="0" y="0"/>
+          <a:ext cx="0" cy="0"/>
+          <a:chOff x="0" y="0"/>
+          <a:chExt cx="0" cy="0"/>
+        </a:xfrm>
+      </p:grpSpPr>
+      <p:sp>
+        <p:nvSpPr>
+          <p:cNvPr id="2" name="Title 1"/>
+          <p:cNvSpPr>
+            <a:spLocks noGrp="1"/>
+          </p:cNvSpPr>
+          <p:nvPr>
+            <p:ph type="title"/>
+          </p:nvPr>
+        </p:nvSpPr>
+        <p:spPr/>
+        <p:txBody>
+          <a:bodyPr/>
+          <a:lstStyle>
+            <a:lvl1pPr>
+              <a:defRPr sz="4200"/>
+            </a:lvl1pPr>
+          </a:lstStyle>
+          <a:p>
+            <a:r>
+              <a:rPr lang="en-US" dirty="0"/>
+              <a:t>Click to edit Master title style</a:t>
+            </a:r>
+          </a:p>
+        </p:txBody>
+      </p:sp>
+      <p:sp>
+        <p:nvSpPr>
+          <p:cNvPr id="3" name="Text Placeholder 2"/>
+          <p:cNvSpPr>
+            <a:spLocks noGrp="1"/>
+          </p:cNvSpPr>
+          <p:nvPr>
+            <p:ph type="body" idx="1"/>
+          </p:nvPr>
+        </p:nvSpPr>
+        <p:spPr>
+          <a:xfrm>
+            <a:off x="652463" y="4250949"/>
+            <a:ext cx="2940050" cy="576262"/>
+          </a:xfrm>
+        </p:spPr>
+        <p:txBody>
+          <a:bodyPr anchor="b">
+            <a:noAutofit/>
+          </a:bodyPr>
+          <a:lstStyle>
+            <a:lvl1pPr marL="0" indent="0">
+              <a:buNone/>
+              <a:defRPr sz="2400" b="0">
+                <a:solidFill>
+                  <a:schemeClr val="bg2">
+                    <a:lumMod val="40000"/>
+                    <a:lumOff val="60000"/>
+                  </a:schemeClr>
+                </a:solidFill>
+              </a:defRPr>
+            </a:lvl1pPr>
+            <a:lvl2pPr marL="457200" indent="0">
+              <a:buNone/>
+              <a:defRPr sz="2000" b="1"/>
+            </a:lvl2pPr>
+            <a:lvl3pPr marL="914400" indent="0">
+              <a:buNone/>
+              <a:defRPr sz="1800" b="1"/>
+            </a:lvl3pPr>
+            <a:lvl4pPr marL="1371600" indent="0">
+              <a:buNone/>
+              <a:defRPr sz="1600" b="1"/>
+            </a:lvl4pPr>
+            <a:lvl5pPr marL="1828800" indent="0">
+              <a:buNone/>
+              <a:defRPr sz="1600" b="1"/>
+            </a:lvl5pPr>
+            <a:lvl6pPr marL="2286000" indent="0">
+              <a:buNone/>
+              <a:defRPr sz="1600" b="1"/>
+            </a:lvl6pPr>
+            <a:lvl7pPr marL="2743200" indent="0">
+              <a:buNone/>
+              <a:defRPr sz="1600" b="1"/>
+            </a:lvl7pPr>
+            <a:lvl8pPr marL="3200400" indent="0">
+              <a:buNone/>
+              <a:defRPr sz="1600" b="1"/>
+            </a:lvl8pPr>
+            <a:lvl9pPr marL="3657600" indent="0">
+              <a:buNone/>
+              <a:defRPr sz="1600" b="1"/>
+            </a:lvl9pPr>
+          </a:lstStyle>
+          <a:p>
+            <a:pPr lvl="0"/>
+            <a:r>
+              <a:rPr lang="en-US" dirty="0"/>
+              <a:t>Click to edit Master text styles</a:t>
+            </a:r>
+          </a:p>
+        </p:txBody>
+      </p:sp>
+      <p:sp>
+        <p:nvSpPr>
+          <p:cNvPr id="29" name="Picture Placeholder 2"/>
+          <p:cNvSpPr>
+            <a:spLocks noGrp="1" noChangeAspect="1"/>
+          </p:cNvSpPr>
+          <p:nvPr>
+            <p:ph type="pic" idx="15"/>
+          </p:nvPr>
+        </p:nvSpPr>
+        <p:spPr>
+          <a:xfrm>
+            <a:off x="652463" y="2209800"/>
+            <a:ext cx="2940050" cy="1524000"/>
+          </a:xfrm>
+          <a:prstGeom prst="roundRect">
+            <a:avLst>
+              <a:gd name="adj" fmla="val 1858"/>
+            </a:avLst>
+          </a:prstGeom>
+          <a:effectLst>
+            <a:outerShdw blurRad="50800" dist="50800" dir="5400000" algn="tl" rotWithShape="0">
+              <a:srgbClr val="000000">
+                <a:alpha val="43000"/>
+              </a:srgbClr>
+            </a:outerShdw>
+          </a:effectLst>
+        </p:spPr>
+        <p:txBody>
+          <a:bodyPr anchor="t">
+            <a:normAutofit/>
+          </a:bodyPr>
+          <a:lstStyle>
+            <a:lvl1pPr marL="0" indent="0" algn="ctr">
+              <a:buNone/>
+              <a:defRPr sz="1600"/>
+            </a:lvl1pPr>
+            <a:lvl2pPr marL="457200" indent="0">
+              <a:buNone/>
+              <a:defRPr sz="1600"/>
+            </a:lvl2pPr>
+            <a:lvl3pPr marL="914400" indent="0">
+              <a:buNone/>
+              <a:defRPr sz="1600"/>
+            </a:lvl3pPr>
+            <a:lvl4pPr marL="1371600" indent="0">
+              <a:buNone/>
+              <a:defRPr sz="1600"/>
+            </a:lvl4pPr>
+            <a:lvl5pPr marL="1828800" indent="0">
+              <a:buNone/>
+              <a:defRPr sz="1600"/>
+            </a:lvl5pPr>
+            <a:lvl6pPr marL="2286000" indent="0">
+              <a:buNone/>
+              <a:defRPr sz="1600"/>
+            </a:lvl6pPr>
+            <a:lvl7pPr marL="2743200" indent="0">
+              <a:buNone/>
+              <a:defRPr sz="1600"/>
+            </a:lvl7pPr>
+            <a:lvl8pPr marL="3200400" indent="0">
+              <a:buNone/>
+              <a:defRPr sz="1600"/>
+            </a:lvl8pPr>
+            <a:lvl9pPr marL="3657600" indent="0">
+              <a:buNone/>
+              <a:defRPr sz="1600"/>
+            </a:lvl9pPr>
+          </a:lstStyle>
+          <a:p>
+            <a:endParaRPr lang="en-US" dirty="0"/>
+          </a:p>
+        </p:txBody>
+      </p:sp>
+      <p:sp>
+        <p:nvSpPr>
+          <p:cNvPr id="22" name="Text Placeholder 3"/>
+          <p:cNvSpPr>
+            <a:spLocks noGrp="1"/>
+          </p:cNvSpPr>
+          <p:nvPr>
+            <p:ph type="body" sz="half" idx="18"/>
+          </p:nvPr>
+        </p:nvSpPr>
+        <p:spPr>
+          <a:xfrm>
+            <a:off x="652463" y="4827211"/>
+            <a:ext cx="2940050" cy="659189"/>
+          </a:xfrm>
+        </p:spPr>
+        <p:txBody>
+          <a:bodyPr anchor="t">
+            <a:normAutofit/>
+          </a:bodyPr>
+          <a:lstStyle>
+            <a:lvl1pPr marL="0" indent="0">
+              <a:buNone/>
+              <a:defRPr sz="1400"/>
+            </a:lvl1pPr>
+            <a:lvl2pPr marL="457200" indent="0">
+              <a:buNone/>
+              <a:defRPr sz="1200"/>
+            </a:lvl2pPr>
+            <a:lvl3pPr marL="914400" indent="0">
+              <a:buNone/>
+              <a:defRPr sz="1000"/>
+            </a:lvl3pPr>
+            <a:lvl4pPr marL="1371600" indent="0">
+              <a:buNone/>
+              <a:defRPr sz="900"/>
+            </a:lvl4pPr>
+            <a:lvl5pPr marL="1828800" indent="0">
+              <a:buNone/>
+              <a:defRPr sz="900"/>
+            </a:lvl5pPr>
+            <a:lvl6pPr marL="2286000" indent="0">
+              <a:buNone/>
+              <a:defRPr sz="900"/>
+            </a:lvl6pPr>
+            <a:lvl7pPr marL="2743200" indent="0">
+              <a:buNone/>
+              <a:defRPr sz="900"/>
+            </a:lvl7pPr>
+            <a:lvl8pPr marL="3200400" indent="0">
+              <a:buNone/>
+              <a:defRPr sz="900"/>
+            </a:lvl8pPr>
+            <a:lvl9pPr marL="3657600" indent="0">
+              <a:buNone/>
+              <a:defRPr sz="900"/>
+            </a:lvl9pPr>
+          </a:lstStyle>
+          <a:p>
+            <a:pPr lvl="0"/>
+            <a:r>
+              <a:rPr lang="en-US" dirty="0"/>
+              <a:t>Click to edit Master text styles</a:t>
+            </a:r>
+          </a:p>
+        </p:txBody>
+      </p:sp>
+      <p:sp>
+        <p:nvSpPr>
+          <p:cNvPr id="5" name="Text Placeholder 4"/>
+          <p:cNvSpPr>
+            <a:spLocks noGrp="1"/>
+          </p:cNvSpPr>
+          <p:nvPr>
+            <p:ph type="body" sz="quarter" idx="3"/>
+          </p:nvPr>
+        </p:nvSpPr>
+        <p:spPr>
+          <a:xfrm>
+            <a:off x="3889375" y="4250949"/>
+            <a:ext cx="2930525" cy="576262"/>
+          </a:xfrm>
+        </p:spPr>
+        <p:txBody>
+          <a:bodyPr anchor="b">
+            <a:noAutofit/>
+          </a:bodyPr>
+          <a:lstStyle>
+            <a:lvl1pPr marL="0" indent="0">
+              <a:buNone/>
+              <a:defRPr sz="2400" b="0">
+                <a:solidFill>
+                  <a:schemeClr val="bg2">
+                    <a:lumMod val="40000"/>
+                    <a:lumOff val="60000"/>
+                  </a:schemeClr>
+                </a:solidFill>
+              </a:defRPr>
+            </a:lvl1pPr>
+            <a:lvl2pPr marL="457200" indent="0">
+              <a:buNone/>
+              <a:defRPr sz="2000" b="1"/>
+            </a:lvl2pPr>
+            <a:lvl3pPr marL="914400" indent="0">
+              <a:buNone/>
+              <a:defRPr sz="1800" b="1"/>
+            </a:lvl3pPr>
+            <a:lvl4pPr marL="1371600" indent="0">
+              <a:buNone/>
+              <a:defRPr sz="1600" b="1"/>
+            </a:lvl4pPr>
+            <a:lvl5pPr marL="1828800" indent="0">
+              <a:buNone/>
+              <a:defRPr sz="1600" b="1"/>
+            </a:lvl5pPr>
+            <a:lvl6pPr marL="2286000" indent="0">
+              <a:buNone/>
+              <a:defRPr sz="1600" b="1"/>
+            </a:lvl6pPr>
+            <a:lvl7pPr marL="2743200" indent="0">
+              <a:buNone/>
+              <a:defRPr sz="1600" b="1"/>
+            </a:lvl7pPr>
+            <a:lvl8pPr marL="3200400" indent="0">
+              <a:buNone/>
+              <a:defRPr sz="1600" b="1"/>
+            </a:lvl8pPr>
+            <a:lvl9pPr marL="3657600" indent="0">
+              <a:buNone/>
+              <a:defRPr sz="1600" b="1"/>
+            </a:lvl9pPr>
+          </a:lstStyle>
+          <a:p>
+            <a:pPr lvl="0"/>
+            <a:r>
+              <a:rPr lang="en-US" dirty="0"/>
+              <a:t>Click to edit Master text styles</a:t>
+            </a:r>
+          </a:p>
+        </p:txBody>
+      </p:sp>
+      <p:sp>
+        <p:nvSpPr>
+          <p:cNvPr id="30" name="Picture Placeholder 2"/>
+          <p:cNvSpPr>
+            <a:spLocks noGrp="1" noChangeAspect="1"/>
+          </p:cNvSpPr>
+          <p:nvPr>
+            <p:ph type="pic" idx="21"/>
+          </p:nvPr>
+        </p:nvSpPr>
+        <p:spPr>
+          <a:xfrm>
+            <a:off x="3889374" y="2209800"/>
+            <a:ext cx="2930525" cy="1524000"/>
+          </a:xfrm>
+          <a:prstGeom prst="roundRect">
+            <a:avLst>
+              <a:gd name="adj" fmla="val 1858"/>
+            </a:avLst>
+          </a:prstGeom>
+          <a:effectLst>
+            <a:outerShdw blurRad="50800" dist="50800" dir="5400000" algn="tl" rotWithShape="0">
+              <a:srgbClr val="000000">
+                <a:alpha val="43000"/>
+              </a:srgbClr>
+            </a:outerShdw>
+          </a:effectLst>
+        </p:spPr>
+        <p:txBody>
+          <a:bodyPr anchor="t">
+            <a:normAutofit/>
+          </a:bodyPr>
+          <a:lstStyle>
+            <a:lvl1pPr marL="0" indent="0" algn="ctr">
+              <a:buNone/>
+              <a:defRPr sz="1600"/>
+            </a:lvl1pPr>
+            <a:lvl2pPr marL="457200" indent="0">
+              <a:buNone/>
+              <a:defRPr sz="1600"/>
+            </a:lvl2pPr>
+            <a:lvl3pPr marL="914400" indent="0">
+              <a:buNone/>
+              <a:defRPr sz="1600"/>
+            </a:lvl3pPr>
+            <a:lvl4pPr marL="1371600" indent="0">
+              <a:buNone/>
+              <a:defRPr sz="1600"/>
+            </a:lvl4pPr>
+            <a:lvl5pPr marL="1828800" indent="0">
+              <a:buNone/>
+              <a:defRPr sz="1600"/>
+            </a:lvl5pPr>
+            <a:lvl6pPr marL="2286000" indent="0">
+              <a:buNone/>
+              <a:defRPr sz="1600"/>
+            </a:lvl6pPr>
+            <a:lvl7pPr marL="2743200" indent="0">
+              <a:buNone/>
+              <a:defRPr sz="1600"/>
+            </a:lvl7pPr>
+            <a:lvl8pPr marL="3200400" indent="0">
+              <a:buNone/>
+              <a:defRPr sz="1600"/>
+            </a:lvl8pPr>
+            <a:lvl9pPr marL="3657600" indent="0">
+              <a:buNone/>
+              <a:defRPr sz="1600"/>
+            </a:lvl9pPr>
+          </a:lstStyle>
+          <a:p>
+            <a:endParaRPr lang="en-US" dirty="0"/>
+          </a:p>
+        </p:txBody>
+      </p:sp>
+      <p:sp>
+        <p:nvSpPr>
+          <p:cNvPr id="23" name="Text Placeholder 3"/>
+          <p:cNvSpPr>
+            <a:spLocks noGrp="1"/>
+          </p:cNvSpPr>
+          <p:nvPr>
+            <p:ph type="body" sz="half" idx="19"/>
+          </p:nvPr>
+        </p:nvSpPr>
+        <p:spPr>
+          <a:xfrm>
+            <a:off x="3888022" y="4827210"/>
+            <a:ext cx="2934406" cy="659189"/>
+          </a:xfrm>
+        </p:spPr>
+        <p:txBody>
+          <a:bodyPr anchor="t">
+            <a:normAutofit/>
+          </a:bodyPr>
+          <a:lstStyle>
+            <a:lvl1pPr marL="0" indent="0">
+              <a:buNone/>
+              <a:defRPr sz="1400"/>
+            </a:lvl1pPr>
+            <a:lvl2pPr marL="457200" indent="0">
+              <a:buNone/>
+              <a:defRPr sz="1200"/>
+            </a:lvl2pPr>
+            <a:lvl3pPr marL="914400" indent="0">
+              <a:buNone/>
+              <a:defRPr sz="1000"/>
+            </a:lvl3pPr>
+            <a:lvl4pPr marL="1371600" indent="0">
+              <a:buNone/>
+              <a:defRPr sz="900"/>
+            </a:lvl4pPr>
+            <a:lvl5pPr marL="1828800" indent="0">
+              <a:buNone/>
+              <a:defRPr sz="900"/>
+            </a:lvl5pPr>
+            <a:lvl6pPr marL="2286000" indent="0">
+              <a:buNone/>
+              <a:defRPr sz="900"/>
+            </a:lvl6pPr>
+            <a:lvl7pPr marL="2743200" indent="0">
+              <a:buNone/>
+              <a:defRPr sz="900"/>
+            </a:lvl7pPr>
+            <a:lvl8pPr marL="3200400" indent="0">
+              <a:buNone/>
+              <a:defRPr sz="900"/>
+            </a:lvl8pPr>
+            <a:lvl9pPr marL="3657600" indent="0">
+              <a:buNone/>
+              <a:defRPr sz="900"/>
+            </a:lvl9pPr>
+          </a:lstStyle>
+          <a:p>
+            <a:pPr lvl="0"/>
+            <a:r>
+              <a:rPr lang="en-US" dirty="0"/>
+              <a:t>Click to edit Master text styles</a:t>
+            </a:r>
+          </a:p>
+        </p:txBody>
+      </p:sp>
+      <p:sp>
+        <p:nvSpPr>
+          <p:cNvPr id="14" name="Text Placeholder 4"/>
+          <p:cNvSpPr>
+            <a:spLocks noGrp="1"/>
+          </p:cNvSpPr>
+          <p:nvPr>
+            <p:ph type="body" sz="quarter" idx="13"/>
+          </p:nvPr>
+        </p:nvSpPr>
+        <p:spPr>
+          <a:xfrm>
+            <a:off x="7124700" y="4250949"/>
+            <a:ext cx="2932113" cy="576262"/>
+          </a:xfrm>
+        </p:spPr>
+        <p:txBody>
+          <a:bodyPr anchor="b">
+            <a:noAutofit/>
+          </a:bodyPr>
+          <a:lstStyle>
+            <a:lvl1pPr marL="0" indent="0">
+              <a:buNone/>
+              <a:defRPr sz="2400" b="0">
+                <a:solidFill>
+                  <a:schemeClr val="bg2">
+                    <a:lumMod val="40000"/>
+                    <a:lumOff val="60000"/>
+                  </a:schemeClr>
+                </a:solidFill>
+              </a:defRPr>
+            </a:lvl1pPr>
+            <a:lvl2pPr marL="457200" indent="0">
+              <a:buNone/>
+              <a:defRPr sz="2000" b="1"/>
+            </a:lvl2pPr>
+            <a:lvl3pPr marL="914400" indent="0">
+              <a:buNone/>
+              <a:defRPr sz="1800" b="1"/>
+            </a:lvl3pPr>
+            <a:lvl4pPr marL="1371600" indent="0">
+              <a:buNone/>
+              <a:defRPr sz="1600" b="1"/>
+            </a:lvl4pPr>
+            <a:lvl5pPr marL="1828800" indent="0">
+              <a:buNone/>
+              <a:defRPr sz="1600" b="1"/>
+            </a:lvl5pPr>
+            <a:lvl6pPr marL="2286000" indent="0">
+              <a:buNone/>
+              <a:defRPr sz="1600" b="1"/>
+            </a:lvl6pPr>
+            <a:lvl7pPr marL="2743200" indent="0">
+              <a:buNone/>
+              <a:defRPr sz="1600" b="1"/>
+            </a:lvl7pPr>
+            <a:lvl8pPr marL="3200400" indent="0">
+              <a:buNone/>
+              <a:defRPr sz="1600" b="1"/>
+            </a:lvl8pPr>
+            <a:lvl9pPr marL="3657600" indent="0">
+              <a:buNone/>
+              <a:defRPr sz="1600" b="1"/>
+            </a:lvl9pPr>
+          </a:lstStyle>
+          <a:p>
+            <a:pPr lvl="0"/>
+            <a:r>
+              <a:rPr lang="en-US" dirty="0"/>
+              <a:t>Click to edit Master text styles</a:t>
+            </a:r>
+          </a:p>
+        </p:txBody>
+      </p:sp>
+      <p:sp>
+        <p:nvSpPr>
+          <p:cNvPr id="31" name="Picture Placeholder 2"/>
+          <p:cNvSpPr>
+            <a:spLocks noGrp="1" noChangeAspect="1"/>
+          </p:cNvSpPr>
+          <p:nvPr>
+            <p:ph type="pic" idx="22"/>
+          </p:nvPr>
+        </p:nvSpPr>
+        <p:spPr>
+          <a:xfrm>
+            <a:off x="7124699" y="2209800"/>
+            <a:ext cx="2932113" cy="1524000"/>
+          </a:xfrm>
+          <a:prstGeom prst="roundRect">
+            <a:avLst>
+              <a:gd name="adj" fmla="val 1858"/>
+            </a:avLst>
+          </a:prstGeom>
+          <a:effectLst>
+            <a:outerShdw blurRad="50800" dist="50800" dir="5400000" algn="tl" rotWithShape="0">
+              <a:srgbClr val="000000">
+                <a:alpha val="43000"/>
+              </a:srgbClr>
+            </a:outerShdw>
+          </a:effectLst>
+        </p:spPr>
+        <p:txBody>
+          <a:bodyPr anchor="t">
+            <a:normAutofit/>
+          </a:bodyPr>
+          <a:lstStyle>
+            <a:lvl1pPr marL="0" indent="0" algn="ctr">
+              <a:buNone/>
+              <a:defRPr sz="1600"/>
+            </a:lvl1pPr>
+            <a:lvl2pPr marL="457200" indent="0">
+              <a:buNone/>
+              <a:defRPr sz="1600"/>
+            </a:lvl2pPr>
+            <a:lvl3pPr marL="914400" indent="0">
+              <a:buNone/>
+              <a:defRPr sz="1600"/>
+            </a:lvl3pPr>
+            <a:lvl4pPr marL="1371600" indent="0">
+              <a:buNone/>
+              <a:defRPr sz="1600"/>
+            </a:lvl4pPr>
+            <a:lvl5pPr marL="1828800" indent="0">
+              <a:buNone/>
+              <a:defRPr sz="1600"/>
+            </a:lvl5pPr>
+            <a:lvl6pPr marL="2286000" indent="0">
+              <a:buNone/>
+              <a:defRPr sz="1600"/>
+            </a:lvl6pPr>
+            <a:lvl7pPr marL="2743200" indent="0">
+              <a:buNone/>
+              <a:defRPr sz="1600"/>
+            </a:lvl7pPr>
+            <a:lvl8pPr marL="3200400" indent="0">
+              <a:buNone/>
+              <a:defRPr sz="1600"/>
+            </a:lvl8pPr>
+            <a:lvl9pPr marL="3657600" indent="0">
+              <a:buNone/>
+              <a:defRPr sz="1600"/>
+            </a:lvl9pPr>
+          </a:lstStyle>
+          <a:p>
+            <a:endParaRPr lang="en-US" dirty="0"/>
+          </a:p>
+        </p:txBody>
+      </p:sp>
+      <p:sp>
+        <p:nvSpPr>
+          <p:cNvPr id="24" name="Text Placeholder 3"/>
+          <p:cNvSpPr>
+            <a:spLocks noGrp="1"/>
+          </p:cNvSpPr>
+          <p:nvPr>
+            <p:ph type="body" sz="half" idx="20"/>
+          </p:nvPr>
+        </p:nvSpPr>
+        <p:spPr>
+          <a:xfrm>
+            <a:off x="7124575" y="4827208"/>
+            <a:ext cx="2935997" cy="659189"/>
+          </a:xfrm>
+        </p:spPr>
+        <p:txBody>
+          <a:bodyPr anchor="t">
+            <a:normAutofit/>
+          </a:bodyPr>
+          <a:lstStyle>
+            <a:lvl1pPr marL="0" indent="0">
+              <a:buNone/>
+              <a:defRPr sz="1400"/>
+            </a:lvl1pPr>
+            <a:lvl2pPr marL="457200" indent="0">
+              <a:buNone/>
+              <a:defRPr sz="1200"/>
+            </a:lvl2pPr>
+            <a:lvl3pPr marL="914400" indent="0">
+              <a:buNone/>
+              <a:defRPr sz="1000"/>
+            </a:lvl3pPr>
+            <a:lvl4pPr marL="1371600" indent="0">
+              <a:buNone/>
+              <a:defRPr sz="900"/>
+            </a:lvl4pPr>
+            <a:lvl5pPr marL="1828800" indent="0">
+              <a:buNone/>
+              <a:defRPr sz="900"/>
+            </a:lvl5pPr>
+            <a:lvl6pPr marL="2286000" indent="0">
+              <a:buNone/>
+              <a:defRPr sz="900"/>
+            </a:lvl6pPr>
+            <a:lvl7pPr marL="2743200" indent="0">
+              <a:buNone/>
+              <a:defRPr sz="900"/>
+            </a:lvl7pPr>
+            <a:lvl8pPr marL="3200400" indent="0">
+              <a:buNone/>
+              <a:defRPr sz="900"/>
+            </a:lvl8pPr>
+            <a:lvl9pPr marL="3657600" indent="0">
+              <a:buNone/>
+              <a:defRPr sz="900"/>
+            </a:lvl9pPr>
+          </a:lstStyle>
+          <a:p>
+            <a:pPr lvl="0"/>
+            <a:r>
+              <a:rPr lang="en-US" dirty="0"/>
+              <a:t>Click to edit Master text styles</a:t>
+            </a:r>
+          </a:p>
+        </p:txBody>
+      </p:sp>
+      <p:cxnSp>
+        <p:nvCxnSpPr>
+          <p:cNvPr id="19" name="Straight Connector 18"/>
+          <p:cNvCxnSpPr/>
+          <p:nvPr/>
+        </p:nvCxnSpPr>
+        <p:spPr>
+          <a:xfrm>
+            <a:off x="3726142" y="2133600"/>
+            <a:ext cx="0" cy="3962400"/>
+          </a:xfrm>
+          <a:prstGeom prst="line">
+            <a:avLst/>
+          </a:prstGeom>
+          <a:ln w="12700" cmpd="sng">
+            <a:solidFill>
+              <a:schemeClr val="bg2">
+                <a:lumMod val="40000"/>
+                <a:lumOff val="60000"/>
+                <a:alpha val="40000"/>
+              </a:schemeClr>
+            </a:solidFill>
+          </a:ln>
+        </p:spPr>
+        <p:style>
+          <a:lnRef idx="2">
+            <a:schemeClr val="accent1"/>
+          </a:lnRef>
+          <a:fillRef idx="0">
+            <a:schemeClr val="accent1"/>
+          </a:fillRef>
+          <a:effectRef idx="1">
+            <a:schemeClr val="accent1"/>
+          </a:effectRef>
+          <a:fontRef idx="minor">
+            <a:schemeClr val="tx1"/>
+          </a:fontRef>
+        </p:style>
+      </p:cxnSp>
+      <p:cxnSp>
+        <p:nvCxnSpPr>
+          <p:cNvPr id="20" name="Straight Connector 19"/>
+          <p:cNvCxnSpPr/>
+          <p:nvPr/>
+        </p:nvCxnSpPr>
+        <p:spPr>
+          <a:xfrm>
+            <a:off x="6962227" y="2133600"/>
+            <a:ext cx="0" cy="3966882"/>
+          </a:xfrm>
+          <a:prstGeom prst="line">
+            <a:avLst/>
+          </a:prstGeom>
+          <a:ln w="12700" cmpd="sng">
+            <a:solidFill>
+              <a:schemeClr val="bg2">
+                <a:lumMod val="40000"/>
+                <a:lumOff val="60000"/>
+                <a:alpha val="40000"/>
+              </a:schemeClr>
+            </a:solidFill>
+          </a:ln>
+        </p:spPr>
+        <p:style>
+          <a:lnRef idx="2">
+            <a:schemeClr val="accent1"/>
+          </a:lnRef>
+          <a:fillRef idx="0">
+            <a:schemeClr val="accent1"/>
+          </a:fillRef>
+          <a:effectRef idx="1">
+            <a:schemeClr val="accent1"/>
+          </a:effectRef>
+          <a:fontRef idx="minor">
+            <a:schemeClr val="tx1"/>
+          </a:fontRef>
+        </p:style>
+      </p:cxnSp>
+      <p:sp>
+        <p:nvSpPr>
+          <p:cNvPr id="7" name="Date Placeholder 3"/>
+          <p:cNvSpPr>
+            <a:spLocks noGrp="1"/>
+          </p:cNvSpPr>
+          <p:nvPr>
+            <p:ph type="dt" sz="half" idx="10"/>
+          </p:nvPr>
+        </p:nvSpPr>
+        <p:spPr/>
+        <p:txBody>
+          <a:bodyPr/>
+          <a:lstStyle/>
+          <a:p>
+            <a:fld id="{4509A250-FF31-4206-8172-F9D3106AACB1}" type="datetimeFigureOut">
+              <a:rPr lang="en-US" dirty="0"/>
+              <a:t>1/8/2020</a:t>
+            </a:fld>
+            <a:endParaRPr lang="en-US" dirty="0"/>
+          </a:p>
+        </p:txBody>
+      </p:sp>
+      <p:sp>
+        <p:nvSpPr>
+          <p:cNvPr id="4" name="Footer Placeholder 4"/>
+          <p:cNvSpPr>
+            <a:spLocks noGrp="1"/>
+          </p:cNvSpPr>
+          <p:nvPr>
+            <p:ph type="ftr" sz="quarter" idx="11"/>
+          </p:nvPr>
+        </p:nvSpPr>
+        <p:spPr/>
+        <p:txBody>
+          <a:bodyPr/>
+          <a:lstStyle/>
+          <a:p>
+            <a:endParaRPr lang="en-US" dirty="0"/>
+          </a:p>
+        </p:txBody>
+      </p:sp>
+      <p:sp>
+        <p:nvSpPr>
+          <p:cNvPr id="6" name="Slide Number Placeholder 5"/>
+          <p:cNvSpPr>
+            <a:spLocks noGrp="1"/>
+          </p:cNvSpPr>
+          <p:nvPr>
+            <p:ph type="sldNum" sz="quarter" idx="12"/>
+          </p:nvPr>
+        </p:nvSpPr>
+        <p:spPr/>
+        <p:txBody>
+          <a:bodyPr/>
+          <a:lstStyle/>
+          <a:p>
+            <a:fld id="{D57F1E4F-1CFF-5643-939E-02111984F565}" type="slidenum">
+              <a:rPr lang="en-US" dirty="0"/>
+              <a:t>‹#›</a:t>
+            </a:fld>
+            <a:endParaRPr lang="en-US" dirty="0"/>
+          </a:p>
+        </p:txBody>
+      </p:sp>
+    </p:spTree>
+    <p:extLst>
+      <p:ext uri="{BB962C8B-B14F-4D97-AF65-F5344CB8AC3E}">
+        <p14:creationId xmlns:p14="http://schemas.microsoft.com/office/powerpoint/2010/main" val="1150367159"/>
+      </p:ext>
+    </p:extLst>
+  </p:cSld>
+  <p:clrMapOvr>
+    <a:masterClrMapping/>
+  </p:clrMapOvr>
+</p:sldLayout>
+</file>
+
+<file path=ppt/slideLayouts/slideLayout16.xml><?xml version="1.0" encoding="utf-8"?>
 <p:sldLayout xmlns:a="http://schemas.openxmlformats.org/drawingml/2006/main" xmlns:r="http://schemas.openxmlformats.org/officeDocument/2006/relationships" xmlns:p="http://schemas.openxmlformats.org/presentationml/2006/main" type="vertTx" preserve="1">
   <p:cSld name="Title and Vertical Text">
     <p:spTree>
@@ -478,10 +3703,9 @@
           <a:lstStyle/>
           <a:p>
             <a:r>
-              <a:rPr lang="en-US"/>
+              <a:rPr lang="en-US" dirty="0"/>
               <a:t>Click to edit Master title style</a:t>
             </a:r>
-            <a:endParaRPr lang="en-US" dirty="0"/>
           </a:p>
         </p:txBody>
       </p:sp>
@@ -497,43 +3721,42 @@
         </p:nvSpPr>
         <p:spPr/>
         <p:txBody>
-          <a:bodyPr vert="eaVert"/>
+          <a:bodyPr vert="eaVert" anchor="t" anchorCtr="0"/>
           <a:lstStyle/>
           <a:p>
             <a:pPr lvl="0"/>
             <a:r>
-              <a:rPr lang="en-US"/>
+              <a:rPr lang="en-US" dirty="0"/>
               <a:t>Click to edit Master text styles</a:t>
             </a:r>
           </a:p>
           <a:p>
             <a:pPr lvl="1"/>
             <a:r>
-              <a:rPr lang="en-US"/>
+              <a:rPr lang="en-US" dirty="0"/>
               <a:t>Second level</a:t>
             </a:r>
           </a:p>
           <a:p>
             <a:pPr lvl="2"/>
             <a:r>
-              <a:rPr lang="en-US"/>
+              <a:rPr lang="en-US" dirty="0"/>
               <a:t>Third level</a:t>
             </a:r>
           </a:p>
           <a:p>
             <a:pPr lvl="3"/>
             <a:r>
-              <a:rPr lang="en-US"/>
+              <a:rPr lang="en-US" dirty="0"/>
               <a:t>Fourth level</a:t>
             </a:r>
           </a:p>
           <a:p>
             <a:pPr lvl="4"/>
             <a:r>
-              <a:rPr lang="en-US"/>
+              <a:rPr lang="en-US" dirty="0"/>
               <a:t>Fifth level</a:t>
             </a:r>
-            <a:endParaRPr lang="en-US" dirty="0"/>
           </a:p>
         </p:txBody>
       </p:sp>
@@ -552,11 +3775,11 @@
           <a:bodyPr/>
           <a:lstStyle/>
           <a:p>
-            <a:fld id="{846CE7D5-CF57-46EF-B807-FDD0502418D4}" type="datetimeFigureOut">
-              <a:rPr lang="en-US" smtClean="0"/>
-              <a:t>1/1/2020</a:t>
+            <a:fld id="{4509A250-FF31-4206-8172-F9D3106AACB1}" type="datetimeFigureOut">
+              <a:rPr lang="en-US" dirty="0"/>
+              <a:t>1/8/2020</a:t>
             </a:fld>
-            <a:endParaRPr lang="en-US"/>
+            <a:endParaRPr lang="en-US" dirty="0"/>
           </a:p>
         </p:txBody>
       </p:sp>
@@ -575,7 +3798,7 @@
           <a:bodyPr/>
           <a:lstStyle/>
           <a:p>
-            <a:endParaRPr lang="en-US"/>
+            <a:endParaRPr lang="en-US" dirty="0"/>
           </a:p>
         </p:txBody>
       </p:sp>
@@ -594,18 +3817,18 @@
           <a:bodyPr/>
           <a:lstStyle/>
           <a:p>
-            <a:fld id="{330EA680-D336-4FF7-8B7A-9848BB0A1C32}" type="slidenum">
-              <a:rPr lang="en-US" smtClean="0"/>
+            <a:fld id="{D57F1E4F-1CFF-5643-939E-02111984F565}" type="slidenum">
+              <a:rPr lang="en-US" dirty="0"/>
               <a:t>‹#›</a:t>
             </a:fld>
-            <a:endParaRPr lang="en-US"/>
+            <a:endParaRPr lang="en-US" dirty="0"/>
           </a:p>
         </p:txBody>
       </p:sp>
     </p:spTree>
     <p:extLst>
       <p:ext uri="{BB962C8B-B14F-4D97-AF65-F5344CB8AC3E}">
-        <p14:creationId xmlns:p14="http://schemas.microsoft.com/office/powerpoint/2010/main" val="2202905451"/>
+        <p14:creationId xmlns:p14="http://schemas.microsoft.com/office/powerpoint/2010/main" val="388044965"/>
       </p:ext>
     </p:extLst>
   </p:cSld>
@@ -615,7 +3838,7 @@
 </p:sldLayout>
 </file>
 
-<file path=ppt/slideLayouts/slideLayout11.xml><?xml version="1.0" encoding="utf-8"?>
+<file path=ppt/slideLayouts/slideLayout17.xml><?xml version="1.0" encoding="utf-8"?>
 <p:sldLayout xmlns:a="http://schemas.openxmlformats.org/drawingml/2006/main" xmlns:r="http://schemas.openxmlformats.org/officeDocument/2006/relationships" xmlns:p="http://schemas.openxmlformats.org/presentationml/2006/main" type="vertTitleAndTx" preserve="1">
   <p:cSld name="Vertical Title and Text">
     <p:spTree>
@@ -644,76 +3867,74 @@
         </p:nvSpPr>
         <p:spPr>
           <a:xfrm>
-            <a:off x="8724900" y="365125"/>
-            <a:ext cx="2628900" cy="5811838"/>
+            <a:off x="8304212" y="430213"/>
+            <a:ext cx="1752601" cy="5826125"/>
           </a:xfrm>
         </p:spPr>
         <p:txBody>
+          <a:bodyPr vert="eaVert" anchor="b" anchorCtr="0"/>
+          <a:lstStyle/>
+          <a:p>
+            <a:r>
+              <a:rPr lang="en-US" dirty="0"/>
+              <a:t>Click to edit Master title style</a:t>
+            </a:r>
+          </a:p>
+        </p:txBody>
+      </p:sp>
+      <p:sp>
+        <p:nvSpPr>
+          <p:cNvPr id="3" name="Vertical Text Placeholder 2"/>
+          <p:cNvSpPr>
+            <a:spLocks noGrp="1"/>
+          </p:cNvSpPr>
+          <p:nvPr>
+            <p:ph type="body" orient="vert" idx="1"/>
+          </p:nvPr>
+        </p:nvSpPr>
+        <p:spPr>
+          <a:xfrm>
+            <a:off x="652463" y="887414"/>
+            <a:ext cx="7423149" cy="5368924"/>
+          </a:xfrm>
+        </p:spPr>
+        <p:txBody>
           <a:bodyPr vert="eaVert"/>
           <a:lstStyle/>
           <a:p>
-            <a:r>
-              <a:rPr lang="en-US"/>
-              <a:t>Click to edit Master title style</a:t>
-            </a:r>
-            <a:endParaRPr lang="en-US" dirty="0"/>
-          </a:p>
-        </p:txBody>
-      </p:sp>
-      <p:sp>
-        <p:nvSpPr>
-          <p:cNvPr id="3" name="Vertical Text Placeholder 2"/>
-          <p:cNvSpPr>
-            <a:spLocks noGrp="1"/>
-          </p:cNvSpPr>
-          <p:nvPr>
-            <p:ph type="body" orient="vert" idx="1"/>
-          </p:nvPr>
-        </p:nvSpPr>
-        <p:spPr>
-          <a:xfrm>
-            <a:off x="838200" y="365125"/>
-            <a:ext cx="7734300" cy="5811838"/>
-          </a:xfrm>
-        </p:spPr>
-        <p:txBody>
-          <a:bodyPr vert="eaVert"/>
-          <a:lstStyle/>
-          <a:p>
             <a:pPr lvl="0"/>
             <a:r>
-              <a:rPr lang="en-US"/>
+              <a:rPr lang="en-US" dirty="0"/>
               <a:t>Click to edit Master text styles</a:t>
             </a:r>
           </a:p>
           <a:p>
             <a:pPr lvl="1"/>
             <a:r>
-              <a:rPr lang="en-US"/>
+              <a:rPr lang="en-US" dirty="0"/>
               <a:t>Second level</a:t>
             </a:r>
           </a:p>
           <a:p>
             <a:pPr lvl="2"/>
             <a:r>
-              <a:rPr lang="en-US"/>
+              <a:rPr lang="en-US" dirty="0"/>
               <a:t>Third level</a:t>
             </a:r>
           </a:p>
           <a:p>
             <a:pPr lvl="3"/>
             <a:r>
-              <a:rPr lang="en-US"/>
+              <a:rPr lang="en-US" dirty="0"/>
               <a:t>Fourth level</a:t>
             </a:r>
           </a:p>
           <a:p>
             <a:pPr lvl="4"/>
             <a:r>
-              <a:rPr lang="en-US"/>
+              <a:rPr lang="en-US" dirty="0"/>
               <a:t>Fifth level</a:t>
             </a:r>
-            <a:endParaRPr lang="en-US" dirty="0"/>
           </a:p>
         </p:txBody>
       </p:sp>
@@ -732,11 +3953,11 @@
           <a:bodyPr/>
           <a:lstStyle/>
           <a:p>
-            <a:fld id="{846CE7D5-CF57-46EF-B807-FDD0502418D4}" type="datetimeFigureOut">
-              <a:rPr lang="en-US" smtClean="0"/>
-              <a:t>1/1/2020</a:t>
+            <a:fld id="{4509A250-FF31-4206-8172-F9D3106AACB1}" type="datetimeFigureOut">
+              <a:rPr lang="en-US" dirty="0"/>
+              <a:t>1/8/2020</a:t>
             </a:fld>
-            <a:endParaRPr lang="en-US"/>
+            <a:endParaRPr lang="en-US" dirty="0"/>
           </a:p>
         </p:txBody>
       </p:sp>
@@ -755,7 +3976,7 @@
           <a:bodyPr/>
           <a:lstStyle/>
           <a:p>
-            <a:endParaRPr lang="en-US"/>
+            <a:endParaRPr lang="en-US" dirty="0"/>
           </a:p>
         </p:txBody>
       </p:sp>
@@ -774,18 +3995,18 @@
           <a:bodyPr/>
           <a:lstStyle/>
           <a:p>
-            <a:fld id="{330EA680-D336-4FF7-8B7A-9848BB0A1C32}" type="slidenum">
-              <a:rPr lang="en-US" smtClean="0"/>
+            <a:fld id="{D57F1E4F-1CFF-5643-939E-02111984F565}" type="slidenum">
+              <a:rPr lang="en-US" dirty="0"/>
               <a:t>‹#›</a:t>
             </a:fld>
-            <a:endParaRPr lang="en-US"/>
+            <a:endParaRPr lang="en-US" dirty="0"/>
           </a:p>
         </p:txBody>
       </p:sp>
     </p:spTree>
     <p:extLst>
       <p:ext uri="{BB962C8B-B14F-4D97-AF65-F5344CB8AC3E}">
-        <p14:creationId xmlns:p14="http://schemas.microsoft.com/office/powerpoint/2010/main" val="3479445657"/>
+        <p14:creationId xmlns:p14="http://schemas.microsoft.com/office/powerpoint/2010/main" val="1805446410"/>
       </p:ext>
     </p:extLst>
   </p:cSld>
@@ -828,10 +4049,9 @@
           <a:lstStyle/>
           <a:p>
             <a:r>
-              <a:rPr lang="en-US"/>
+              <a:rPr lang="en-US" dirty="0"/>
               <a:t>Click to edit Master title style</a:t>
             </a:r>
-            <a:endParaRPr lang="en-US" dirty="0"/>
           </a:p>
         </p:txBody>
       </p:sp>
@@ -852,44 +4072,43 @@
           <a:p>
             <a:pPr lvl="0"/>
             <a:r>
-              <a:rPr lang="en-US"/>
+              <a:rPr lang="en-US" dirty="0"/>
               <a:t>Click to edit Master text styles</a:t>
             </a:r>
           </a:p>
           <a:p>
             <a:pPr lvl="1"/>
             <a:r>
-              <a:rPr lang="en-US"/>
+              <a:rPr lang="en-US" dirty="0"/>
               <a:t>Second level</a:t>
             </a:r>
           </a:p>
           <a:p>
             <a:pPr lvl="2"/>
             <a:r>
-              <a:rPr lang="en-US"/>
+              <a:rPr lang="en-US" dirty="0"/>
               <a:t>Third level</a:t>
             </a:r>
           </a:p>
           <a:p>
             <a:pPr lvl="3"/>
             <a:r>
-              <a:rPr lang="en-US"/>
+              <a:rPr lang="en-US" dirty="0"/>
               <a:t>Fourth level</a:t>
             </a:r>
           </a:p>
           <a:p>
             <a:pPr lvl="4"/>
             <a:r>
-              <a:rPr lang="en-US"/>
+              <a:rPr lang="en-US" dirty="0"/>
               <a:t>Fifth level</a:t>
             </a:r>
-            <a:endParaRPr lang="en-US" dirty="0"/>
-          </a:p>
-        </p:txBody>
-      </p:sp>
-      <p:sp>
-        <p:nvSpPr>
-          <p:cNvPr id="4" name="Date Placeholder 3"/>
+          </a:p>
+        </p:txBody>
+      </p:sp>
+      <p:sp>
+        <p:nvSpPr>
+          <p:cNvPr id="7" name="Date Placeholder 3"/>
           <p:cNvSpPr>
             <a:spLocks noGrp="1"/>
           </p:cNvSpPr>
@@ -902,11 +4121,11 @@
           <a:bodyPr/>
           <a:lstStyle/>
           <a:p>
-            <a:fld id="{846CE7D5-CF57-46EF-B807-FDD0502418D4}" type="datetimeFigureOut">
-              <a:rPr lang="en-US" smtClean="0"/>
-              <a:t>1/1/2020</a:t>
+            <a:fld id="{4509A250-FF31-4206-8172-F9D3106AACB1}" type="datetimeFigureOut">
+              <a:rPr lang="en-US" dirty="0"/>
+              <a:t>1/8/2020</a:t>
             </a:fld>
-            <a:endParaRPr lang="en-US"/>
+            <a:endParaRPr lang="en-US" dirty="0"/>
           </a:p>
         </p:txBody>
       </p:sp>
@@ -925,7 +4144,7 @@
           <a:bodyPr/>
           <a:lstStyle/>
           <a:p>
-            <a:endParaRPr lang="en-US"/>
+            <a:endParaRPr lang="en-US" dirty="0"/>
           </a:p>
         </p:txBody>
       </p:sp>
@@ -944,18 +4163,18 @@
           <a:bodyPr/>
           <a:lstStyle/>
           <a:p>
-            <a:fld id="{330EA680-D336-4FF7-8B7A-9848BB0A1C32}" type="slidenum">
-              <a:rPr lang="en-US" smtClean="0"/>
+            <a:fld id="{D57F1E4F-1CFF-5643-939E-02111984F565}" type="slidenum">
+              <a:rPr lang="en-US" dirty="0"/>
               <a:t>‹#›</a:t>
             </a:fld>
-            <a:endParaRPr lang="en-US"/>
+            <a:endParaRPr lang="en-US" dirty="0"/>
           </a:p>
         </p:txBody>
       </p:sp>
     </p:spTree>
     <p:extLst>
       <p:ext uri="{BB962C8B-B14F-4D97-AF65-F5344CB8AC3E}">
-        <p14:creationId xmlns:p14="http://schemas.microsoft.com/office/powerpoint/2010/main" val="949138452"/>
+        <p14:creationId xmlns:p14="http://schemas.microsoft.com/office/powerpoint/2010/main" val="1041658515"/>
       </p:ext>
     </p:extLst>
   </p:cSld>
@@ -994,23 +4213,22 @@
         </p:nvSpPr>
         <p:spPr>
           <a:xfrm>
-            <a:off x="831850" y="1709738"/>
-            <a:ext cx="10515600" cy="2852737"/>
+            <a:off x="1154956" y="2861733"/>
+            <a:ext cx="8825657" cy="1915647"/>
           </a:xfrm>
         </p:spPr>
         <p:txBody>
           <a:bodyPr anchor="b"/>
           <a:lstStyle>
-            <a:lvl1pPr>
-              <a:defRPr sz="6000"/>
+            <a:lvl1pPr algn="l">
+              <a:defRPr sz="4000" b="0" cap="none"/>
             </a:lvl1pPr>
           </a:lstStyle>
           <a:p>
             <a:r>
-              <a:rPr lang="en-US"/>
+              <a:rPr lang="en-US" dirty="0"/>
               <a:t>Click to edit Master title style</a:t>
             </a:r>
-            <a:endParaRPr lang="en-US" dirty="0"/>
           </a:p>
         </p:txBody>
       </p:sp>
@@ -1026,26 +4244,27 @@
         </p:nvSpPr>
         <p:spPr>
           <a:xfrm>
-            <a:off x="831850" y="4589463"/>
-            <a:ext cx="10515600" cy="1500187"/>
+            <a:off x="1154955" y="4777381"/>
+            <a:ext cx="8825658" cy="860400"/>
           </a:xfrm>
         </p:spPr>
         <p:txBody>
-          <a:bodyPr/>
+          <a:bodyPr anchor="t"/>
           <a:lstStyle>
-            <a:lvl1pPr marL="0" indent="0">
-              <a:buNone/>
-              <a:defRPr sz="2400">
+            <a:lvl1pPr marL="0" indent="0" algn="l">
+              <a:buNone/>
+              <a:defRPr sz="2000" cap="all">
                 <a:solidFill>
-                  <a:schemeClr val="tx1">
-                    <a:tint val="75000"/>
+                  <a:schemeClr val="bg2">
+                    <a:lumMod val="40000"/>
+                    <a:lumOff val="60000"/>
                   </a:schemeClr>
                 </a:solidFill>
               </a:defRPr>
             </a:lvl1pPr>
             <a:lvl2pPr marL="457200" indent="0">
               <a:buNone/>
-              <a:defRPr sz="2000">
+              <a:defRPr sz="1800">
                 <a:solidFill>
                   <a:schemeClr val="tx1">
                     <a:tint val="75000"/>
@@ -1055,7 +4274,7 @@
             </a:lvl2pPr>
             <a:lvl3pPr marL="914400" indent="0">
               <a:buNone/>
-              <a:defRPr sz="1800">
+              <a:defRPr sz="1600">
                 <a:solidFill>
                   <a:schemeClr val="tx1">
                     <a:tint val="75000"/>
@@ -1065,7 +4284,7 @@
             </a:lvl3pPr>
             <a:lvl4pPr marL="1371600" indent="0">
               <a:buNone/>
-              <a:defRPr sz="1600">
+              <a:defRPr sz="1400">
                 <a:solidFill>
                   <a:schemeClr val="tx1">
                     <a:tint val="75000"/>
@@ -1075,7 +4294,7 @@
             </a:lvl4pPr>
             <a:lvl5pPr marL="1828800" indent="0">
               <a:buNone/>
-              <a:defRPr sz="1600">
+              <a:defRPr sz="1400">
                 <a:solidFill>
                   <a:schemeClr val="tx1">
                     <a:tint val="75000"/>
@@ -1085,7 +4304,7 @@
             </a:lvl5pPr>
             <a:lvl6pPr marL="2286000" indent="0">
               <a:buNone/>
-              <a:defRPr sz="1600">
+              <a:defRPr sz="1400">
                 <a:solidFill>
                   <a:schemeClr val="tx1">
                     <a:tint val="75000"/>
@@ -1095,7 +4314,7 @@
             </a:lvl6pPr>
             <a:lvl7pPr marL="2743200" indent="0">
               <a:buNone/>
-              <a:defRPr sz="1600">
+              <a:defRPr sz="1400">
                 <a:solidFill>
                   <a:schemeClr val="tx1">
                     <a:tint val="75000"/>
@@ -1105,7 +4324,7 @@
             </a:lvl7pPr>
             <a:lvl8pPr marL="3200400" indent="0">
               <a:buNone/>
-              <a:defRPr sz="1600">
+              <a:defRPr sz="1400">
                 <a:solidFill>
                   <a:schemeClr val="tx1">
                     <a:tint val="75000"/>
@@ -1115,7 +4334,7 @@
             </a:lvl8pPr>
             <a:lvl9pPr marL="3657600" indent="0">
               <a:buNone/>
-              <a:defRPr sz="1600">
+              <a:defRPr sz="1400">
                 <a:solidFill>
                   <a:schemeClr val="tx1">
                     <a:tint val="75000"/>
@@ -1127,7 +4346,7 @@
           <a:p>
             <a:pPr lvl="0"/>
             <a:r>
-              <a:rPr lang="en-US"/>
+              <a:rPr lang="en-US" dirty="0"/>
               <a:t>Click to edit Master text styles</a:t>
             </a:r>
           </a:p>
@@ -1148,11 +4367,11 @@
           <a:bodyPr/>
           <a:lstStyle/>
           <a:p>
-            <a:fld id="{846CE7D5-CF57-46EF-B807-FDD0502418D4}" type="datetimeFigureOut">
-              <a:rPr lang="en-US" smtClean="0"/>
-              <a:t>1/1/2020</a:t>
+            <a:fld id="{9796027F-7875-4030-9381-8BD8C4F21935}" type="datetimeFigureOut">
+              <a:rPr lang="en-US" dirty="0"/>
+              <a:t>1/8/2020</a:t>
             </a:fld>
-            <a:endParaRPr lang="en-US"/>
+            <a:endParaRPr lang="en-US" dirty="0"/>
           </a:p>
         </p:txBody>
       </p:sp>
@@ -1171,7 +4390,7 @@
           <a:bodyPr/>
           <a:lstStyle/>
           <a:p>
-            <a:endParaRPr lang="en-US"/>
+            <a:endParaRPr lang="en-US" dirty="0"/>
           </a:p>
         </p:txBody>
       </p:sp>
@@ -1190,18 +4409,18 @@
           <a:bodyPr/>
           <a:lstStyle/>
           <a:p>
-            <a:fld id="{330EA680-D336-4FF7-8B7A-9848BB0A1C32}" type="slidenum">
-              <a:rPr lang="en-US" smtClean="0"/>
+            <a:fld id="{D57F1E4F-1CFF-5643-939E-02111984F565}" type="slidenum">
+              <a:rPr lang="en-US" dirty="0"/>
               <a:t>‹#›</a:t>
             </a:fld>
-            <a:endParaRPr lang="en-US"/>
+            <a:endParaRPr lang="en-US" dirty="0"/>
           </a:p>
         </p:txBody>
       </p:sp>
     </p:spTree>
     <p:extLst>
       <p:ext uri="{BB962C8B-B14F-4D97-AF65-F5344CB8AC3E}">
-        <p14:creationId xmlns:p14="http://schemas.microsoft.com/office/powerpoint/2010/main" val="2591524520"/>
+        <p14:creationId xmlns:p14="http://schemas.microsoft.com/office/powerpoint/2010/main" val="3374856556"/>
       </p:ext>
     </p:extLst>
   </p:cSld>
@@ -1244,10 +4463,9 @@
           <a:lstStyle/>
           <a:p>
             <a:r>
-              <a:rPr lang="en-US"/>
+              <a:rPr lang="en-US" dirty="0"/>
               <a:t>Click to edit Master title style</a:t>
             </a:r>
-            <a:endParaRPr lang="en-US" dirty="0"/>
           </a:p>
         </p:txBody>
       </p:sp>
@@ -1263,116 +4481,216 @@
         </p:nvSpPr>
         <p:spPr>
           <a:xfrm>
-            <a:off x="838200" y="1825625"/>
-            <a:ext cx="5181600" cy="4351338"/>
+            <a:off x="1103312" y="2060575"/>
+            <a:ext cx="4396339" cy="4195763"/>
           </a:xfrm>
         </p:spPr>
         <p:txBody>
+          <a:bodyPr>
+            <a:normAutofit/>
+          </a:bodyPr>
+          <a:lstStyle>
+            <a:lvl1pPr>
+              <a:defRPr sz="1800"/>
+            </a:lvl1pPr>
+            <a:lvl2pPr>
+              <a:defRPr sz="1600"/>
+            </a:lvl2pPr>
+            <a:lvl3pPr>
+              <a:defRPr sz="1400"/>
+            </a:lvl3pPr>
+            <a:lvl4pPr>
+              <a:defRPr sz="1200"/>
+            </a:lvl4pPr>
+            <a:lvl5pPr>
+              <a:defRPr sz="1200"/>
+            </a:lvl5pPr>
+            <a:lvl6pPr>
+              <a:defRPr sz="1200"/>
+            </a:lvl6pPr>
+            <a:lvl7pPr>
+              <a:defRPr sz="1200"/>
+            </a:lvl7pPr>
+            <a:lvl8pPr>
+              <a:defRPr sz="1200"/>
+            </a:lvl8pPr>
+            <a:lvl9pPr>
+              <a:defRPr sz="1200"/>
+            </a:lvl9pPr>
+          </a:lstStyle>
+          <a:p>
+            <a:pPr lvl="0"/>
+            <a:r>
+              <a:rPr lang="en-US" dirty="0"/>
+              <a:t>Click to edit Master text styles</a:t>
+            </a:r>
+          </a:p>
+          <a:p>
+            <a:pPr lvl="1"/>
+            <a:r>
+              <a:rPr lang="en-US" dirty="0"/>
+              <a:t>Second level</a:t>
+            </a:r>
+          </a:p>
+          <a:p>
+            <a:pPr lvl="2"/>
+            <a:r>
+              <a:rPr lang="en-US" dirty="0"/>
+              <a:t>Third level</a:t>
+            </a:r>
+          </a:p>
+          <a:p>
+            <a:pPr lvl="3"/>
+            <a:r>
+              <a:rPr lang="en-US" dirty="0"/>
+              <a:t>Fourth level</a:t>
+            </a:r>
+          </a:p>
+          <a:p>
+            <a:pPr lvl="4"/>
+            <a:r>
+              <a:rPr lang="en-US" dirty="0"/>
+              <a:t>Fifth level</a:t>
+            </a:r>
+          </a:p>
+        </p:txBody>
+      </p:sp>
+      <p:sp>
+        <p:nvSpPr>
+          <p:cNvPr id="4" name="Content Placeholder 3"/>
+          <p:cNvSpPr>
+            <a:spLocks noGrp="1"/>
+          </p:cNvSpPr>
+          <p:nvPr>
+            <p:ph sz="half" idx="2"/>
+          </p:nvPr>
+        </p:nvSpPr>
+        <p:spPr>
+          <a:xfrm>
+            <a:off x="5654493" y="2056092"/>
+            <a:ext cx="4396341" cy="4200245"/>
+          </a:xfrm>
+        </p:spPr>
+        <p:txBody>
+          <a:bodyPr>
+            <a:normAutofit/>
+          </a:bodyPr>
+          <a:lstStyle>
+            <a:lvl1pPr>
+              <a:defRPr sz="1800"/>
+            </a:lvl1pPr>
+            <a:lvl2pPr>
+              <a:defRPr sz="1600"/>
+            </a:lvl2pPr>
+            <a:lvl3pPr>
+              <a:defRPr sz="1400"/>
+            </a:lvl3pPr>
+            <a:lvl4pPr>
+              <a:defRPr sz="1200"/>
+            </a:lvl4pPr>
+            <a:lvl5pPr>
+              <a:defRPr sz="1200"/>
+            </a:lvl5pPr>
+            <a:lvl6pPr>
+              <a:defRPr sz="1200"/>
+            </a:lvl6pPr>
+            <a:lvl7pPr>
+              <a:defRPr sz="1200"/>
+            </a:lvl7pPr>
+            <a:lvl8pPr>
+              <a:defRPr sz="1200"/>
+            </a:lvl8pPr>
+            <a:lvl9pPr>
+              <a:defRPr sz="1200"/>
+            </a:lvl9pPr>
+          </a:lstStyle>
+          <a:p>
+            <a:pPr lvl="0"/>
+            <a:r>
+              <a:rPr lang="en-US" dirty="0"/>
+              <a:t>Click to edit Master text styles</a:t>
+            </a:r>
+          </a:p>
+          <a:p>
+            <a:pPr lvl="1"/>
+            <a:r>
+              <a:rPr lang="en-US" dirty="0"/>
+              <a:t>Second level</a:t>
+            </a:r>
+          </a:p>
+          <a:p>
+            <a:pPr lvl="2"/>
+            <a:r>
+              <a:rPr lang="en-US" dirty="0"/>
+              <a:t>Third level</a:t>
+            </a:r>
+          </a:p>
+          <a:p>
+            <a:pPr lvl="3"/>
+            <a:r>
+              <a:rPr lang="en-US" dirty="0"/>
+              <a:t>Fourth level</a:t>
+            </a:r>
+          </a:p>
+          <a:p>
+            <a:pPr lvl="4"/>
+            <a:r>
+              <a:rPr lang="en-US" dirty="0"/>
+              <a:t>Fifth level</a:t>
+            </a:r>
+          </a:p>
+        </p:txBody>
+      </p:sp>
+      <p:sp>
+        <p:nvSpPr>
+          <p:cNvPr id="5" name="Date Placeholder 4"/>
+          <p:cNvSpPr>
+            <a:spLocks noGrp="1"/>
+          </p:cNvSpPr>
+          <p:nvPr>
+            <p:ph type="dt" sz="half" idx="10"/>
+          </p:nvPr>
+        </p:nvSpPr>
+        <p:spPr/>
+        <p:txBody>
           <a:bodyPr/>
           <a:lstStyle/>
           <a:p>
-            <a:pPr lvl="0"/>
-            <a:r>
-              <a:rPr lang="en-US"/>
-              <a:t>Click to edit Master text styles</a:t>
-            </a:r>
-          </a:p>
-          <a:p>
-            <a:pPr lvl="1"/>
-            <a:r>
-              <a:rPr lang="en-US"/>
-              <a:t>Second level</a:t>
-            </a:r>
-          </a:p>
-          <a:p>
-            <a:pPr lvl="2"/>
-            <a:r>
-              <a:rPr lang="en-US"/>
-              <a:t>Third level</a:t>
-            </a:r>
-          </a:p>
-          <a:p>
-            <a:pPr lvl="3"/>
-            <a:r>
-              <a:rPr lang="en-US"/>
-              <a:t>Fourth level</a:t>
-            </a:r>
-          </a:p>
-          <a:p>
-            <a:pPr lvl="4"/>
-            <a:r>
-              <a:rPr lang="en-US"/>
-              <a:t>Fifth level</a:t>
-            </a:r>
+            <a:fld id="{9796027F-7875-4030-9381-8BD8C4F21935}" type="datetimeFigureOut">
+              <a:rPr lang="en-US" dirty="0"/>
+              <a:t>1/8/2020</a:t>
+            </a:fld>
             <a:endParaRPr lang="en-US" dirty="0"/>
           </a:p>
         </p:txBody>
       </p:sp>
       <p:sp>
         <p:nvSpPr>
-          <p:cNvPr id="4" name="Content Placeholder 3"/>
-          <p:cNvSpPr>
-            <a:spLocks noGrp="1"/>
-          </p:cNvSpPr>
-          <p:nvPr>
-            <p:ph sz="half" idx="2"/>
-          </p:nvPr>
-        </p:nvSpPr>
-        <p:spPr>
-          <a:xfrm>
-            <a:off x="6172200" y="1825625"/>
-            <a:ext cx="5181600" cy="4351338"/>
-          </a:xfrm>
-        </p:spPr>
+          <p:cNvPr id="6" name="Footer Placeholder 5"/>
+          <p:cNvSpPr>
+            <a:spLocks noGrp="1"/>
+          </p:cNvSpPr>
+          <p:nvPr>
+            <p:ph type="ftr" sz="quarter" idx="11"/>
+          </p:nvPr>
+        </p:nvSpPr>
+        <p:spPr/>
         <p:txBody>
           <a:bodyPr/>
           <a:lstStyle/>
           <a:p>
-            <a:pPr lvl="0"/>
-            <a:r>
-              <a:rPr lang="en-US"/>
-              <a:t>Click to edit Master text styles</a:t>
-            </a:r>
-          </a:p>
-          <a:p>
-            <a:pPr lvl="1"/>
-            <a:r>
-              <a:rPr lang="en-US"/>
-              <a:t>Second level</a:t>
-            </a:r>
-          </a:p>
-          <a:p>
-            <a:pPr lvl="2"/>
-            <a:r>
-              <a:rPr lang="en-US"/>
-              <a:t>Third level</a:t>
-            </a:r>
-          </a:p>
-          <a:p>
-            <a:pPr lvl="3"/>
-            <a:r>
-              <a:rPr lang="en-US"/>
-              <a:t>Fourth level</a:t>
-            </a:r>
-          </a:p>
-          <a:p>
-            <a:pPr lvl="4"/>
-            <a:r>
-              <a:rPr lang="en-US"/>
-              <a:t>Fifth level</a:t>
-            </a:r>
             <a:endParaRPr lang="en-US" dirty="0"/>
           </a:p>
         </p:txBody>
       </p:sp>
       <p:sp>
         <p:nvSpPr>
-          <p:cNvPr id="5" name="Date Placeholder 4"/>
-          <p:cNvSpPr>
-            <a:spLocks noGrp="1"/>
-          </p:cNvSpPr>
-          <p:nvPr>
-            <p:ph type="dt" sz="half" idx="10"/>
+          <p:cNvPr id="7" name="Slide Number Placeholder 6"/>
+          <p:cNvSpPr>
+            <a:spLocks noGrp="1"/>
+          </p:cNvSpPr>
+          <p:nvPr>
+            <p:ph type="sldNum" sz="quarter" idx="12"/>
           </p:nvPr>
         </p:nvSpPr>
         <p:spPr/>
@@ -1380,60 +4698,18 @@
           <a:bodyPr/>
           <a:lstStyle/>
           <a:p>
-            <a:fld id="{846CE7D5-CF57-46EF-B807-FDD0502418D4}" type="datetimeFigureOut">
-              <a:rPr lang="en-US" smtClean="0"/>
-              <a:t>1/1/2020</a:t>
-            </a:fld>
-            <a:endParaRPr lang="en-US"/>
-          </a:p>
-        </p:txBody>
-      </p:sp>
-      <p:sp>
-        <p:nvSpPr>
-          <p:cNvPr id="6" name="Footer Placeholder 5"/>
-          <p:cNvSpPr>
-            <a:spLocks noGrp="1"/>
-          </p:cNvSpPr>
-          <p:nvPr>
-            <p:ph type="ftr" sz="quarter" idx="11"/>
-          </p:nvPr>
-        </p:nvSpPr>
-        <p:spPr/>
-        <p:txBody>
-          <a:bodyPr/>
-          <a:lstStyle/>
-          <a:p>
-            <a:endParaRPr lang="en-US"/>
-          </a:p>
-        </p:txBody>
-      </p:sp>
-      <p:sp>
-        <p:nvSpPr>
-          <p:cNvPr id="7" name="Slide Number Placeholder 6"/>
-          <p:cNvSpPr>
-            <a:spLocks noGrp="1"/>
-          </p:cNvSpPr>
-          <p:nvPr>
-            <p:ph type="sldNum" sz="quarter" idx="12"/>
-          </p:nvPr>
-        </p:nvSpPr>
-        <p:spPr/>
-        <p:txBody>
-          <a:bodyPr/>
-          <a:lstStyle/>
-          <a:p>
-            <a:fld id="{330EA680-D336-4FF7-8B7A-9848BB0A1C32}" type="slidenum">
-              <a:rPr lang="en-US" smtClean="0"/>
+            <a:fld id="{D57F1E4F-1CFF-5643-939E-02111984F565}" type="slidenum">
+              <a:rPr lang="en-US" dirty="0"/>
               <a:t>‹#›</a:t>
             </a:fld>
-            <a:endParaRPr lang="en-US"/>
+            <a:endParaRPr lang="en-US" dirty="0"/>
           </a:p>
         </p:txBody>
       </p:sp>
     </p:spTree>
     <p:extLst>
       <p:ext uri="{BB962C8B-B14F-4D97-AF65-F5344CB8AC3E}">
-        <p14:creationId xmlns:p14="http://schemas.microsoft.com/office/powerpoint/2010/main" val="1203092039"/>
+        <p14:creationId xmlns:p14="http://schemas.microsoft.com/office/powerpoint/2010/main" val="3660380560"/>
       </p:ext>
     </p:extLst>
   </p:cSld>
@@ -1470,46 +4746,53 @@
             <p:ph type="title"/>
           </p:nvPr>
         </p:nvSpPr>
+        <p:spPr/>
+        <p:txBody>
+          <a:bodyPr/>
+          <a:lstStyle>
+            <a:lvl1pPr>
+              <a:defRPr/>
+            </a:lvl1pPr>
+          </a:lstStyle>
+          <a:p>
+            <a:r>
+              <a:rPr lang="en-US" dirty="0"/>
+              <a:t>Click to edit Master title style</a:t>
+            </a:r>
+          </a:p>
+        </p:txBody>
+      </p:sp>
+      <p:sp>
+        <p:nvSpPr>
+          <p:cNvPr id="3" name="Text Placeholder 2"/>
+          <p:cNvSpPr>
+            <a:spLocks noGrp="1"/>
+          </p:cNvSpPr>
+          <p:nvPr>
+            <p:ph type="body" idx="1"/>
+          </p:nvPr>
+        </p:nvSpPr>
         <p:spPr>
           <a:xfrm>
-            <a:off x="839788" y="365125"/>
-            <a:ext cx="10515600" cy="1325563"/>
+            <a:off x="1103313" y="1905000"/>
+            <a:ext cx="4396338" cy="576262"/>
           </a:xfrm>
         </p:spPr>
         <p:txBody>
-          <a:bodyPr/>
-          <a:lstStyle/>
-          <a:p>
-            <a:r>
-              <a:rPr lang="en-US"/>
-              <a:t>Click to edit Master title style</a:t>
-            </a:r>
-            <a:endParaRPr lang="en-US" dirty="0"/>
-          </a:p>
-        </p:txBody>
-      </p:sp>
-      <p:sp>
-        <p:nvSpPr>
-          <p:cNvPr id="3" name="Text Placeholder 2"/>
-          <p:cNvSpPr>
-            <a:spLocks noGrp="1"/>
-          </p:cNvSpPr>
-          <p:nvPr>
-            <p:ph type="body" idx="1"/>
-          </p:nvPr>
-        </p:nvSpPr>
-        <p:spPr>
-          <a:xfrm>
-            <a:off x="839788" y="1681163"/>
-            <a:ext cx="5157787" cy="823912"/>
-          </a:xfrm>
-        </p:spPr>
-        <p:txBody>
-          <a:bodyPr anchor="b"/>
+          <a:bodyPr anchor="b">
+            <a:noAutofit/>
+          </a:bodyPr>
           <a:lstStyle>
             <a:lvl1pPr marL="0" indent="0">
               <a:buNone/>
-              <a:defRPr sz="2400" b="1"/>
+              <a:defRPr sz="2400" b="0">
+                <a:solidFill>
+                  <a:schemeClr val="bg2">
+                    <a:lumMod val="40000"/>
+                    <a:lumOff val="60000"/>
+                  </a:schemeClr>
+                </a:solidFill>
+              </a:defRPr>
             </a:lvl1pPr>
             <a:lvl2pPr marL="457200" indent="0">
               <a:buNone/>
@@ -1547,7 +4830,7 @@
           <a:p>
             <a:pPr lvl="0"/>
             <a:r>
-              <a:rPr lang="en-US"/>
+              <a:rPr lang="en-US" dirty="0"/>
               <a:t>Click to edit Master text styles</a:t>
             </a:r>
           </a:p>
@@ -1565,48 +4848,77 @@
         </p:nvSpPr>
         <p:spPr>
           <a:xfrm>
-            <a:off x="839788" y="2505075"/>
-            <a:ext cx="5157787" cy="3684588"/>
+            <a:off x="1103312" y="2514600"/>
+            <a:ext cx="4396339" cy="3741738"/>
           </a:xfrm>
         </p:spPr>
         <p:txBody>
-          <a:bodyPr/>
-          <a:lstStyle/>
+          <a:bodyPr>
+            <a:normAutofit/>
+          </a:bodyPr>
+          <a:lstStyle>
+            <a:lvl1pPr>
+              <a:defRPr sz="1800"/>
+            </a:lvl1pPr>
+            <a:lvl2pPr>
+              <a:defRPr sz="1600"/>
+            </a:lvl2pPr>
+            <a:lvl3pPr>
+              <a:defRPr sz="1400"/>
+            </a:lvl3pPr>
+            <a:lvl4pPr>
+              <a:defRPr sz="1200"/>
+            </a:lvl4pPr>
+            <a:lvl5pPr>
+              <a:defRPr sz="1200"/>
+            </a:lvl5pPr>
+            <a:lvl6pPr>
+              <a:defRPr sz="1200"/>
+            </a:lvl6pPr>
+            <a:lvl7pPr>
+              <a:defRPr sz="1200"/>
+            </a:lvl7pPr>
+            <a:lvl8pPr>
+              <a:defRPr sz="1200"/>
+            </a:lvl8pPr>
+            <a:lvl9pPr>
+              <a:defRPr sz="1200"/>
+            </a:lvl9pPr>
+          </a:lstStyle>
           <a:p>
             <a:pPr lvl="0"/>
             <a:r>
-              <a:rPr lang="en-US"/>
+              <a:rPr lang="en-US" dirty="0"/>
               <a:t>Click to edit Master text styles</a:t>
             </a:r>
           </a:p>
           <a:p>
             <a:pPr lvl="1"/>
             <a:r>
-              <a:rPr lang="en-US"/>
+              <a:rPr lang="en-US" dirty="0"/>
               <a:t>Second level</a:t>
             </a:r>
           </a:p>
           <a:p>
             <a:pPr lvl="2"/>
             <a:r>
-              <a:rPr lang="en-US"/>
+              <a:rPr lang="en-US" dirty="0"/>
               <a:t>Third level</a:t>
             </a:r>
           </a:p>
           <a:p>
             <a:pPr lvl="3"/>
             <a:r>
-              <a:rPr lang="en-US"/>
+              <a:rPr lang="en-US" dirty="0"/>
               <a:t>Fourth level</a:t>
             </a:r>
           </a:p>
           <a:p>
             <a:pPr lvl="4"/>
             <a:r>
-              <a:rPr lang="en-US"/>
+              <a:rPr lang="en-US" dirty="0"/>
               <a:t>Fifth level</a:t>
             </a:r>
-            <a:endParaRPr lang="en-US" dirty="0"/>
           </a:p>
         </p:txBody>
       </p:sp>
@@ -1622,16 +4934,25 @@
         </p:nvSpPr>
         <p:spPr>
           <a:xfrm>
-            <a:off x="6172200" y="1681163"/>
-            <a:ext cx="5183188" cy="823912"/>
+            <a:off x="5654495" y="1905000"/>
+            <a:ext cx="4396339" cy="576262"/>
           </a:xfrm>
         </p:spPr>
         <p:txBody>
-          <a:bodyPr anchor="b"/>
+          <a:bodyPr anchor="b">
+            <a:noAutofit/>
+          </a:bodyPr>
           <a:lstStyle>
             <a:lvl1pPr marL="0" indent="0">
               <a:buNone/>
-              <a:defRPr sz="2400" b="1"/>
+              <a:defRPr sz="2400" b="0">
+                <a:solidFill>
+                  <a:schemeClr val="bg2">
+                    <a:lumMod val="40000"/>
+                    <a:lumOff val="60000"/>
+                  </a:schemeClr>
+                </a:solidFill>
+              </a:defRPr>
             </a:lvl1pPr>
             <a:lvl2pPr marL="457200" indent="0">
               <a:buNone/>
@@ -1669,7 +4990,7 @@
           <a:p>
             <a:pPr lvl="0"/>
             <a:r>
-              <a:rPr lang="en-US"/>
+              <a:rPr lang="en-US" dirty="0"/>
               <a:t>Click to edit Master text styles</a:t>
             </a:r>
           </a:p>
@@ -1687,59 +5008,111 @@
         </p:nvSpPr>
         <p:spPr>
           <a:xfrm>
-            <a:off x="6172200" y="2505075"/>
-            <a:ext cx="5183188" cy="3684588"/>
+            <a:off x="5654495" y="2514600"/>
+            <a:ext cx="4396339" cy="3741738"/>
           </a:xfrm>
         </p:spPr>
         <p:txBody>
+          <a:bodyPr>
+            <a:normAutofit/>
+          </a:bodyPr>
+          <a:lstStyle>
+            <a:lvl1pPr>
+              <a:defRPr sz="1800"/>
+            </a:lvl1pPr>
+            <a:lvl2pPr>
+              <a:defRPr sz="1600"/>
+            </a:lvl2pPr>
+            <a:lvl3pPr>
+              <a:defRPr sz="1400"/>
+            </a:lvl3pPr>
+            <a:lvl4pPr>
+              <a:defRPr sz="1200"/>
+            </a:lvl4pPr>
+            <a:lvl5pPr>
+              <a:defRPr sz="1200"/>
+            </a:lvl5pPr>
+            <a:lvl6pPr>
+              <a:defRPr sz="1200"/>
+            </a:lvl6pPr>
+            <a:lvl7pPr>
+              <a:defRPr sz="1200"/>
+            </a:lvl7pPr>
+            <a:lvl8pPr>
+              <a:defRPr sz="1200"/>
+            </a:lvl8pPr>
+            <a:lvl9pPr>
+              <a:defRPr sz="1200"/>
+            </a:lvl9pPr>
+          </a:lstStyle>
+          <a:p>
+            <a:pPr lvl="0"/>
+            <a:r>
+              <a:rPr lang="en-US" dirty="0"/>
+              <a:t>Click to edit Master text styles</a:t>
+            </a:r>
+          </a:p>
+          <a:p>
+            <a:pPr lvl="1"/>
+            <a:r>
+              <a:rPr lang="en-US" dirty="0"/>
+              <a:t>Second level</a:t>
+            </a:r>
+          </a:p>
+          <a:p>
+            <a:pPr lvl="2"/>
+            <a:r>
+              <a:rPr lang="en-US" dirty="0"/>
+              <a:t>Third level</a:t>
+            </a:r>
+          </a:p>
+          <a:p>
+            <a:pPr lvl="3"/>
+            <a:r>
+              <a:rPr lang="en-US" dirty="0"/>
+              <a:t>Fourth level</a:t>
+            </a:r>
+          </a:p>
+          <a:p>
+            <a:pPr lvl="4"/>
+            <a:r>
+              <a:rPr lang="en-US" dirty="0"/>
+              <a:t>Fifth level</a:t>
+            </a:r>
+          </a:p>
+        </p:txBody>
+      </p:sp>
+      <p:sp>
+        <p:nvSpPr>
+          <p:cNvPr id="7" name="Date Placeholder 6"/>
+          <p:cNvSpPr>
+            <a:spLocks noGrp="1"/>
+          </p:cNvSpPr>
+          <p:nvPr>
+            <p:ph type="dt" sz="half" idx="10"/>
+          </p:nvPr>
+        </p:nvSpPr>
+        <p:spPr/>
+        <p:txBody>
           <a:bodyPr/>
           <a:lstStyle/>
           <a:p>
-            <a:pPr lvl="0"/>
-            <a:r>
-              <a:rPr lang="en-US"/>
-              <a:t>Click to edit Master text styles</a:t>
-            </a:r>
-          </a:p>
-          <a:p>
-            <a:pPr lvl="1"/>
-            <a:r>
-              <a:rPr lang="en-US"/>
-              <a:t>Second level</a:t>
-            </a:r>
-          </a:p>
-          <a:p>
-            <a:pPr lvl="2"/>
-            <a:r>
-              <a:rPr lang="en-US"/>
-              <a:t>Third level</a:t>
-            </a:r>
-          </a:p>
-          <a:p>
-            <a:pPr lvl="3"/>
-            <a:r>
-              <a:rPr lang="en-US"/>
-              <a:t>Fourth level</a:t>
-            </a:r>
-          </a:p>
-          <a:p>
-            <a:pPr lvl="4"/>
-            <a:r>
-              <a:rPr lang="en-US"/>
-              <a:t>Fifth level</a:t>
-            </a:r>
+            <a:fld id="{9796027F-7875-4030-9381-8BD8C4F21935}" type="datetimeFigureOut">
+              <a:rPr lang="en-US" dirty="0"/>
+              <a:t>1/8/2020</a:t>
+            </a:fld>
             <a:endParaRPr lang="en-US" dirty="0"/>
           </a:p>
         </p:txBody>
       </p:sp>
       <p:sp>
         <p:nvSpPr>
-          <p:cNvPr id="7" name="Date Placeholder 6"/>
-          <p:cNvSpPr>
-            <a:spLocks noGrp="1"/>
-          </p:cNvSpPr>
-          <p:nvPr>
-            <p:ph type="dt" sz="half" idx="10"/>
+          <p:cNvPr id="8" name="Footer Placeholder 7"/>
+          <p:cNvSpPr>
+            <a:spLocks noGrp="1"/>
+          </p:cNvSpPr>
+          <p:nvPr>
+            <p:ph type="ftr" sz="quarter" idx="11"/>
           </p:nvPr>
         </p:nvSpPr>
         <p:spPr/>
@@ -1747,22 +5120,18 @@
           <a:bodyPr/>
           <a:lstStyle/>
           <a:p>
-            <a:fld id="{846CE7D5-CF57-46EF-B807-FDD0502418D4}" type="datetimeFigureOut">
-              <a:rPr lang="en-US" smtClean="0"/>
-              <a:t>1/1/2020</a:t>
-            </a:fld>
-            <a:endParaRPr lang="en-US"/>
-          </a:p>
-        </p:txBody>
-      </p:sp>
-      <p:sp>
-        <p:nvSpPr>
-          <p:cNvPr id="8" name="Footer Placeholder 7"/>
-          <p:cNvSpPr>
-            <a:spLocks noGrp="1"/>
-          </p:cNvSpPr>
-          <p:nvPr>
-            <p:ph type="ftr" sz="quarter" idx="11"/>
+            <a:endParaRPr lang="en-US" dirty="0"/>
+          </a:p>
+        </p:txBody>
+      </p:sp>
+      <p:sp>
+        <p:nvSpPr>
+          <p:cNvPr id="9" name="Slide Number Placeholder 8"/>
+          <p:cNvSpPr>
+            <a:spLocks noGrp="1"/>
+          </p:cNvSpPr>
+          <p:nvPr>
+            <p:ph type="sldNum" sz="quarter" idx="12"/>
           </p:nvPr>
         </p:nvSpPr>
         <p:spPr/>
@@ -1770,37 +5139,18 @@
           <a:bodyPr/>
           <a:lstStyle/>
           <a:p>
-            <a:endParaRPr lang="en-US"/>
-          </a:p>
-        </p:txBody>
-      </p:sp>
-      <p:sp>
-        <p:nvSpPr>
-          <p:cNvPr id="9" name="Slide Number Placeholder 8"/>
-          <p:cNvSpPr>
-            <a:spLocks noGrp="1"/>
-          </p:cNvSpPr>
-          <p:nvPr>
-            <p:ph type="sldNum" sz="quarter" idx="12"/>
-          </p:nvPr>
-        </p:nvSpPr>
-        <p:spPr/>
-        <p:txBody>
-          <a:bodyPr/>
-          <a:lstStyle/>
-          <a:p>
-            <a:fld id="{330EA680-D336-4FF7-8B7A-9848BB0A1C32}" type="slidenum">
-              <a:rPr lang="en-US" smtClean="0"/>
+            <a:fld id="{D57F1E4F-1CFF-5643-939E-02111984F565}" type="slidenum">
+              <a:rPr lang="en-US" dirty="0"/>
               <a:t>‹#›</a:t>
             </a:fld>
-            <a:endParaRPr lang="en-US"/>
+            <a:endParaRPr lang="en-US" dirty="0"/>
           </a:p>
         </p:txBody>
       </p:sp>
     </p:spTree>
     <p:extLst>
       <p:ext uri="{BB962C8B-B14F-4D97-AF65-F5344CB8AC3E}">
-        <p14:creationId xmlns:p14="http://schemas.microsoft.com/office/powerpoint/2010/main" val="3733172339"/>
+        <p14:creationId xmlns:p14="http://schemas.microsoft.com/office/powerpoint/2010/main" val="3491969838"/>
       </p:ext>
     </p:extLst>
   </p:cSld>
@@ -1843,16 +5193,15 @@
           <a:lstStyle/>
           <a:p>
             <a:r>
-              <a:rPr lang="en-US"/>
+              <a:rPr lang="en-US" dirty="0"/>
               <a:t>Click to edit Master title style</a:t>
             </a:r>
-            <a:endParaRPr lang="en-US" dirty="0"/>
-          </a:p>
-        </p:txBody>
-      </p:sp>
-      <p:sp>
-        <p:nvSpPr>
-          <p:cNvPr id="3" name="Date Placeholder 2"/>
+          </a:p>
+        </p:txBody>
+      </p:sp>
+      <p:sp>
+        <p:nvSpPr>
+          <p:cNvPr id="7" name="Date Placeholder 2"/>
           <p:cNvSpPr>
             <a:spLocks noGrp="1"/>
           </p:cNvSpPr>
@@ -1865,17 +5214,17 @@
           <a:bodyPr/>
           <a:lstStyle/>
           <a:p>
-            <a:fld id="{846CE7D5-CF57-46EF-B807-FDD0502418D4}" type="datetimeFigureOut">
-              <a:rPr lang="en-US" smtClean="0"/>
-              <a:t>1/1/2020</a:t>
+            <a:fld id="{4509A250-FF31-4206-8172-F9D3106AACB1}" type="datetimeFigureOut">
+              <a:rPr lang="en-US" dirty="0"/>
+              <a:t>1/8/2020</a:t>
             </a:fld>
-            <a:endParaRPr lang="en-US"/>
-          </a:p>
-        </p:txBody>
-      </p:sp>
-      <p:sp>
-        <p:nvSpPr>
-          <p:cNvPr id="4" name="Footer Placeholder 3"/>
+            <a:endParaRPr lang="en-US" dirty="0"/>
+          </a:p>
+        </p:txBody>
+      </p:sp>
+      <p:sp>
+        <p:nvSpPr>
+          <p:cNvPr id="5" name="Footer Placeholder 3"/>
           <p:cNvSpPr>
             <a:spLocks noGrp="1"/>
           </p:cNvSpPr>
@@ -1888,13 +5237,13 @@
           <a:bodyPr/>
           <a:lstStyle/>
           <a:p>
-            <a:endParaRPr lang="en-US"/>
-          </a:p>
-        </p:txBody>
-      </p:sp>
-      <p:sp>
-        <p:nvSpPr>
-          <p:cNvPr id="5" name="Slide Number Placeholder 4"/>
+            <a:endParaRPr lang="en-US" dirty="0"/>
+          </a:p>
+        </p:txBody>
+      </p:sp>
+      <p:sp>
+        <p:nvSpPr>
+          <p:cNvPr id="6" name="Slide Number Placeholder 4"/>
           <p:cNvSpPr>
             <a:spLocks noGrp="1"/>
           </p:cNvSpPr>
@@ -1907,18 +5256,18 @@
           <a:bodyPr/>
           <a:lstStyle/>
           <a:p>
-            <a:fld id="{330EA680-D336-4FF7-8B7A-9848BB0A1C32}" type="slidenum">
-              <a:rPr lang="en-US" smtClean="0"/>
+            <a:fld id="{D57F1E4F-1CFF-5643-939E-02111984F565}" type="slidenum">
+              <a:rPr lang="en-US" dirty="0"/>
               <a:t>‹#›</a:t>
             </a:fld>
-            <a:endParaRPr lang="en-US"/>
+            <a:endParaRPr lang="en-US" dirty="0"/>
           </a:p>
         </p:txBody>
       </p:sp>
     </p:spTree>
     <p:extLst>
       <p:ext uri="{BB962C8B-B14F-4D97-AF65-F5344CB8AC3E}">
-        <p14:creationId xmlns:p14="http://schemas.microsoft.com/office/powerpoint/2010/main" val="3210312558"/>
+        <p14:creationId xmlns:p14="http://schemas.microsoft.com/office/powerpoint/2010/main" val="3514835221"/>
       </p:ext>
     </p:extLst>
   </p:cSld>
@@ -1947,7 +5296,7 @@
       </p:grpSpPr>
       <p:sp>
         <p:nvSpPr>
-          <p:cNvPr id="2" name="Date Placeholder 1"/>
+          <p:cNvPr id="7" name="Date Placeholder 1"/>
           <p:cNvSpPr>
             <a:spLocks noGrp="1"/>
           </p:cNvSpPr>
@@ -1960,17 +5309,17 @@
           <a:bodyPr/>
           <a:lstStyle/>
           <a:p>
-            <a:fld id="{846CE7D5-CF57-46EF-B807-FDD0502418D4}" type="datetimeFigureOut">
-              <a:rPr lang="en-US" smtClean="0"/>
-              <a:t>1/1/2020</a:t>
+            <a:fld id="{4509A250-FF31-4206-8172-F9D3106AACB1}" type="datetimeFigureOut">
+              <a:rPr lang="en-US" dirty="0"/>
+              <a:t>1/8/2020</a:t>
             </a:fld>
-            <a:endParaRPr lang="en-US"/>
-          </a:p>
-        </p:txBody>
-      </p:sp>
-      <p:sp>
-        <p:nvSpPr>
-          <p:cNvPr id="3" name="Footer Placeholder 2"/>
+            <a:endParaRPr lang="en-US" dirty="0"/>
+          </a:p>
+        </p:txBody>
+      </p:sp>
+      <p:sp>
+        <p:nvSpPr>
+          <p:cNvPr id="5" name="Footer Placeholder 2"/>
           <p:cNvSpPr>
             <a:spLocks noGrp="1"/>
           </p:cNvSpPr>
@@ -1983,13 +5332,13 @@
           <a:bodyPr/>
           <a:lstStyle/>
           <a:p>
-            <a:endParaRPr lang="en-US"/>
-          </a:p>
-        </p:txBody>
-      </p:sp>
-      <p:sp>
-        <p:nvSpPr>
-          <p:cNvPr id="4" name="Slide Number Placeholder 3"/>
+            <a:endParaRPr lang="en-US" dirty="0"/>
+          </a:p>
+        </p:txBody>
+      </p:sp>
+      <p:sp>
+        <p:nvSpPr>
+          <p:cNvPr id="6" name="Slide Number Placeholder 3"/>
           <p:cNvSpPr>
             <a:spLocks noGrp="1"/>
           </p:cNvSpPr>
@@ -2002,18 +5351,18 @@
           <a:bodyPr/>
           <a:lstStyle/>
           <a:p>
-            <a:fld id="{330EA680-D336-4FF7-8B7A-9848BB0A1C32}" type="slidenum">
-              <a:rPr lang="en-US" smtClean="0"/>
+            <a:fld id="{D57F1E4F-1CFF-5643-939E-02111984F565}" type="slidenum">
+              <a:rPr lang="en-US" dirty="0"/>
               <a:t>‹#›</a:t>
             </a:fld>
-            <a:endParaRPr lang="en-US"/>
+            <a:endParaRPr lang="en-US" dirty="0"/>
           </a:p>
         </p:txBody>
       </p:sp>
     </p:spTree>
     <p:extLst>
       <p:ext uri="{BB962C8B-B14F-4D97-AF65-F5344CB8AC3E}">
-        <p14:creationId xmlns:p14="http://schemas.microsoft.com/office/powerpoint/2010/main" val="3146388984"/>
+        <p14:creationId xmlns:p14="http://schemas.microsoft.com/office/powerpoint/2010/main" val="4054243635"/>
       </p:ext>
     </p:extLst>
   </p:cSld>
@@ -2052,23 +5401,22 @@
         </p:nvSpPr>
         <p:spPr>
           <a:xfrm>
-            <a:off x="839788" y="457200"/>
-            <a:ext cx="3932237" cy="1600200"/>
+            <a:off x="1154953" y="1447800"/>
+            <a:ext cx="3401064" cy="1447800"/>
           </a:xfrm>
         </p:spPr>
         <p:txBody>
           <a:bodyPr anchor="b"/>
           <a:lstStyle>
-            <a:lvl1pPr>
-              <a:defRPr sz="3200"/>
+            <a:lvl1pPr algn="l">
+              <a:defRPr sz="2400" b="0"/>
             </a:lvl1pPr>
           </a:lstStyle>
           <a:p>
             <a:r>
-              <a:rPr lang="en-US"/>
+              <a:rPr lang="en-US" dirty="0"/>
               <a:t>Click to edit Master title style</a:t>
             </a:r>
-            <a:endParaRPr lang="en-US" dirty="0"/>
           </a:p>
         </p:txBody>
       </p:sp>
@@ -2084,76 +5432,77 @@
         </p:nvSpPr>
         <p:spPr>
           <a:xfrm>
-            <a:off x="5183188" y="987425"/>
-            <a:ext cx="6172200" cy="4873625"/>
+            <a:off x="4784616" y="1447800"/>
+            <a:ext cx="5195997" cy="4572000"/>
           </a:xfrm>
         </p:spPr>
         <p:txBody>
-          <a:bodyPr/>
+          <a:bodyPr anchor="ctr">
+            <a:normAutofit/>
+          </a:bodyPr>
           <a:lstStyle>
             <a:lvl1pPr>
-              <a:defRPr sz="3200"/>
+              <a:defRPr sz="2000"/>
             </a:lvl1pPr>
             <a:lvl2pPr>
-              <a:defRPr sz="2800"/>
+              <a:defRPr sz="1800"/>
             </a:lvl2pPr>
             <a:lvl3pPr>
-              <a:defRPr sz="2400"/>
+              <a:defRPr sz="1600"/>
             </a:lvl3pPr>
             <a:lvl4pPr>
-              <a:defRPr sz="2000"/>
+              <a:defRPr sz="1400"/>
             </a:lvl4pPr>
             <a:lvl5pPr>
-              <a:defRPr sz="2000"/>
+              <a:defRPr sz="1400"/>
             </a:lvl5pPr>
             <a:lvl6pPr>
-              <a:defRPr sz="2000"/>
+              <a:defRPr sz="1400"/>
             </a:lvl6pPr>
             <a:lvl7pPr>
-              <a:defRPr sz="2000"/>
+              <a:defRPr sz="1400"/>
             </a:lvl7pPr>
             <a:lvl8pPr>
-              <a:defRPr sz="2000"/>
+              <a:defRPr sz="1400"/>
             </a:lvl8pPr>
             <a:lvl9pPr>
-              <a:defRPr sz="2000"/>
+              <a:defRPr sz="1400"/>
             </a:lvl9pPr>
           </a:lstStyle>
           <a:p>
             <a:pPr lvl="0"/>
             <a:r>
-              <a:rPr lang="en-US"/>
+              <a:rPr lang="en-US" dirty="0"/>
               <a:t>Click to edit Master text styles</a:t>
             </a:r>
           </a:p>
           <a:p>
             <a:pPr lvl="1"/>
             <a:r>
-              <a:rPr lang="en-US"/>
+              <a:rPr lang="en-US" dirty="0"/>
               <a:t>Second level</a:t>
             </a:r>
           </a:p>
           <a:p>
             <a:pPr lvl="2"/>
             <a:r>
-              <a:rPr lang="en-US"/>
+              <a:rPr lang="en-US" dirty="0"/>
               <a:t>Third level</a:t>
             </a:r>
           </a:p>
           <a:p>
             <a:pPr lvl="3"/>
             <a:r>
-              <a:rPr lang="en-US"/>
+              <a:rPr lang="en-US" dirty="0"/>
               <a:t>Fourth level</a:t>
             </a:r>
           </a:p>
           <a:p>
             <a:pPr lvl="4"/>
             <a:r>
-              <a:rPr lang="en-US"/>
+              <a:rPr lang="en-US" dirty="0"/>
               <a:t>Fifth level</a:t>
             </a:r>
-            <a:endParaRPr lang="en-US" dirty="0"/>
           </a:p>
         </p:txBody>
       </p:sp>
@@ -2169,8 +5518,8 @@
         </p:nvSpPr>
         <p:spPr>
           <a:xfrm>
-            <a:off x="839788" y="2057400"/>
-            <a:ext cx="3932237" cy="3811588"/>
+            <a:off x="1154953" y="3129280"/>
+            <a:ext cx="3401063" cy="2895599"/>
           </a:xfrm>
         </p:spPr>
         <p:txBody>
@@ -2178,45 +5527,45 @@
           <a:lstStyle>
             <a:lvl1pPr marL="0" indent="0">
               <a:buNone/>
-              <a:defRPr sz="1600"/>
+              <a:defRPr sz="1400"/>
             </a:lvl1pPr>
             <a:lvl2pPr marL="457200" indent="0">
               <a:buNone/>
-              <a:defRPr sz="1400"/>
+              <a:defRPr sz="1200"/>
             </a:lvl2pPr>
             <a:lvl3pPr marL="914400" indent="0">
               <a:buNone/>
-              <a:defRPr sz="1200"/>
+              <a:defRPr sz="1000"/>
             </a:lvl3pPr>
             <a:lvl4pPr marL="1371600" indent="0">
               <a:buNone/>
-              <a:defRPr sz="1000"/>
+              <a:defRPr sz="900"/>
             </a:lvl4pPr>
             <a:lvl5pPr marL="1828800" indent="0">
               <a:buNone/>
-              <a:defRPr sz="1000"/>
+              <a:defRPr sz="900"/>
             </a:lvl5pPr>
             <a:lvl6pPr marL="2286000" indent="0">
               <a:buNone/>
-              <a:defRPr sz="1000"/>
+              <a:defRPr sz="900"/>
             </a:lvl6pPr>
             <a:lvl7pPr marL="2743200" indent="0">
               <a:buNone/>
-              <a:defRPr sz="1000"/>
+              <a:defRPr sz="900"/>
             </a:lvl7pPr>
             <a:lvl8pPr marL="3200400" indent="0">
               <a:buNone/>
-              <a:defRPr sz="1000"/>
+              <a:defRPr sz="900"/>
             </a:lvl8pPr>
             <a:lvl9pPr marL="3657600" indent="0">
               <a:buNone/>
-              <a:defRPr sz="1000"/>
+              <a:defRPr sz="900"/>
             </a:lvl9pPr>
           </a:lstStyle>
           <a:p>
             <a:pPr lvl="0"/>
             <a:r>
-              <a:rPr lang="en-US"/>
+              <a:rPr lang="en-US" dirty="0"/>
               <a:t>Click to edit Master text styles</a:t>
             </a:r>
           </a:p>
@@ -2224,7 +5573,7 @@
       </p:sp>
       <p:sp>
         <p:nvSpPr>
-          <p:cNvPr id="5" name="Date Placeholder 4"/>
+          <p:cNvPr id="7" name="Date Placeholder 4"/>
           <p:cNvSpPr>
             <a:spLocks noGrp="1"/>
           </p:cNvSpPr>
@@ -2237,17 +5586,17 @@
           <a:bodyPr/>
           <a:lstStyle/>
           <a:p>
-            <a:fld id="{846CE7D5-CF57-46EF-B807-FDD0502418D4}" type="datetimeFigureOut">
-              <a:rPr lang="en-US" smtClean="0"/>
-              <a:t>1/1/2020</a:t>
+            <a:fld id="{4509A250-FF31-4206-8172-F9D3106AACB1}" type="datetimeFigureOut">
+              <a:rPr lang="en-US" dirty="0"/>
+              <a:t>1/8/2020</a:t>
             </a:fld>
-            <a:endParaRPr lang="en-US"/>
-          </a:p>
-        </p:txBody>
-      </p:sp>
-      <p:sp>
-        <p:nvSpPr>
-          <p:cNvPr id="6" name="Footer Placeholder 5"/>
+            <a:endParaRPr lang="en-US" dirty="0"/>
+          </a:p>
+        </p:txBody>
+      </p:sp>
+      <p:sp>
+        <p:nvSpPr>
+          <p:cNvPr id="5" name="Footer Placeholder 5"/>
           <p:cNvSpPr>
             <a:spLocks noGrp="1"/>
           </p:cNvSpPr>
@@ -2260,13 +5609,13 @@
           <a:bodyPr/>
           <a:lstStyle/>
           <a:p>
-            <a:endParaRPr lang="en-US"/>
-          </a:p>
-        </p:txBody>
-      </p:sp>
-      <p:sp>
-        <p:nvSpPr>
-          <p:cNvPr id="7" name="Slide Number Placeholder 6"/>
+            <a:endParaRPr lang="en-US" dirty="0"/>
+          </a:p>
+        </p:txBody>
+      </p:sp>
+      <p:sp>
+        <p:nvSpPr>
+          <p:cNvPr id="6" name="Slide Number Placeholder 6"/>
           <p:cNvSpPr>
             <a:spLocks noGrp="1"/>
           </p:cNvSpPr>
@@ -2279,18 +5628,18 @@
           <a:bodyPr/>
           <a:lstStyle/>
           <a:p>
-            <a:fld id="{330EA680-D336-4FF7-8B7A-9848BB0A1C32}" type="slidenum">
-              <a:rPr lang="en-US" smtClean="0"/>
+            <a:fld id="{D57F1E4F-1CFF-5643-939E-02111984F565}" type="slidenum">
+              <a:rPr lang="en-US" dirty="0"/>
               <a:t>‹#›</a:t>
             </a:fld>
-            <a:endParaRPr lang="en-US"/>
+            <a:endParaRPr lang="en-US" dirty="0"/>
           </a:p>
         </p:txBody>
       </p:sp>
     </p:spTree>
     <p:extLst>
       <p:ext uri="{BB962C8B-B14F-4D97-AF65-F5344CB8AC3E}">
-        <p14:creationId xmlns:p14="http://schemas.microsoft.com/office/powerpoint/2010/main" val="3171841454"/>
+        <p14:creationId xmlns:p14="http://schemas.microsoft.com/office/powerpoint/2010/main" val="2633495016"/>
       </p:ext>
     </p:extLst>
   </p:cSld>
@@ -2329,23 +5678,24 @@
         </p:nvSpPr>
         <p:spPr>
           <a:xfrm>
-            <a:off x="839788" y="457200"/>
-            <a:ext cx="3932237" cy="1600200"/>
+            <a:off x="1153907" y="1854192"/>
+            <a:ext cx="5092906" cy="1574808"/>
           </a:xfrm>
         </p:spPr>
         <p:txBody>
-          <a:bodyPr anchor="b"/>
+          <a:bodyPr anchor="b">
+            <a:normAutofit/>
+          </a:bodyPr>
           <a:lstStyle>
-            <a:lvl1pPr>
-              <a:defRPr sz="3200"/>
+            <a:lvl1pPr algn="l">
+              <a:defRPr sz="3600" b="0"/>
             </a:lvl1pPr>
           </a:lstStyle>
           <a:p>
             <a:r>
-              <a:rPr lang="en-US"/>
+              <a:rPr lang="en-US" dirty="0"/>
               <a:t>Click to edit Master title style</a:t>
             </a:r>
-            <a:endParaRPr lang="en-US" dirty="0"/>
           </a:p>
         </p:txBody>
       </p:sp>
@@ -2361,119 +5711,131 @@
         </p:nvSpPr>
         <p:spPr>
           <a:xfrm>
-            <a:off x="5183188" y="987425"/>
-            <a:ext cx="6172200" cy="4873625"/>
+            <a:off x="6949546" y="1143000"/>
+            <a:ext cx="3200400" cy="4572000"/>
           </a:xfrm>
+          <a:prstGeom prst="roundRect">
+            <a:avLst>
+              <a:gd name="adj" fmla="val 1858"/>
+            </a:avLst>
+          </a:prstGeom>
+          <a:effectLst>
+            <a:outerShdw blurRad="50800" dist="50800" dir="5400000" algn="tl" rotWithShape="0">
+              <a:srgbClr val="000000">
+                <a:alpha val="43000"/>
+              </a:srgbClr>
+            </a:outerShdw>
+          </a:effectLst>
         </p:spPr>
         <p:txBody>
-          <a:bodyPr anchor="t"/>
+          <a:bodyPr anchor="t">
+            <a:normAutofit/>
+          </a:bodyPr>
           <a:lstStyle>
-            <a:lvl1pPr marL="0" indent="0">
-              <a:buNone/>
-              <a:defRPr sz="3200"/>
-            </a:lvl1pPr>
-            <a:lvl2pPr marL="457200" indent="0">
-              <a:buNone/>
-              <a:defRPr sz="2800"/>
-            </a:lvl2pPr>
-            <a:lvl3pPr marL="914400" indent="0">
-              <a:buNone/>
-              <a:defRPr sz="2400"/>
-            </a:lvl3pPr>
-            <a:lvl4pPr marL="1371600" indent="0">
-              <a:buNone/>
-              <a:defRPr sz="2000"/>
-            </a:lvl4pPr>
-            <a:lvl5pPr marL="1828800" indent="0">
-              <a:buNone/>
-              <a:defRPr sz="2000"/>
-            </a:lvl5pPr>
-            <a:lvl6pPr marL="2286000" indent="0">
-              <a:buNone/>
-              <a:defRPr sz="2000"/>
-            </a:lvl6pPr>
-            <a:lvl7pPr marL="2743200" indent="0">
-              <a:buNone/>
-              <a:defRPr sz="2000"/>
-            </a:lvl7pPr>
-            <a:lvl8pPr marL="3200400" indent="0">
-              <a:buNone/>
-              <a:defRPr sz="2000"/>
-            </a:lvl8pPr>
-            <a:lvl9pPr marL="3657600" indent="0">
-              <a:buNone/>
-              <a:defRPr sz="2000"/>
-            </a:lvl9pPr>
-          </a:lstStyle>
-          <a:p>
-            <a:r>
-              <a:rPr lang="en-US"/>
-              <a:t>Click icon to add picture</a:t>
-            </a:r>
-            <a:endParaRPr lang="en-US" dirty="0"/>
-          </a:p>
-        </p:txBody>
-      </p:sp>
-      <p:sp>
-        <p:nvSpPr>
-          <p:cNvPr id="4" name="Text Placeholder 3"/>
-          <p:cNvSpPr>
-            <a:spLocks noGrp="1"/>
-          </p:cNvSpPr>
-          <p:nvPr>
-            <p:ph type="body" sz="half" idx="2"/>
-          </p:nvPr>
-        </p:nvSpPr>
-        <p:spPr>
-          <a:xfrm>
-            <a:off x="839788" y="2057400"/>
-            <a:ext cx="3932237" cy="3811588"/>
-          </a:xfrm>
-        </p:spPr>
-        <p:txBody>
-          <a:bodyPr/>
-          <a:lstStyle>
-            <a:lvl1pPr marL="0" indent="0">
+            <a:lvl1pPr marL="0" indent="0" algn="ctr">
               <a:buNone/>
               <a:defRPr sz="1600"/>
             </a:lvl1pPr>
             <a:lvl2pPr marL="457200" indent="0">
               <a:buNone/>
-              <a:defRPr sz="1400"/>
+              <a:defRPr sz="1600"/>
             </a:lvl2pPr>
             <a:lvl3pPr marL="914400" indent="0">
               <a:buNone/>
-              <a:defRPr sz="1200"/>
+              <a:defRPr sz="1600"/>
             </a:lvl3pPr>
             <a:lvl4pPr marL="1371600" indent="0">
               <a:buNone/>
-              <a:defRPr sz="1000"/>
+              <a:defRPr sz="1600"/>
             </a:lvl4pPr>
             <a:lvl5pPr marL="1828800" indent="0">
               <a:buNone/>
-              <a:defRPr sz="1000"/>
+              <a:defRPr sz="1600"/>
             </a:lvl5pPr>
             <a:lvl6pPr marL="2286000" indent="0">
               <a:buNone/>
-              <a:defRPr sz="1000"/>
+              <a:defRPr sz="1600"/>
             </a:lvl6pPr>
             <a:lvl7pPr marL="2743200" indent="0">
               <a:buNone/>
-              <a:defRPr sz="1000"/>
+              <a:defRPr sz="1600"/>
             </a:lvl7pPr>
             <a:lvl8pPr marL="3200400" indent="0">
               <a:buNone/>
-              <a:defRPr sz="1000"/>
+              <a:defRPr sz="1600"/>
             </a:lvl8pPr>
             <a:lvl9pPr marL="3657600" indent="0">
               <a:buNone/>
-              <a:defRPr sz="1000"/>
+              <a:defRPr sz="1600"/>
             </a:lvl9pPr>
           </a:lstStyle>
           <a:p>
+            <a:endParaRPr lang="en-US" dirty="0"/>
+          </a:p>
+        </p:txBody>
+      </p:sp>
+      <p:sp>
+        <p:nvSpPr>
+          <p:cNvPr id="4" name="Text Placeholder 3"/>
+          <p:cNvSpPr>
+            <a:spLocks noGrp="1"/>
+          </p:cNvSpPr>
+          <p:nvPr>
+            <p:ph type="body" sz="half" idx="2"/>
+          </p:nvPr>
+        </p:nvSpPr>
+        <p:spPr>
+          <a:xfrm>
+            <a:off x="1154954" y="3657600"/>
+            <a:ext cx="5084979" cy="1371600"/>
+          </a:xfrm>
+        </p:spPr>
+        <p:txBody>
+          <a:bodyPr>
+            <a:normAutofit/>
+          </a:bodyPr>
+          <a:lstStyle>
+            <a:lvl1pPr marL="0" indent="0">
+              <a:buNone/>
+              <a:defRPr sz="1400"/>
+            </a:lvl1pPr>
+            <a:lvl2pPr marL="457200" indent="0">
+              <a:buNone/>
+              <a:defRPr sz="1200"/>
+            </a:lvl2pPr>
+            <a:lvl3pPr marL="914400" indent="0">
+              <a:buNone/>
+              <a:defRPr sz="1000"/>
+            </a:lvl3pPr>
+            <a:lvl4pPr marL="1371600" indent="0">
+              <a:buNone/>
+              <a:defRPr sz="900"/>
+            </a:lvl4pPr>
+            <a:lvl5pPr marL="1828800" indent="0">
+              <a:buNone/>
+              <a:defRPr sz="900"/>
+            </a:lvl5pPr>
+            <a:lvl6pPr marL="2286000" indent="0">
+              <a:buNone/>
+              <a:defRPr sz="900"/>
+            </a:lvl6pPr>
+            <a:lvl7pPr marL="2743200" indent="0">
+              <a:buNone/>
+              <a:defRPr sz="900"/>
+            </a:lvl7pPr>
+            <a:lvl8pPr marL="3200400" indent="0">
+              <a:buNone/>
+              <a:defRPr sz="900"/>
+            </a:lvl8pPr>
+            <a:lvl9pPr marL="3657600" indent="0">
+              <a:buNone/>
+              <a:defRPr sz="900"/>
+            </a:lvl9pPr>
+          </a:lstStyle>
+          <a:p>
             <a:pPr lvl="0"/>
             <a:r>
-              <a:rPr lang="en-US"/>
+              <a:rPr lang="en-US" dirty="0"/>
               <a:t>Click to edit Master text styles</a:t>
             </a:r>
           </a:p>
@@ -2494,11 +5856,11 @@
           <a:bodyPr/>
           <a:lstStyle/>
           <a:p>
-            <a:fld id="{846CE7D5-CF57-46EF-B807-FDD0502418D4}" type="datetimeFigureOut">
-              <a:rPr lang="en-US" smtClean="0"/>
-              <a:t>1/1/2020</a:t>
+            <a:fld id="{4509A250-FF31-4206-8172-F9D3106AACB1}" type="datetimeFigureOut">
+              <a:rPr lang="en-US" dirty="0"/>
+              <a:t>1/8/2020</a:t>
             </a:fld>
-            <a:endParaRPr lang="en-US"/>
+            <a:endParaRPr lang="en-US" dirty="0"/>
           </a:p>
         </p:txBody>
       </p:sp>
@@ -2517,7 +5879,7 @@
           <a:bodyPr/>
           <a:lstStyle/>
           <a:p>
-            <a:endParaRPr lang="en-US"/>
+            <a:endParaRPr lang="en-US" dirty="0"/>
           </a:p>
         </p:txBody>
       </p:sp>
@@ -2536,18 +5898,18 @@
           <a:bodyPr/>
           <a:lstStyle/>
           <a:p>
-            <a:fld id="{330EA680-D336-4FF7-8B7A-9848BB0A1C32}" type="slidenum">
-              <a:rPr lang="en-US" smtClean="0"/>
+            <a:fld id="{D57F1E4F-1CFF-5643-939E-02111984F565}" type="slidenum">
+              <a:rPr lang="en-US" dirty="0"/>
               <a:t>‹#›</a:t>
             </a:fld>
-            <a:endParaRPr lang="en-US"/>
+            <a:endParaRPr lang="en-US" dirty="0"/>
           </a:p>
         </p:txBody>
       </p:sp>
     </p:spTree>
     <p:extLst>
       <p:ext uri="{BB962C8B-B14F-4D97-AF65-F5344CB8AC3E}">
-        <p14:creationId xmlns:p14="http://schemas.microsoft.com/office/powerpoint/2010/main" val="1718958274"/>
+        <p14:creationId xmlns:p14="http://schemas.microsoft.com/office/powerpoint/2010/main" val="543706136"/>
       </p:ext>
     </p:extLst>
   </p:cSld>
@@ -2561,8 +5923,8 @@
 <p:sldMaster xmlns:a="http://schemas.openxmlformats.org/drawingml/2006/main" xmlns:r="http://schemas.openxmlformats.org/officeDocument/2006/relationships" xmlns:p="http://schemas.openxmlformats.org/presentationml/2006/main">
   <p:cSld>
     <p:bg>
-      <p:bgRef idx="1001">
-        <a:schemeClr val="bg1"/>
+      <p:bgRef idx="1003">
+        <a:schemeClr val="bg2"/>
       </p:bgRef>
     </p:bg>
     <p:spTree>
@@ -2579,125 +5941,418 @@
           <a:chExt cx="0" cy="0"/>
         </a:xfrm>
       </p:grpSpPr>
-      <p:sp>
-        <p:nvSpPr>
-          <p:cNvPr id="2" name="Title Placeholder 1"/>
-          <p:cNvSpPr>
-            <a:spLocks noGrp="1"/>
-          </p:cNvSpPr>
-          <p:nvPr>
-            <p:ph type="title"/>
-          </p:nvPr>
-        </p:nvSpPr>
+      <p:pic>
+        <p:nvPicPr>
+          <p:cNvPr id="8" name="Picture 7"/>
+          <p:cNvPicPr>
+            <a:picLocks noChangeAspect="1"/>
+          </p:cNvPicPr>
+          <p:nvPr/>
+        </p:nvPicPr>
+        <p:blipFill rotWithShape="1">
+          <a:blip r:embed="rId19">
+            <a:extLst>
+              <a:ext uri="{28A0092B-C50C-407E-A947-70E740481C1C}">
+                <a14:useLocalDpi xmlns:a14="http://schemas.microsoft.com/office/drawing/2010/main" val="0"/>
+              </a:ext>
+            </a:extLst>
+          </a:blip>
+          <a:srcRect l="3613"/>
+          <a:stretch/>
+        </p:blipFill>
         <p:spPr>
           <a:xfrm>
-            <a:off x="838200" y="365125"/>
-            <a:ext cx="10515600" cy="1325563"/>
+            <a:off x="0" y="2669685"/>
+            <a:ext cx="4037012" cy="4188315"/>
           </a:xfrm>
           <a:prstGeom prst="rect">
             <a:avLst/>
           </a:prstGeom>
         </p:spPr>
-        <p:txBody>
-          <a:bodyPr vert="horz" lIns="91440" tIns="45720" rIns="91440" bIns="45720" rtlCol="0" anchor="ctr">
-            <a:normAutofit/>
-          </a:bodyPr>
-          <a:lstStyle/>
-          <a:p>
-            <a:r>
-              <a:rPr lang="en-US"/>
-              <a:t>Click to edit Master title style</a:t>
-            </a:r>
-            <a:endParaRPr lang="en-US" dirty="0"/>
-          </a:p>
-        </p:txBody>
-      </p:sp>
-      <p:sp>
-        <p:nvSpPr>
-          <p:cNvPr id="3" name="Text Placeholder 2"/>
-          <p:cNvSpPr>
-            <a:spLocks noGrp="1"/>
-          </p:cNvSpPr>
-          <p:nvPr>
-            <p:ph type="body" idx="1"/>
-          </p:nvPr>
-        </p:nvSpPr>
+      </p:pic>
+      <p:pic>
+        <p:nvPicPr>
+          <p:cNvPr id="7" name="Picture 6"/>
+          <p:cNvPicPr>
+            <a:picLocks noChangeAspect="1"/>
+          </p:cNvPicPr>
+          <p:nvPr/>
+        </p:nvPicPr>
+        <p:blipFill rotWithShape="1">
+          <a:blip r:embed="rId20">
+            <a:extLst>
+              <a:ext uri="{28A0092B-C50C-407E-A947-70E740481C1C}">
+                <a14:useLocalDpi xmlns:a14="http://schemas.microsoft.com/office/drawing/2010/main" val="0"/>
+              </a:ext>
+            </a:extLst>
+          </a:blip>
+          <a:srcRect l="35640"/>
+          <a:stretch/>
+        </p:blipFill>
         <p:spPr>
           <a:xfrm>
-            <a:off x="838200" y="1825625"/>
-            <a:ext cx="10515600" cy="4351338"/>
+            <a:off x="0" y="2892347"/>
+            <a:ext cx="1522412" cy="2365453"/>
           </a:xfrm>
           <a:prstGeom prst="rect">
             <a:avLst/>
           </a:prstGeom>
         </p:spPr>
-        <p:txBody>
-          <a:bodyPr vert="horz" lIns="91440" tIns="45720" rIns="91440" bIns="45720" rtlCol="0">
-            <a:normAutofit/>
-          </a:bodyPr>
-          <a:lstStyle/>
-          <a:p>
-            <a:pPr lvl="0"/>
-            <a:r>
-              <a:rPr lang="en-US"/>
-              <a:t>Click to edit Master text styles</a:t>
-            </a:r>
-          </a:p>
-          <a:p>
-            <a:pPr lvl="1"/>
-            <a:r>
-              <a:rPr lang="en-US"/>
-              <a:t>Second level</a:t>
-            </a:r>
-          </a:p>
-          <a:p>
-            <a:pPr lvl="2"/>
-            <a:r>
-              <a:rPr lang="en-US"/>
-              <a:t>Third level</a:t>
-            </a:r>
-          </a:p>
-          <a:p>
-            <a:pPr lvl="3"/>
-            <a:r>
-              <a:rPr lang="en-US"/>
-              <a:t>Fourth level</a:t>
-            </a:r>
-          </a:p>
-          <a:p>
-            <a:pPr lvl="4"/>
-            <a:r>
-              <a:rPr lang="en-US"/>
-              <a:t>Fifth level</a:t>
-            </a:r>
-            <a:endParaRPr lang="en-US" dirty="0"/>
-          </a:p>
-        </p:txBody>
-      </p:sp>
-      <p:sp>
-        <p:nvSpPr>
-          <p:cNvPr id="4" name="Date Placeholder 3"/>
-          <p:cNvSpPr>
-            <a:spLocks noGrp="1"/>
-          </p:cNvSpPr>
-          <p:nvPr>
-            <p:ph type="dt" sz="half" idx="2"/>
-          </p:nvPr>
+      </p:pic>
+      <p:sp>
+        <p:nvSpPr>
+          <p:cNvPr id="16" name="Oval 15"/>
+          <p:cNvSpPr/>
+          <p:nvPr/>
         </p:nvSpPr>
         <p:spPr>
           <a:xfrm>
-            <a:off x="838200" y="6356350"/>
-            <a:ext cx="2743200" cy="365125"/>
+            <a:off x="8609012" y="1676400"/>
+            <a:ext cx="2819400" cy="2819400"/>
+          </a:xfrm>
+          <a:prstGeom prst="ellipse">
+            <a:avLst/>
+          </a:prstGeom>
+          <a:gradFill flip="none" rotWithShape="1">
+            <a:gsLst>
+              <a:gs pos="0">
+                <a:schemeClr val="bg2">
+                  <a:lumMod val="60000"/>
+                  <a:lumOff val="40000"/>
+                  <a:alpha val="7000"/>
+                </a:schemeClr>
+              </a:gs>
+              <a:gs pos="69000">
+                <a:schemeClr val="bg2">
+                  <a:lumMod val="60000"/>
+                  <a:lumOff val="40000"/>
+                  <a:alpha val="0"/>
+                </a:schemeClr>
+              </a:gs>
+              <a:gs pos="36000">
+                <a:schemeClr val="bg2">
+                  <a:lumMod val="60000"/>
+                  <a:lumOff val="40000"/>
+                  <a:alpha val="6000"/>
+                </a:schemeClr>
+              </a:gs>
+            </a:gsLst>
+            <a:path path="circle">
+              <a:fillToRect l="50000" t="50000" r="50000" b="50000"/>
+            </a:path>
+            <a:tileRect/>
+          </a:gradFill>
+          <a:ln>
+            <a:noFill/>
+          </a:ln>
+          <a:effectLst/>
+        </p:spPr>
+        <p:style>
+          <a:lnRef idx="1">
+            <a:schemeClr val="accent1"/>
+          </a:lnRef>
+          <a:fillRef idx="3">
+            <a:schemeClr val="accent1"/>
+          </a:fillRef>
+          <a:effectRef idx="2">
+            <a:schemeClr val="accent1"/>
+          </a:effectRef>
+          <a:fontRef idx="minor">
+            <a:schemeClr val="lt1"/>
+          </a:fontRef>
+        </p:style>
+      </p:sp>
+      <p:pic>
+        <p:nvPicPr>
+          <p:cNvPr id="9" name="Picture 8"/>
+          <p:cNvPicPr>
+            <a:picLocks noChangeAspect="1"/>
+          </p:cNvPicPr>
+          <p:nvPr/>
+        </p:nvPicPr>
+        <p:blipFill rotWithShape="1">
+          <a:blip r:embed="rId21">
+            <a:extLst>
+              <a:ext uri="{28A0092B-C50C-407E-A947-70E740481C1C}">
+                <a14:useLocalDpi xmlns:a14="http://schemas.microsoft.com/office/drawing/2010/main" val="0"/>
+              </a:ext>
+            </a:extLst>
+          </a:blip>
+          <a:srcRect t="28813"/>
+          <a:stretch/>
+        </p:blipFill>
+        <p:spPr>
+          <a:xfrm>
+            <a:off x="7999412" y="0"/>
+            <a:ext cx="1603387" cy="1141407"/>
           </a:xfrm>
           <a:prstGeom prst="rect">
             <a:avLst/>
           </a:prstGeom>
         </p:spPr>
-        <p:txBody>
-          <a:bodyPr vert="horz" lIns="91440" tIns="45720" rIns="91440" bIns="45720" rtlCol="0" anchor="ctr"/>
+      </p:pic>
+      <p:pic>
+        <p:nvPicPr>
+          <p:cNvPr id="10" name="Picture 9"/>
+          <p:cNvPicPr>
+            <a:picLocks noChangeAspect="1"/>
+          </p:cNvPicPr>
+          <p:nvPr/>
+        </p:nvPicPr>
+        <p:blipFill rotWithShape="1">
+          <a:blip r:embed="rId22">
+            <a:extLst>
+              <a:ext uri="{28A0092B-C50C-407E-A947-70E740481C1C}">
+                <a14:useLocalDpi xmlns:a14="http://schemas.microsoft.com/office/drawing/2010/main" val="0"/>
+              </a:ext>
+            </a:extLst>
+          </a:blip>
+          <a:srcRect b="23320"/>
+          <a:stretch/>
+        </p:blipFill>
+        <p:spPr>
+          <a:xfrm>
+            <a:off x="8605878" y="6096000"/>
+            <a:ext cx="993734" cy="762000"/>
+          </a:xfrm>
+          <a:prstGeom prst="rect">
+            <a:avLst/>
+          </a:prstGeom>
+        </p:spPr>
+      </p:pic>
+      <p:sp>
+        <p:nvSpPr>
+          <p:cNvPr id="14" name="Rectangle 13"/>
+          <p:cNvSpPr/>
+          <p:nvPr/>
+        </p:nvSpPr>
+        <p:spPr>
+          <a:xfrm>
+            <a:off x="10437812" y="0"/>
+            <a:ext cx="685800" cy="1143000"/>
+          </a:xfrm>
+          <a:prstGeom prst="rect">
+            <a:avLst/>
+          </a:prstGeom>
+          <a:solidFill>
+            <a:schemeClr val="accent1"/>
+          </a:solidFill>
+          <a:ln>
+            <a:noFill/>
+          </a:ln>
+        </p:spPr>
+        <p:style>
+          <a:lnRef idx="1">
+            <a:schemeClr val="accent1"/>
+          </a:lnRef>
+          <a:fillRef idx="3">
+            <a:schemeClr val="accent1"/>
+          </a:fillRef>
+          <a:effectRef idx="2">
+            <a:schemeClr val="accent1"/>
+          </a:effectRef>
+          <a:fontRef idx="minor">
+            <a:schemeClr val="lt1"/>
+          </a:fontRef>
+        </p:style>
+      </p:sp>
+      <p:sp>
+        <p:nvSpPr>
+          <p:cNvPr id="2" name="Title Placeholder 1"/>
+          <p:cNvSpPr>
+            <a:spLocks noGrp="1"/>
+          </p:cNvSpPr>
+          <p:nvPr>
+            <p:ph type="title"/>
+          </p:nvPr>
+        </p:nvSpPr>
+        <p:spPr>
+          <a:xfrm>
+            <a:off x="646111" y="452718"/>
+            <a:ext cx="9404723" cy="1400530"/>
+          </a:xfrm>
+          <a:prstGeom prst="rect">
+            <a:avLst/>
+          </a:prstGeom>
+        </p:spPr>
+        <p:txBody>
+          <a:bodyPr vert="horz" lIns="91440" tIns="45720" rIns="91440" bIns="45720" rtlCol="0" anchor="t">
+            <a:noAutofit/>
+          </a:bodyPr>
+          <a:lstStyle/>
+          <a:p>
+            <a:r>
+              <a:rPr lang="en-US" dirty="0"/>
+              <a:t>Click to edit Master title style</a:t>
+            </a:r>
+          </a:p>
+        </p:txBody>
+      </p:sp>
+      <p:sp>
+        <p:nvSpPr>
+          <p:cNvPr id="3" name="Text Placeholder 2"/>
+          <p:cNvSpPr>
+            <a:spLocks noGrp="1"/>
+          </p:cNvSpPr>
+          <p:nvPr>
+            <p:ph type="body" idx="1"/>
+          </p:nvPr>
+        </p:nvSpPr>
+        <p:spPr>
+          <a:xfrm>
+            <a:off x="1103312" y="2052918"/>
+            <a:ext cx="8946541" cy="4195481"/>
+          </a:xfrm>
+          <a:prstGeom prst="rect">
+            <a:avLst/>
+          </a:prstGeom>
+        </p:spPr>
+        <p:txBody>
+          <a:bodyPr vert="horz" lIns="91440" tIns="45720" rIns="91440" bIns="45720" rtlCol="0">
+            <a:normAutofit/>
+          </a:bodyPr>
+          <a:lstStyle/>
+          <a:p>
+            <a:pPr lvl="0"/>
+            <a:r>
+              <a:rPr lang="en-US" dirty="0"/>
+              <a:t>Click to edit Master text styles</a:t>
+            </a:r>
+          </a:p>
+          <a:p>
+            <a:pPr lvl="1"/>
+            <a:r>
+              <a:rPr lang="en-US" dirty="0"/>
+              <a:t>Second level</a:t>
+            </a:r>
+          </a:p>
+          <a:p>
+            <a:pPr lvl="2"/>
+            <a:r>
+              <a:rPr lang="en-US" dirty="0"/>
+              <a:t>Third level</a:t>
+            </a:r>
+          </a:p>
+          <a:p>
+            <a:pPr lvl="3"/>
+            <a:r>
+              <a:rPr lang="en-US" dirty="0"/>
+              <a:t>Fourth level</a:t>
+            </a:r>
+          </a:p>
+          <a:p>
+            <a:pPr lvl="4"/>
+            <a:r>
+              <a:rPr lang="en-US" dirty="0"/>
+              <a:t>Fifth level</a:t>
+            </a:r>
+          </a:p>
+        </p:txBody>
+      </p:sp>
+      <p:sp>
+        <p:nvSpPr>
+          <p:cNvPr id="4" name="Date Placeholder 3"/>
+          <p:cNvSpPr>
+            <a:spLocks noGrp="1"/>
+          </p:cNvSpPr>
+          <p:nvPr>
+            <p:ph type="dt" sz="half" idx="2"/>
+          </p:nvPr>
+        </p:nvSpPr>
+        <p:spPr>
+          <a:xfrm rot="5400000">
+            <a:off x="10155639" y="1790701"/>
+            <a:ext cx="990599" cy="304799"/>
+          </a:xfrm>
+          <a:prstGeom prst="rect">
+            <a:avLst/>
+          </a:prstGeom>
+        </p:spPr>
+        <p:txBody>
+          <a:bodyPr vert="horz" lIns="91440" tIns="45720" rIns="91440" bIns="45720" rtlCol="0" anchor="t"/>
           <a:lstStyle>
             <a:lvl1pPr algn="l">
-              <a:defRPr sz="1200">
+              <a:defRPr sz="1100" b="0" i="0">
+                <a:solidFill>
+                  <a:schemeClr val="tx1">
+                    <a:tint val="75000"/>
+                    <a:alpha val="60000"/>
+                  </a:schemeClr>
+                </a:solidFill>
+              </a:defRPr>
+            </a:lvl1pPr>
+          </a:lstStyle>
+          <a:p>
+            <a:fld id="{4AAD347D-5ACD-4C99-B74B-A9C85AD731AF}" type="datetimeFigureOut">
+              <a:rPr lang="en-US" dirty="0"/>
+              <a:t>1/8/2020</a:t>
+            </a:fld>
+            <a:endParaRPr lang="en-US" dirty="0"/>
+          </a:p>
+        </p:txBody>
+      </p:sp>
+      <p:sp>
+        <p:nvSpPr>
+          <p:cNvPr id="5" name="Footer Placeholder 4"/>
+          <p:cNvSpPr>
+            <a:spLocks noGrp="1"/>
+          </p:cNvSpPr>
+          <p:nvPr>
+            <p:ph type="ftr" sz="quarter" idx="3"/>
+          </p:nvPr>
+        </p:nvSpPr>
+        <p:spPr>
+          <a:xfrm rot="5400000">
+            <a:off x="8951573" y="3225297"/>
+            <a:ext cx="3859795" cy="304801"/>
+          </a:xfrm>
+          <a:prstGeom prst="rect">
+            <a:avLst/>
+          </a:prstGeom>
+        </p:spPr>
+        <p:txBody>
+          <a:bodyPr vert="horz" lIns="91440" tIns="45720" rIns="91440" bIns="45720" rtlCol="0" anchor="b"/>
+          <a:lstStyle>
+            <a:lvl1pPr algn="l">
+              <a:defRPr sz="1100" b="0" i="0">
+                <a:solidFill>
+                  <a:schemeClr val="tx1">
+                    <a:tint val="75000"/>
+                    <a:alpha val="60000"/>
+                  </a:schemeClr>
+                </a:solidFill>
+              </a:defRPr>
+            </a:lvl1pPr>
+          </a:lstStyle>
+          <a:p>
+            <a:endParaRPr lang="en-US" dirty="0"/>
+          </a:p>
+        </p:txBody>
+      </p:sp>
+      <p:sp>
+        <p:nvSpPr>
+          <p:cNvPr id="6" name="Slide Number Placeholder 5"/>
+          <p:cNvSpPr>
+            <a:spLocks noGrp="1"/>
+          </p:cNvSpPr>
+          <p:nvPr>
+            <p:ph type="sldNum" sz="quarter" idx="4"/>
+          </p:nvPr>
+        </p:nvSpPr>
+        <p:spPr bwMode="gray">
+          <a:xfrm>
+            <a:off x="10352540" y="295729"/>
+            <a:ext cx="838199" cy="767687"/>
+          </a:xfrm>
+          <a:prstGeom prst="rect">
+            <a:avLst/>
+          </a:prstGeom>
+        </p:spPr>
+        <p:txBody>
+          <a:bodyPr vert="horz" lIns="91440" tIns="45720" rIns="91440" bIns="45720" rtlCol="0" anchor="b"/>
+          <a:lstStyle>
+            <a:lvl1pPr algn="ctr">
+              <a:defRPr sz="2800" b="0" i="0">
                 <a:solidFill>
                   <a:schemeClr val="tx1">
                     <a:tint val="75000"/>
@@ -2707,124 +6362,133 @@
             </a:lvl1pPr>
           </a:lstStyle>
           <a:p>
-            <a:fld id="{846CE7D5-CF57-46EF-B807-FDD0502418D4}" type="datetimeFigureOut">
-              <a:rPr lang="en-US" smtClean="0"/>
-              <a:t>1/1/2020</a:t>
-            </a:fld>
-            <a:endParaRPr lang="en-US"/>
-          </a:p>
-        </p:txBody>
-      </p:sp>
-      <p:sp>
-        <p:nvSpPr>
-          <p:cNvPr id="5" name="Footer Placeholder 4"/>
-          <p:cNvSpPr>
-            <a:spLocks noGrp="1"/>
-          </p:cNvSpPr>
-          <p:nvPr>
-            <p:ph type="ftr" sz="quarter" idx="3"/>
-          </p:nvPr>
-        </p:nvSpPr>
-        <p:spPr>
-          <a:xfrm>
-            <a:off x="4038600" y="6356350"/>
-            <a:ext cx="4114800" cy="365125"/>
-          </a:xfrm>
-          <a:prstGeom prst="rect">
-            <a:avLst/>
-          </a:prstGeom>
-        </p:spPr>
-        <p:txBody>
-          <a:bodyPr vert="horz" lIns="91440" tIns="45720" rIns="91440" bIns="45720" rtlCol="0" anchor="ctr"/>
-          <a:lstStyle>
-            <a:lvl1pPr algn="ctr">
-              <a:defRPr sz="1200">
-                <a:solidFill>
-                  <a:schemeClr val="tx1">
-                    <a:tint val="75000"/>
-                  </a:schemeClr>
-                </a:solidFill>
-              </a:defRPr>
-            </a:lvl1pPr>
-          </a:lstStyle>
-          <a:p>
-            <a:endParaRPr lang="en-US"/>
-          </a:p>
-        </p:txBody>
-      </p:sp>
-      <p:sp>
-        <p:nvSpPr>
-          <p:cNvPr id="6" name="Slide Number Placeholder 5"/>
-          <p:cNvSpPr>
-            <a:spLocks noGrp="1"/>
-          </p:cNvSpPr>
-          <p:nvPr>
-            <p:ph type="sldNum" sz="quarter" idx="4"/>
-          </p:nvPr>
-        </p:nvSpPr>
-        <p:spPr>
-          <a:xfrm>
-            <a:off x="8610600" y="6356350"/>
-            <a:ext cx="2743200" cy="365125"/>
-          </a:xfrm>
-          <a:prstGeom prst="rect">
-            <a:avLst/>
-          </a:prstGeom>
-        </p:spPr>
-        <p:txBody>
-          <a:bodyPr vert="horz" lIns="91440" tIns="45720" rIns="91440" bIns="45720" rtlCol="0" anchor="ctr"/>
-          <a:lstStyle>
-            <a:lvl1pPr algn="r">
-              <a:defRPr sz="1200">
-                <a:solidFill>
-                  <a:schemeClr val="tx1">
-                    <a:tint val="75000"/>
-                  </a:schemeClr>
-                </a:solidFill>
-              </a:defRPr>
-            </a:lvl1pPr>
-          </a:lstStyle>
-          <a:p>
-            <a:fld id="{330EA680-D336-4FF7-8B7A-9848BB0A1C32}" type="slidenum">
-              <a:rPr lang="en-US" smtClean="0"/>
+            <a:fld id="{D57F1E4F-1CFF-5643-939E-02111984F565}" type="slidenum">
+              <a:rPr lang="en-US" dirty="0"/>
               <a:t>‹#›</a:t>
             </a:fld>
-            <a:endParaRPr lang="en-US"/>
+            <a:endParaRPr lang="en-US" dirty="0"/>
           </a:p>
         </p:txBody>
       </p:sp>
     </p:spTree>
     <p:extLst>
       <p:ext uri="{BB962C8B-B14F-4D97-AF65-F5344CB8AC3E}">
-        <p14:creationId xmlns:p14="http://schemas.microsoft.com/office/powerpoint/2010/main" val="2460954070"/>
+        <p14:creationId xmlns:p14="http://schemas.microsoft.com/office/powerpoint/2010/main" val="3362274584"/>
       </p:ext>
     </p:extLst>
   </p:cSld>
-  <p:clrMap bg1="lt1" tx1="dk1" bg2="lt2" tx2="dk2" accent1="accent1" accent2="accent2" accent3="accent3" accent4="accent4" accent5="accent5" accent6="accent6" hlink="hlink" folHlink="folHlink"/>
+  <p:clrMap bg1="dk1" tx1="lt1" bg2="dk2" tx2="lt2" accent1="accent1" accent2="accent2" accent3="accent3" accent4="accent4" accent5="accent5" accent6="accent6" hlink="hlink" folHlink="folHlink"/>
   <p:sldLayoutIdLst>
-    <p:sldLayoutId id="2147483661" r:id="rId1"/>
-    <p:sldLayoutId id="2147483662" r:id="rId2"/>
-    <p:sldLayoutId id="2147483663" r:id="rId3"/>
-    <p:sldLayoutId id="2147483664" r:id="rId4"/>
-    <p:sldLayoutId id="2147483665" r:id="rId5"/>
-    <p:sldLayoutId id="2147483666" r:id="rId6"/>
-    <p:sldLayoutId id="2147483667" r:id="rId7"/>
-    <p:sldLayoutId id="2147483668" r:id="rId8"/>
-    <p:sldLayoutId id="2147483669" r:id="rId9"/>
-    <p:sldLayoutId id="2147483670" r:id="rId10"/>
-    <p:sldLayoutId id="2147483671" r:id="rId11"/>
+    <p:sldLayoutId id="2147483673" r:id="rId1"/>
+    <p:sldLayoutId id="2147483674" r:id="rId2"/>
+    <p:sldLayoutId id="2147483675" r:id="rId3"/>
+    <p:sldLayoutId id="2147483676" r:id="rId4"/>
+    <p:sldLayoutId id="2147483677" r:id="rId5"/>
+    <p:sldLayoutId id="2147483678" r:id="rId6"/>
+    <p:sldLayoutId id="2147483679" r:id="rId7"/>
+    <p:sldLayoutId id="2147483680" r:id="rId8"/>
+    <p:sldLayoutId id="2147483681" r:id="rId9"/>
+    <p:sldLayoutId id="2147483682" r:id="rId10"/>
+    <p:sldLayoutId id="2147483683" r:id="rId11"/>
+    <p:sldLayoutId id="2147483684" r:id="rId12"/>
+    <p:sldLayoutId id="2147483685" r:id="rId13"/>
+    <p:sldLayoutId id="2147483686" r:id="rId14"/>
+    <p:sldLayoutId id="2147483687" r:id="rId15"/>
+    <p:sldLayoutId id="2147483688" r:id="rId16"/>
+    <p:sldLayoutId id="2147483689" r:id="rId17"/>
   </p:sldLayoutIdLst>
+  <p:hf sldNum="0" hdr="0" ftr="0" dt="0"/>
   <p:txStyles>
     <p:titleStyle>
-      <a:lvl1pPr algn="l" defTabSz="914400" rtl="0" eaLnBrk="1" latinLnBrk="0" hangingPunct="1">
-        <a:lnSpc>
-          <a:spcPct val="90000"/>
-        </a:lnSpc>
+      <a:lvl1pPr algn="l" defTabSz="457200" rtl="0" eaLnBrk="1" latinLnBrk="0" hangingPunct="1">
         <a:spcBef>
           <a:spcPct val="0"/>
         </a:spcBef>
         <a:buNone/>
-        <a:defRPr sz="4400" kern="1200">
+        <a:defRPr sz="4200" b="0" i="0" kern="1200">
+          <a:solidFill>
+            <a:schemeClr val="tx2"/>
+          </a:solidFill>
+          <a:latin typeface="+mj-lt"/>
+          <a:ea typeface="+mj-ea"/>
+          <a:cs typeface="+mj-cs"/>
+        </a:defRPr>
+      </a:lvl1pPr>
+      <a:lvl2pPr eaLnBrk="1" hangingPunct="1">
+        <a:defRPr>
+          <a:solidFill>
+            <a:schemeClr val="tx2"/>
+          </a:solidFill>
+        </a:defRPr>
+      </a:lvl2pPr>
+      <a:lvl3pPr eaLnBrk="1" hangingPunct="1">
+        <a:defRPr>
+          <a:solidFill>
+            <a:schemeClr val="tx2"/>
+          </a:solidFill>
+        </a:defRPr>
+      </a:lvl3pPr>
+      <a:lvl4pPr eaLnBrk="1" hangingPunct="1">
+        <a:defRPr>
+          <a:solidFill>
+            <a:schemeClr val="tx2"/>
+          </a:solidFill>
+        </a:defRPr>
+      </a:lvl4pPr>
+      <a:lvl5pPr eaLnBrk="1" hangingPunct="1">
+        <a:defRPr>
+          <a:solidFill>
+            <a:schemeClr val="tx2"/>
+          </a:solidFill>
+        </a:defRPr>
+      </a:lvl5pPr>
+      <a:lvl6pPr eaLnBrk="1" hangingPunct="1">
+        <a:defRPr>
+          <a:solidFill>
+            <a:schemeClr val="tx2"/>
+          </a:solidFill>
+        </a:defRPr>
+      </a:lvl6pPr>
+      <a:lvl7pPr eaLnBrk="1" hangingPunct="1">
+        <a:defRPr>
+          <a:solidFill>
+            <a:schemeClr val="tx2"/>
+          </a:solidFill>
+        </a:defRPr>
+      </a:lvl7pPr>
+      <a:lvl8pPr eaLnBrk="1" hangingPunct="1">
+        <a:defRPr>
+          <a:solidFill>
+            <a:schemeClr val="tx2"/>
+          </a:solidFill>
+        </a:defRPr>
+      </a:lvl8pPr>
+      <a:lvl9pPr eaLnBrk="1" hangingPunct="1">
+        <a:defRPr>
+          <a:solidFill>
+            <a:schemeClr val="tx2"/>
+          </a:solidFill>
+        </a:defRPr>
+      </a:lvl9pPr>
+    </p:titleStyle>
+    <p:bodyStyle>
+      <a:lvl1pPr marL="342900" indent="-342900" algn="l" defTabSz="457200" rtl="0" eaLnBrk="1" latinLnBrk="0" hangingPunct="1">
+        <a:spcBef>
+          <a:spcPts val="1000"/>
+        </a:spcBef>
+        <a:spcAft>
+          <a:spcPts val="0"/>
+        </a:spcAft>
+        <a:buClr>
+          <a:schemeClr val="bg2">
+            <a:lumMod val="40000"/>
+            <a:lumOff val="60000"/>
+          </a:schemeClr>
+        </a:buClr>
+        <a:buSzPct val="80000"/>
+        <a:buFont typeface="Wingdings 3" charset="2"/>
+        <a:buChar char=""/>
+        <a:defRPr sz="2000" b="0" i="0" kern="1200">
           <a:solidFill>
             <a:schemeClr val="tx1"/>
           </a:solidFill>
@@ -2833,18 +6497,213 @@
           <a:cs typeface="+mj-cs"/>
         </a:defRPr>
       </a:lvl1pPr>
-    </p:titleStyle>
-    <p:bodyStyle>
-      <a:lvl1pPr marL="228600" indent="-228600" algn="l" defTabSz="914400" rtl="0" eaLnBrk="1" latinLnBrk="0" hangingPunct="1">
-        <a:lnSpc>
-          <a:spcPct val="90000"/>
-        </a:lnSpc>
+      <a:lvl2pPr marL="742950" indent="-285750" algn="l" defTabSz="457200" rtl="0" eaLnBrk="1" latinLnBrk="0" hangingPunct="1">
         <a:spcBef>
           <a:spcPts val="1000"/>
         </a:spcBef>
-        <a:buFont typeface="Arial" panose="020B0604020202020204" pitchFamily="34" charset="0"/>
-        <a:buChar char="•"/>
-        <a:defRPr sz="2800" kern="1200">
+        <a:spcAft>
+          <a:spcPts val="0"/>
+        </a:spcAft>
+        <a:buClr>
+          <a:schemeClr val="bg2">
+            <a:lumMod val="40000"/>
+            <a:lumOff val="60000"/>
+          </a:schemeClr>
+        </a:buClr>
+        <a:buSzPct val="80000"/>
+        <a:buFont typeface="Wingdings 3" charset="2"/>
+        <a:buChar char=""/>
+        <a:defRPr sz="1800" b="0" i="0" kern="1200">
+          <a:solidFill>
+            <a:schemeClr val="tx1"/>
+          </a:solidFill>
+          <a:latin typeface="+mj-lt"/>
+          <a:ea typeface="+mj-ea"/>
+          <a:cs typeface="+mj-cs"/>
+        </a:defRPr>
+      </a:lvl2pPr>
+      <a:lvl3pPr marL="1143000" indent="-228600" algn="l" defTabSz="457200" rtl="0" eaLnBrk="1" latinLnBrk="0" hangingPunct="1">
+        <a:spcBef>
+          <a:spcPts val="1000"/>
+        </a:spcBef>
+        <a:spcAft>
+          <a:spcPts val="0"/>
+        </a:spcAft>
+        <a:buClr>
+          <a:schemeClr val="bg2">
+            <a:lumMod val="40000"/>
+            <a:lumOff val="60000"/>
+          </a:schemeClr>
+        </a:buClr>
+        <a:buSzPct val="80000"/>
+        <a:buFont typeface="Wingdings 3" charset="2"/>
+        <a:buChar char=""/>
+        <a:defRPr sz="1600" b="0" i="0" kern="1200">
+          <a:solidFill>
+            <a:schemeClr val="tx1"/>
+          </a:solidFill>
+          <a:latin typeface="+mj-lt"/>
+          <a:ea typeface="+mj-ea"/>
+          <a:cs typeface="+mj-cs"/>
+        </a:defRPr>
+      </a:lvl3pPr>
+      <a:lvl4pPr marL="1600200" indent="-228600" algn="l" defTabSz="457200" rtl="0" eaLnBrk="1" latinLnBrk="0" hangingPunct="1">
+        <a:spcBef>
+          <a:spcPts val="1000"/>
+        </a:spcBef>
+        <a:spcAft>
+          <a:spcPts val="0"/>
+        </a:spcAft>
+        <a:buClr>
+          <a:schemeClr val="bg2">
+            <a:lumMod val="40000"/>
+            <a:lumOff val="60000"/>
+          </a:schemeClr>
+        </a:buClr>
+        <a:buSzPct val="80000"/>
+        <a:buFont typeface="Wingdings 3" charset="2"/>
+        <a:buChar char=""/>
+        <a:defRPr sz="1400" b="0" i="0" kern="1200">
+          <a:solidFill>
+            <a:schemeClr val="tx1"/>
+          </a:solidFill>
+          <a:latin typeface="+mj-lt"/>
+          <a:ea typeface="+mj-ea"/>
+          <a:cs typeface="+mj-cs"/>
+        </a:defRPr>
+      </a:lvl4pPr>
+      <a:lvl5pPr marL="2057400" indent="-228600" algn="l" defTabSz="457200" rtl="0" eaLnBrk="1" latinLnBrk="0" hangingPunct="1">
+        <a:spcBef>
+          <a:spcPts val="1000"/>
+        </a:spcBef>
+        <a:spcAft>
+          <a:spcPts val="0"/>
+        </a:spcAft>
+        <a:buClr>
+          <a:schemeClr val="bg2">
+            <a:lumMod val="40000"/>
+            <a:lumOff val="60000"/>
+          </a:schemeClr>
+        </a:buClr>
+        <a:buSzPct val="80000"/>
+        <a:buFont typeface="Wingdings 3" charset="2"/>
+        <a:buChar char=""/>
+        <a:defRPr sz="1400" b="0" i="0" kern="1200">
+          <a:solidFill>
+            <a:schemeClr val="tx1"/>
+          </a:solidFill>
+          <a:latin typeface="+mj-lt"/>
+          <a:ea typeface="+mj-ea"/>
+          <a:cs typeface="+mj-cs"/>
+        </a:defRPr>
+      </a:lvl5pPr>
+      <a:lvl6pPr marL="2506000" indent="-228600" algn="l" defTabSz="457200" rtl="0" eaLnBrk="1" latinLnBrk="0" hangingPunct="1">
+        <a:spcBef>
+          <a:spcPts val="1000"/>
+        </a:spcBef>
+        <a:spcAft>
+          <a:spcPts val="0"/>
+        </a:spcAft>
+        <a:buClr>
+          <a:schemeClr val="bg2">
+            <a:lumMod val="40000"/>
+            <a:lumOff val="60000"/>
+          </a:schemeClr>
+        </a:buClr>
+        <a:buSzPct val="80000"/>
+        <a:buFont typeface="Wingdings 3" charset="2"/>
+        <a:buChar char=""/>
+        <a:defRPr sz="1400" b="0" i="0" kern="1200">
+          <a:solidFill>
+            <a:schemeClr val="tx1"/>
+          </a:solidFill>
+          <a:latin typeface="+mj-lt"/>
+          <a:ea typeface="+mj-ea"/>
+          <a:cs typeface="+mj-cs"/>
+        </a:defRPr>
+      </a:lvl6pPr>
+      <a:lvl7pPr marL="2971800" indent="-228600" algn="l" defTabSz="457200" rtl="0" eaLnBrk="1" latinLnBrk="0" hangingPunct="1">
+        <a:spcBef>
+          <a:spcPts val="1000"/>
+        </a:spcBef>
+        <a:spcAft>
+          <a:spcPts val="0"/>
+        </a:spcAft>
+        <a:buClr>
+          <a:schemeClr val="bg2">
+            <a:lumMod val="40000"/>
+            <a:lumOff val="60000"/>
+          </a:schemeClr>
+        </a:buClr>
+        <a:buSzPct val="80000"/>
+        <a:buFont typeface="Wingdings 3" charset="2"/>
+        <a:buChar char=""/>
+        <a:defRPr sz="1400" b="0" i="0" kern="1200">
+          <a:solidFill>
+            <a:schemeClr val="tx1"/>
+          </a:solidFill>
+          <a:latin typeface="+mj-lt"/>
+          <a:ea typeface="+mj-ea"/>
+          <a:cs typeface="+mj-cs"/>
+        </a:defRPr>
+      </a:lvl7pPr>
+      <a:lvl8pPr marL="3429000" indent="-228600" algn="l" defTabSz="457200" rtl="0" eaLnBrk="1" latinLnBrk="0" hangingPunct="1">
+        <a:spcBef>
+          <a:spcPts val="1000"/>
+        </a:spcBef>
+        <a:spcAft>
+          <a:spcPts val="0"/>
+        </a:spcAft>
+        <a:buClr>
+          <a:schemeClr val="bg2">
+            <a:lumMod val="40000"/>
+            <a:lumOff val="60000"/>
+          </a:schemeClr>
+        </a:buClr>
+        <a:buSzPct val="80000"/>
+        <a:buFont typeface="Wingdings 3" charset="2"/>
+        <a:buChar char=""/>
+        <a:defRPr sz="1400" b="0" i="0" kern="1200">
+          <a:solidFill>
+            <a:schemeClr val="tx1"/>
+          </a:solidFill>
+          <a:latin typeface="+mj-lt"/>
+          <a:ea typeface="+mj-ea"/>
+          <a:cs typeface="+mj-cs"/>
+        </a:defRPr>
+      </a:lvl8pPr>
+      <a:lvl9pPr marL="3886200" indent="-228600" algn="l" defTabSz="457200" rtl="0" eaLnBrk="1" latinLnBrk="0" hangingPunct="1">
+        <a:spcBef>
+          <a:spcPts val="1000"/>
+        </a:spcBef>
+        <a:spcAft>
+          <a:spcPts val="0"/>
+        </a:spcAft>
+        <a:buClr>
+          <a:schemeClr val="bg2">
+            <a:lumMod val="40000"/>
+            <a:lumOff val="60000"/>
+          </a:schemeClr>
+        </a:buClr>
+        <a:buSzPct val="80000"/>
+        <a:buFont typeface="Wingdings 3" charset="2"/>
+        <a:buChar char=""/>
+        <a:defRPr sz="1400" b="0" i="0" kern="1200">
+          <a:solidFill>
+            <a:schemeClr val="tx1"/>
+          </a:solidFill>
+          <a:latin typeface="+mj-lt"/>
+          <a:ea typeface="+mj-ea"/>
+          <a:cs typeface="+mj-cs"/>
+        </a:defRPr>
+      </a:lvl9pPr>
+    </p:bodyStyle>
+    <p:otherStyle>
+      <a:defPPr>
+        <a:defRPr lang="en-US"/>
+      </a:defPPr>
+      <a:lvl1pPr marL="0" algn="l" defTabSz="457200" rtl="0" eaLnBrk="1" latinLnBrk="0" hangingPunct="1">
+        <a:defRPr sz="1800" kern="1200">
           <a:solidFill>
             <a:schemeClr val="tx1"/>
           </a:solidFill>
@@ -2853,16 +6712,8 @@
           <a:cs typeface="+mn-cs"/>
         </a:defRPr>
       </a:lvl1pPr>
-      <a:lvl2pPr marL="685800" indent="-228600" algn="l" defTabSz="914400" rtl="0" eaLnBrk="1" latinLnBrk="0" hangingPunct="1">
-        <a:lnSpc>
-          <a:spcPct val="90000"/>
-        </a:lnSpc>
-        <a:spcBef>
-          <a:spcPts val="500"/>
-        </a:spcBef>
-        <a:buFont typeface="Arial" panose="020B0604020202020204" pitchFamily="34" charset="0"/>
-        <a:buChar char="•"/>
-        <a:defRPr sz="2400" kern="1200">
+      <a:lvl2pPr marL="457200" algn="l" defTabSz="457200" rtl="0" eaLnBrk="1" latinLnBrk="0" hangingPunct="1">
+        <a:defRPr sz="1800" kern="1200">
           <a:solidFill>
             <a:schemeClr val="tx1"/>
           </a:solidFill>
@@ -2871,16 +6722,8 @@
           <a:cs typeface="+mn-cs"/>
         </a:defRPr>
       </a:lvl2pPr>
-      <a:lvl3pPr marL="1143000" indent="-228600" algn="l" defTabSz="914400" rtl="0" eaLnBrk="1" latinLnBrk="0" hangingPunct="1">
-        <a:lnSpc>
-          <a:spcPct val="90000"/>
-        </a:lnSpc>
-        <a:spcBef>
-          <a:spcPts val="500"/>
-        </a:spcBef>
-        <a:buFont typeface="Arial" panose="020B0604020202020204" pitchFamily="34" charset="0"/>
-        <a:buChar char="•"/>
-        <a:defRPr sz="2000" kern="1200">
+      <a:lvl3pPr marL="914400" algn="l" defTabSz="457200" rtl="0" eaLnBrk="1" latinLnBrk="0" hangingPunct="1">
+        <a:defRPr sz="1800" kern="1200">
           <a:solidFill>
             <a:schemeClr val="tx1"/>
           </a:solidFill>
@@ -2889,15 +6732,7 @@
           <a:cs typeface="+mn-cs"/>
         </a:defRPr>
       </a:lvl3pPr>
-      <a:lvl4pPr marL="1600200" indent="-228600" algn="l" defTabSz="914400" rtl="0" eaLnBrk="1" latinLnBrk="0" hangingPunct="1">
-        <a:lnSpc>
-          <a:spcPct val="90000"/>
-        </a:lnSpc>
-        <a:spcBef>
-          <a:spcPts val="500"/>
-        </a:spcBef>
-        <a:buFont typeface="Arial" panose="020B0604020202020204" pitchFamily="34" charset="0"/>
-        <a:buChar char="•"/>
+      <a:lvl4pPr marL="1371600" algn="l" defTabSz="457200" rtl="0" eaLnBrk="1" latinLnBrk="0" hangingPunct="1">
         <a:defRPr sz="1800" kern="1200">
           <a:solidFill>
             <a:schemeClr val="tx1"/>
@@ -2907,15 +6742,7 @@
           <a:cs typeface="+mn-cs"/>
         </a:defRPr>
       </a:lvl4pPr>
-      <a:lvl5pPr marL="2057400" indent="-228600" algn="l" defTabSz="914400" rtl="0" eaLnBrk="1" latinLnBrk="0" hangingPunct="1">
-        <a:lnSpc>
-          <a:spcPct val="90000"/>
-        </a:lnSpc>
-        <a:spcBef>
-          <a:spcPts val="500"/>
-        </a:spcBef>
-        <a:buFont typeface="Arial" panose="020B0604020202020204" pitchFamily="34" charset="0"/>
-        <a:buChar char="•"/>
+      <a:lvl5pPr marL="1828800" algn="l" defTabSz="457200" rtl="0" eaLnBrk="1" latinLnBrk="0" hangingPunct="1">
         <a:defRPr sz="1800" kern="1200">
           <a:solidFill>
             <a:schemeClr val="tx1"/>
@@ -2925,15 +6752,7 @@
           <a:cs typeface="+mn-cs"/>
         </a:defRPr>
       </a:lvl5pPr>
-      <a:lvl6pPr marL="2514600" indent="-228600" algn="l" defTabSz="914400" rtl="0" eaLnBrk="1" latinLnBrk="0" hangingPunct="1">
-        <a:lnSpc>
-          <a:spcPct val="90000"/>
-        </a:lnSpc>
-        <a:spcBef>
-          <a:spcPts val="500"/>
-        </a:spcBef>
-        <a:buFont typeface="Arial" panose="020B0604020202020204" pitchFamily="34" charset="0"/>
-        <a:buChar char="•"/>
+      <a:lvl6pPr marL="2286000" algn="l" defTabSz="457200" rtl="0" eaLnBrk="1" latinLnBrk="0" hangingPunct="1">
         <a:defRPr sz="1800" kern="1200">
           <a:solidFill>
             <a:schemeClr val="tx1"/>
@@ -2943,15 +6762,7 @@
           <a:cs typeface="+mn-cs"/>
         </a:defRPr>
       </a:lvl6pPr>
-      <a:lvl7pPr marL="2971800" indent="-228600" algn="l" defTabSz="914400" rtl="0" eaLnBrk="1" latinLnBrk="0" hangingPunct="1">
-        <a:lnSpc>
-          <a:spcPct val="90000"/>
-        </a:lnSpc>
-        <a:spcBef>
-          <a:spcPts val="500"/>
-        </a:spcBef>
-        <a:buFont typeface="Arial" panose="020B0604020202020204" pitchFamily="34" charset="0"/>
-        <a:buChar char="•"/>
+      <a:lvl7pPr marL="2743200" algn="l" defTabSz="457200" rtl="0" eaLnBrk="1" latinLnBrk="0" hangingPunct="1">
         <a:defRPr sz="1800" kern="1200">
           <a:solidFill>
             <a:schemeClr val="tx1"/>
@@ -2961,15 +6772,7 @@
           <a:cs typeface="+mn-cs"/>
         </a:defRPr>
       </a:lvl7pPr>
-      <a:lvl8pPr marL="3429000" indent="-228600" algn="l" defTabSz="914400" rtl="0" eaLnBrk="1" latinLnBrk="0" hangingPunct="1">
-        <a:lnSpc>
-          <a:spcPct val="90000"/>
-        </a:lnSpc>
-        <a:spcBef>
-          <a:spcPts val="500"/>
-        </a:spcBef>
-        <a:buFont typeface="Arial" panose="020B0604020202020204" pitchFamily="34" charset="0"/>
-        <a:buChar char="•"/>
+      <a:lvl8pPr marL="3200400" algn="l" defTabSz="457200" rtl="0" eaLnBrk="1" latinLnBrk="0" hangingPunct="1">
         <a:defRPr sz="1800" kern="1200">
           <a:solidFill>
             <a:schemeClr val="tx1"/>
@@ -2979,110 +6782,7 @@
           <a:cs typeface="+mn-cs"/>
         </a:defRPr>
       </a:lvl8pPr>
-      <a:lvl9pPr marL="3886200" indent="-228600" algn="l" defTabSz="914400" rtl="0" eaLnBrk="1" latinLnBrk="0" hangingPunct="1">
-        <a:lnSpc>
-          <a:spcPct val="90000"/>
-        </a:lnSpc>
-        <a:spcBef>
-          <a:spcPts val="500"/>
-        </a:spcBef>
-        <a:buFont typeface="Arial" panose="020B0604020202020204" pitchFamily="34" charset="0"/>
-        <a:buChar char="•"/>
-        <a:defRPr sz="1800" kern="1200">
-          <a:solidFill>
-            <a:schemeClr val="tx1"/>
-          </a:solidFill>
-          <a:latin typeface="+mn-lt"/>
-          <a:ea typeface="+mn-ea"/>
-          <a:cs typeface="+mn-cs"/>
-        </a:defRPr>
-      </a:lvl9pPr>
-    </p:bodyStyle>
-    <p:otherStyle>
-      <a:defPPr>
-        <a:defRPr lang="en-US"/>
-      </a:defPPr>
-      <a:lvl1pPr marL="0" algn="l" defTabSz="914400" rtl="0" eaLnBrk="1" latinLnBrk="0" hangingPunct="1">
-        <a:defRPr sz="1800" kern="1200">
-          <a:solidFill>
-            <a:schemeClr val="tx1"/>
-          </a:solidFill>
-          <a:latin typeface="+mn-lt"/>
-          <a:ea typeface="+mn-ea"/>
-          <a:cs typeface="+mn-cs"/>
-        </a:defRPr>
-      </a:lvl1pPr>
-      <a:lvl2pPr marL="457200" algn="l" defTabSz="914400" rtl="0" eaLnBrk="1" latinLnBrk="0" hangingPunct="1">
-        <a:defRPr sz="1800" kern="1200">
-          <a:solidFill>
-            <a:schemeClr val="tx1"/>
-          </a:solidFill>
-          <a:latin typeface="+mn-lt"/>
-          <a:ea typeface="+mn-ea"/>
-          <a:cs typeface="+mn-cs"/>
-        </a:defRPr>
-      </a:lvl2pPr>
-      <a:lvl3pPr marL="914400" algn="l" defTabSz="914400" rtl="0" eaLnBrk="1" latinLnBrk="0" hangingPunct="1">
-        <a:defRPr sz="1800" kern="1200">
-          <a:solidFill>
-            <a:schemeClr val="tx1"/>
-          </a:solidFill>
-          <a:latin typeface="+mn-lt"/>
-          <a:ea typeface="+mn-ea"/>
-          <a:cs typeface="+mn-cs"/>
-        </a:defRPr>
-      </a:lvl3pPr>
-      <a:lvl4pPr marL="1371600" algn="l" defTabSz="914400" rtl="0" eaLnBrk="1" latinLnBrk="0" hangingPunct="1">
-        <a:defRPr sz="1800" kern="1200">
-          <a:solidFill>
-            <a:schemeClr val="tx1"/>
-          </a:solidFill>
-          <a:latin typeface="+mn-lt"/>
-          <a:ea typeface="+mn-ea"/>
-          <a:cs typeface="+mn-cs"/>
-        </a:defRPr>
-      </a:lvl4pPr>
-      <a:lvl5pPr marL="1828800" algn="l" defTabSz="914400" rtl="0" eaLnBrk="1" latinLnBrk="0" hangingPunct="1">
-        <a:defRPr sz="1800" kern="1200">
-          <a:solidFill>
-            <a:schemeClr val="tx1"/>
-          </a:solidFill>
-          <a:latin typeface="+mn-lt"/>
-          <a:ea typeface="+mn-ea"/>
-          <a:cs typeface="+mn-cs"/>
-        </a:defRPr>
-      </a:lvl5pPr>
-      <a:lvl6pPr marL="2286000" algn="l" defTabSz="914400" rtl="0" eaLnBrk="1" latinLnBrk="0" hangingPunct="1">
-        <a:defRPr sz="1800" kern="1200">
-          <a:solidFill>
-            <a:schemeClr val="tx1"/>
-          </a:solidFill>
-          <a:latin typeface="+mn-lt"/>
-          <a:ea typeface="+mn-ea"/>
-          <a:cs typeface="+mn-cs"/>
-        </a:defRPr>
-      </a:lvl6pPr>
-      <a:lvl7pPr marL="2743200" algn="l" defTabSz="914400" rtl="0" eaLnBrk="1" latinLnBrk="0" hangingPunct="1">
-        <a:defRPr sz="1800" kern="1200">
-          <a:solidFill>
-            <a:schemeClr val="tx1"/>
-          </a:solidFill>
-          <a:latin typeface="+mn-lt"/>
-          <a:ea typeface="+mn-ea"/>
-          <a:cs typeface="+mn-cs"/>
-        </a:defRPr>
-      </a:lvl7pPr>
-      <a:lvl8pPr marL="3200400" algn="l" defTabSz="914400" rtl="0" eaLnBrk="1" latinLnBrk="0" hangingPunct="1">
-        <a:defRPr sz="1800" kern="1200">
-          <a:solidFill>
-            <a:schemeClr val="tx1"/>
-          </a:solidFill>
-          <a:latin typeface="+mn-lt"/>
-          <a:ea typeface="+mn-ea"/>
-          <a:cs typeface="+mn-cs"/>
-        </a:defRPr>
-      </a:lvl8pPr>
-      <a:lvl9pPr marL="3657600" algn="l" defTabSz="914400" rtl="0" eaLnBrk="1" latinLnBrk="0" hangingPunct="1">
+      <a:lvl9pPr marL="3657600" algn="l" defTabSz="457200" rtl="0" eaLnBrk="1" latinLnBrk="0" hangingPunct="1">
         <a:defRPr sz="1800" kern="1200">
           <a:solidFill>
             <a:schemeClr val="tx1"/>
@@ -3226,6 +6926,150 @@
 </p:sld>
 </file>
 
+<file path=ppt/slides/slide10.xml><?xml version="1.0" encoding="utf-8"?>
+<p:sld xmlns:a="http://schemas.openxmlformats.org/drawingml/2006/main" xmlns:r="http://schemas.openxmlformats.org/officeDocument/2006/relationships" xmlns:p="http://schemas.openxmlformats.org/presentationml/2006/main">
+  <p:cSld>
+    <p:spTree>
+      <p:nvGrpSpPr>
+        <p:cNvPr id="1" name=""/>
+        <p:cNvGrpSpPr/>
+        <p:nvPr/>
+      </p:nvGrpSpPr>
+      <p:grpSpPr>
+        <a:xfrm>
+          <a:off x="0" y="0"/>
+          <a:ext cx="0" cy="0"/>
+          <a:chOff x="0" y="0"/>
+          <a:chExt cx="0" cy="0"/>
+        </a:xfrm>
+      </p:grpSpPr>
+      <p:sp>
+        <p:nvSpPr>
+          <p:cNvPr id="2" name="Title 1">
+            <a:extLst>
+              <a:ext uri="{FF2B5EF4-FFF2-40B4-BE49-F238E27FC236}">
+                <a16:creationId xmlns:a16="http://schemas.microsoft.com/office/drawing/2014/main" id="{CEF888A3-8906-4050-9F3F-BF2E141B65ED}"/>
+              </a:ext>
+            </a:extLst>
+          </p:cNvPr>
+          <p:cNvSpPr>
+            <a:spLocks noGrp="1"/>
+          </p:cNvSpPr>
+          <p:nvPr>
+            <p:ph type="title"/>
+          </p:nvPr>
+        </p:nvSpPr>
+        <p:spPr/>
+        <p:txBody>
+          <a:bodyPr/>
+          <a:lstStyle/>
+          <a:p>
+            <a:r>
+              <a:rPr lang="en-US" dirty="0">
+                <a:cs typeface="Calibri Light"/>
+              </a:rPr>
+              <a:t>How are we planning to achieve this?</a:t>
+            </a:r>
+          </a:p>
+        </p:txBody>
+      </p:sp>
+      <p:sp>
+        <p:nvSpPr>
+          <p:cNvPr id="3" name="Content Placeholder 2">
+            <a:extLst>
+              <a:ext uri="{FF2B5EF4-FFF2-40B4-BE49-F238E27FC236}">
+                <a16:creationId xmlns:a16="http://schemas.microsoft.com/office/drawing/2014/main" id="{06979B7C-934B-4354-A351-2C1E1E56FCEE}"/>
+              </a:ext>
+            </a:extLst>
+          </p:cNvPr>
+          <p:cNvSpPr>
+            <a:spLocks noGrp="1"/>
+          </p:cNvSpPr>
+          <p:nvPr>
+            <p:ph idx="1"/>
+          </p:nvPr>
+        </p:nvSpPr>
+        <p:spPr/>
+        <p:txBody>
+          <a:bodyPr vert="horz" lIns="91440" tIns="45720" rIns="91440" bIns="45720" rtlCol="0" anchor="t">
+            <a:normAutofit/>
+          </a:bodyPr>
+          <a:lstStyle/>
+          <a:p>
+            <a:r>
+              <a:rPr lang="en-US" dirty="0">
+                <a:cs typeface="Calibri"/>
+              </a:rPr>
+              <a:t>The ARCS is a web client which is will be used by people to perform payments of rents and maintenance through online payment modes.</a:t>
+            </a:r>
+          </a:p>
+          <a:p>
+            <a:r>
+              <a:rPr lang="en-US" dirty="0">
+                <a:cs typeface="Calibri"/>
+              </a:rPr>
+              <a:t>These transaction records are stored on a remote database.</a:t>
+            </a:r>
+          </a:p>
+          <a:p>
+            <a:r>
+              <a:rPr lang="en-US" dirty="0">
+                <a:cs typeface="Calibri"/>
+              </a:rPr>
+              <a:t>The printable </a:t>
+            </a:r>
+            <a:r>
+              <a:rPr lang="en-US" dirty="0" err="1">
+                <a:cs typeface="Calibri"/>
+              </a:rPr>
+              <a:t>reciepts</a:t>
+            </a:r>
+            <a:r>
+              <a:rPr lang="en-US" dirty="0">
+                <a:cs typeface="Calibri"/>
+              </a:rPr>
+              <a:t> will be available for residents to keep for future reference.</a:t>
+            </a:r>
+          </a:p>
+          <a:p>
+            <a:r>
+              <a:rPr lang="en-US" dirty="0">
+                <a:cs typeface="Calibri"/>
+              </a:rPr>
+              <a:t>Deadlines will be maintained to avoid late fee.</a:t>
+            </a:r>
+          </a:p>
+          <a:p>
+            <a:r>
+              <a:rPr lang="en-US" dirty="0">
+                <a:cs typeface="Calibri"/>
+              </a:rPr>
+              <a:t>For any late payment, related late fee will be imposed.</a:t>
+            </a:r>
+          </a:p>
+          <a:p>
+            <a:r>
+              <a:rPr lang="en-US" dirty="0">
+                <a:cs typeface="Calibri"/>
+              </a:rPr>
+              <a:t>The payment status and record of all the payments can be accessed by the committee during meetings.</a:t>
+            </a:r>
+          </a:p>
+        </p:txBody>
+      </p:sp>
+    </p:spTree>
+    <p:extLst>
+      <p:ext uri="{BB962C8B-B14F-4D97-AF65-F5344CB8AC3E}">
+        <p14:creationId xmlns:p14="http://schemas.microsoft.com/office/powerpoint/2010/main" val="731880317"/>
+      </p:ext>
+    </p:extLst>
+  </p:cSld>
+  <p:clrMapOvr>
+    <a:masterClrMapping/>
+  </p:clrMapOvr>
+</p:sld>
+</file>
+
 <file path=ppt/slides/slide2.xml><?xml version="1.0" encoding="utf-8"?>
 <p:sld xmlns:a="http://schemas.openxmlformats.org/drawingml/2006/main" xmlns:r="http://schemas.openxmlformats.org/officeDocument/2006/relationships" xmlns:p="http://schemas.openxmlformats.org/presentationml/2006/main">
   <p:cSld>
@@ -3248,7 +7092,7 @@
           <p:cNvPr id="2" name="Title 1">
             <a:extLst>
               <a:ext uri="{FF2B5EF4-FFF2-40B4-BE49-F238E27FC236}">
-                <a16:creationId xmlns:a16="http://schemas.microsoft.com/office/drawing/2014/main" id="{F62FAACA-0CEC-429D-A39F-141B26A5B283}"/>
+                <a16:creationId xmlns:a16="http://schemas.microsoft.com/office/drawing/2014/main" id="{A07B2586-8A18-4E63-B784-136646B00CA0}"/>
               </a:ext>
             </a:extLst>
           </p:cNvPr>
@@ -3268,7 +7112,7 @@
               <a:rPr lang="en-US" dirty="0">
                 <a:cs typeface="Calibri Light"/>
               </a:rPr>
-              <a:t>What is the project about?</a:t>
+              <a:t>Introduction</a:t>
             </a:r>
           </a:p>
         </p:txBody>
@@ -3278,7 +7122,7 @@
           <p:cNvPr id="3" name="Content Placeholder 2">
             <a:extLst>
               <a:ext uri="{FF2B5EF4-FFF2-40B4-BE49-F238E27FC236}">
-                <a16:creationId xmlns:a16="http://schemas.microsoft.com/office/drawing/2014/main" id="{976D956A-03EC-49A2-A83F-9F7CB66734A2}"/>
+                <a16:creationId xmlns:a16="http://schemas.microsoft.com/office/drawing/2014/main" id="{A8A17B92-D9E1-4BAF-AED3-325912AB1C37}"/>
               </a:ext>
             </a:extLst>
           </p:cNvPr>
@@ -3300,25 +7144,63 @@
               <a:rPr lang="en-US" dirty="0">
                 <a:cs typeface="Calibri"/>
               </a:rPr>
-              <a:t>The Apartment Revenue Collection System (ARCS) is aimed at creating an automated system for the collection of rents, maintenance  for housing complexes.</a:t>
-            </a:r>
-          </a:p>
-          <a:p>
-            <a:endParaRPr lang="en-US" dirty="0">
-              <a:cs typeface="Calibri"/>
-            </a:endParaRPr>
-          </a:p>
-          <a:p>
-            <a:endParaRPr lang="en-US" dirty="0">
-              <a:cs typeface="Calibri"/>
-            </a:endParaRPr>
+              <a:t>We have observed that in most housing complexes , the record of the revenue collected is </a:t>
+            </a:r>
+            <a:r>
+              <a:rPr lang="en-US">
+                <a:cs typeface="Calibri"/>
+              </a:rPr>
+              <a:t>maintained</a:t>
+            </a:r>
+            <a:r>
+              <a:rPr lang="en-US" dirty="0">
+                <a:cs typeface="Calibri"/>
+              </a:rPr>
+              <a:t> in the form of physical register books and papers.</a:t>
+            </a:r>
+          </a:p>
+          <a:p>
+            <a:r>
+              <a:rPr lang="en-US" dirty="0">
+                <a:cs typeface="Calibri"/>
+              </a:rPr>
+              <a:t>These means of storing data proved to be a tedious and a less efficient task for the </a:t>
+            </a:r>
+            <a:r>
+              <a:rPr lang="en-US" err="1">
+                <a:cs typeface="Calibri"/>
+              </a:rPr>
+              <a:t>Communties</a:t>
+            </a:r>
+            <a:r>
+              <a:rPr lang="en-US" dirty="0">
+                <a:cs typeface="Calibri"/>
+              </a:rPr>
+              <a:t>' council members.</a:t>
+            </a:r>
+          </a:p>
+          <a:p>
+            <a:r>
+              <a:rPr lang="en-US" dirty="0">
+                <a:cs typeface="Calibri"/>
+              </a:rPr>
+              <a:t>These books are highly susceptible to wear and tear during the storage for extended durations of time.</a:t>
+            </a:r>
+          </a:p>
+          <a:p>
+            <a:r>
+              <a:rPr lang="en-US" dirty="0">
+                <a:cs typeface="Calibri"/>
+              </a:rPr>
+              <a:t>We also observed that this method of maintaining record comes with a risk of information falsification and human errors.</a:t>
+            </a:r>
           </a:p>
         </p:txBody>
       </p:sp>
     </p:spTree>
     <p:extLst>
       <p:ext uri="{BB962C8B-B14F-4D97-AF65-F5344CB8AC3E}">
-        <p14:creationId xmlns:p14="http://schemas.microsoft.com/office/powerpoint/2010/main" val="1890009497"/>
+        <p14:creationId xmlns:p14="http://schemas.microsoft.com/office/powerpoint/2010/main" val="2582495466"/>
       </p:ext>
     </p:extLst>
   </p:cSld>
@@ -3350,7 +7232,7 @@
           <p:cNvPr id="2" name="Title 1">
             <a:extLst>
               <a:ext uri="{FF2B5EF4-FFF2-40B4-BE49-F238E27FC236}">
-                <a16:creationId xmlns:a16="http://schemas.microsoft.com/office/drawing/2014/main" id="{A07B2586-8A18-4E63-B784-136646B00CA0}"/>
+                <a16:creationId xmlns:a16="http://schemas.microsoft.com/office/drawing/2014/main" id="{F62FAACA-0CEC-429D-A39F-141B26A5B283}"/>
               </a:ext>
             </a:extLst>
           </p:cNvPr>
@@ -3370,9 +7252,8 @@
               <a:rPr lang="en-US" dirty="0">
                 <a:cs typeface="Calibri Light"/>
               </a:rPr>
-              <a:t>Why have we chosen this project?</a:t>
-            </a:r>
-            <a:endParaRPr lang="en-US" dirty="0"/>
+              <a:t>Goals and Objectives</a:t>
+            </a:r>
           </a:p>
         </p:txBody>
       </p:sp>
@@ -3381,7 +7262,7 @@
           <p:cNvPr id="3" name="Content Placeholder 2">
             <a:extLst>
               <a:ext uri="{FF2B5EF4-FFF2-40B4-BE49-F238E27FC236}">
-                <a16:creationId xmlns:a16="http://schemas.microsoft.com/office/drawing/2014/main" id="{A8A17B92-D9E1-4BAF-AED3-325912AB1C37}"/>
+                <a16:creationId xmlns:a16="http://schemas.microsoft.com/office/drawing/2014/main" id="{976D956A-03EC-49A2-A83F-9F7CB66734A2}"/>
               </a:ext>
             </a:extLst>
           </p:cNvPr>
@@ -3403,19 +7284,16 @@
               <a:rPr lang="en-US" dirty="0">
                 <a:cs typeface="Calibri"/>
               </a:rPr>
-              <a:t>We have observed that in most housing complexes , the record of the revenue collected is </a:t>
-            </a:r>
-            <a:r>
-              <a:rPr lang="en-US" dirty="0" err="1">
-                <a:cs typeface="Calibri"/>
-              </a:rPr>
-              <a:t>mainteined</a:t>
-            </a:r>
+              <a:t>The Apartment Revenue Collection System (ARCS) is aimed at creating an automated system for the collection of rents, maintenance  for housing complexes.</a:t>
+            </a:r>
+            <a:endParaRPr lang="en-US"/>
+          </a:p>
+          <a:p>
             <a:r>
               <a:rPr lang="en-US" dirty="0">
                 <a:cs typeface="Calibri"/>
               </a:rPr>
-              <a:t> in the form of physical register books and papers.</a:t>
+              <a:t>It is used to stored monthly rental invoice of the resident to the server and then can be accessed by the owner.</a:t>
             </a:r>
           </a:p>
           <a:p>
@@ -3423,43 +7301,28 @@
               <a:rPr lang="en-US" dirty="0">
                 <a:cs typeface="Calibri"/>
               </a:rPr>
-              <a:t>These means of storing data proved to be a tedious and a less efficient task for the </a:t>
-            </a:r>
-            <a:r>
-              <a:rPr lang="en-US" dirty="0" err="1">
-                <a:cs typeface="Calibri"/>
-              </a:rPr>
-              <a:t>Communties</a:t>
-            </a:r>
-            <a:r>
-              <a:rPr lang="en-US" dirty="0">
-                <a:cs typeface="Calibri"/>
-              </a:rPr>
-              <a:t>' council members.</a:t>
-            </a:r>
-          </a:p>
-          <a:p>
-            <a:r>
-              <a:rPr lang="en-US" dirty="0">
-                <a:cs typeface="Calibri"/>
-              </a:rPr>
-              <a:t>These books are highly susceptible to wear and tear during the storage for extended durations of time.</a:t>
-            </a:r>
-          </a:p>
-          <a:p>
-            <a:r>
-              <a:rPr lang="en-US" dirty="0">
-                <a:cs typeface="Calibri"/>
-              </a:rPr>
-              <a:t>We also observed that this method of maintaining record comes with a risk of information falsification and human errors.</a:t>
-            </a:r>
+              <a:t>Restricted viewing based on the user type will be implemented.</a:t>
+            </a:r>
+          </a:p>
+          <a:p>
+            <a:pPr marL="0" indent="0">
+              <a:buNone/>
+            </a:pPr>
+            <a:endParaRPr lang="en-US" dirty="0">
+              <a:cs typeface="Calibri"/>
+            </a:endParaRPr>
+          </a:p>
+          <a:p>
+            <a:endParaRPr lang="en-US" dirty="0">
+              <a:cs typeface="Calibri"/>
+            </a:endParaRPr>
           </a:p>
         </p:txBody>
       </p:sp>
     </p:spTree>
     <p:extLst>
       <p:ext uri="{BB962C8B-B14F-4D97-AF65-F5344CB8AC3E}">
-        <p14:creationId xmlns:p14="http://schemas.microsoft.com/office/powerpoint/2010/main" val="2582495466"/>
+        <p14:creationId xmlns:p14="http://schemas.microsoft.com/office/powerpoint/2010/main" val="1890009497"/>
       </p:ext>
     </p:extLst>
   </p:cSld>
@@ -3491,7 +7354,7 @@
           <p:cNvPr id="2" name="Title 1">
             <a:extLst>
               <a:ext uri="{FF2B5EF4-FFF2-40B4-BE49-F238E27FC236}">
-                <a16:creationId xmlns:a16="http://schemas.microsoft.com/office/drawing/2014/main" id="{877F649B-FEC5-4059-8B9B-5EE97D95FF18}"/>
+                <a16:creationId xmlns:a16="http://schemas.microsoft.com/office/drawing/2014/main" id="{2EC53E09-1B03-4193-8D75-126100B6D134}"/>
               </a:ext>
             </a:extLst>
           </p:cNvPr>
@@ -3511,7 +7374,7 @@
               <a:rPr lang="en-US" dirty="0">
                 <a:cs typeface="Calibri Light"/>
               </a:rPr>
-              <a:t>Why is it a relevant topic?</a:t>
+              <a:t>Problem Statement</a:t>
             </a:r>
             <a:endParaRPr lang="en-US" dirty="0"/>
           </a:p>
@@ -3522,7 +7385,7 @@
           <p:cNvPr id="3" name="Content Placeholder 2">
             <a:extLst>
               <a:ext uri="{FF2B5EF4-FFF2-40B4-BE49-F238E27FC236}">
-                <a16:creationId xmlns:a16="http://schemas.microsoft.com/office/drawing/2014/main" id="{9D1B7160-69D7-45D7-9813-BCA75C2CF8A2}"/>
+                <a16:creationId xmlns:a16="http://schemas.microsoft.com/office/drawing/2014/main" id="{99DC7D7B-6A4D-47DD-8DCD-A1FAAF18F1E5}"/>
               </a:ext>
             </a:extLst>
           </p:cNvPr>
@@ -3533,12 +7396,7 @@
             <p:ph idx="1"/>
           </p:nvPr>
         </p:nvSpPr>
-        <p:spPr>
-          <a:xfrm>
-            <a:off x="838200" y="1825625"/>
-            <a:ext cx="10515600" cy="2936196"/>
-          </a:xfrm>
-        </p:spPr>
+        <p:spPr/>
         <p:txBody>
           <a:bodyPr vert="horz" lIns="91440" tIns="45720" rIns="91440" bIns="45720" rtlCol="0" anchor="t">
             <a:normAutofit/>
@@ -3549,15 +7407,19 @@
               <a:rPr lang="en-US" dirty="0">
                 <a:cs typeface="Calibri"/>
               </a:rPr>
-              <a:t>In today's society, the importance of technology has become ever more pronounced.</a:t>
-            </a:r>
-          </a:p>
-          <a:p>
+              <a:t>In today's society Apartment rent and revenue records are </a:t>
+            </a:r>
+            <a:r>
+              <a:rPr lang="en-US" dirty="0" err="1">
+                <a:cs typeface="Calibri"/>
+              </a:rPr>
+              <a:t>stroed</a:t>
+            </a:r>
             <a:r>
               <a:rPr lang="en-US" dirty="0">
                 <a:cs typeface="Calibri"/>
               </a:rPr>
-              <a:t>ARCS aims to digitize the process of record keeping.</a:t>
+              <a:t> in physical books. </a:t>
             </a:r>
           </a:p>
           <a:p>
@@ -3565,7 +7427,23 @@
               <a:rPr lang="en-US" dirty="0">
                 <a:cs typeface="Calibri"/>
               </a:rPr>
-              <a:t>This would avoid any human errors; increases the ease of accessing information from the records; and help in creating a transparent and unadulterated system for managing and storing information.</a:t>
+              <a:t>But it is observed that these records are susceptible to human error and wear and tear.</a:t>
+            </a:r>
+          </a:p>
+          <a:p>
+            <a:r>
+              <a:rPr lang="en-US" dirty="0">
+                <a:cs typeface="Calibri"/>
+              </a:rPr>
+              <a:t>There are also cases where tenants are defaulters in payment of revenue.</a:t>
+            </a:r>
+          </a:p>
+          <a:p>
+            <a:r>
+              <a:rPr lang="en-US" dirty="0">
+                <a:cs typeface="Calibri"/>
+              </a:rPr>
+              <a:t>Sudden change in budget also causes disturbance in the entry and storage of data.</a:t>
             </a:r>
           </a:p>
         </p:txBody>
@@ -3573,7 +7451,7 @@
     </p:spTree>
     <p:extLst>
       <p:ext uri="{BB962C8B-B14F-4D97-AF65-F5344CB8AC3E}">
-        <p14:creationId xmlns:p14="http://schemas.microsoft.com/office/powerpoint/2010/main" val="459837830"/>
+        <p14:creationId xmlns:p14="http://schemas.microsoft.com/office/powerpoint/2010/main" val="1391133458"/>
       </p:ext>
     </p:extLst>
   </p:cSld>
@@ -3605,7 +7483,7 @@
           <p:cNvPr id="2" name="Title 1">
             <a:extLst>
               <a:ext uri="{FF2B5EF4-FFF2-40B4-BE49-F238E27FC236}">
-                <a16:creationId xmlns:a16="http://schemas.microsoft.com/office/drawing/2014/main" id="{CEF888A3-8906-4050-9F3F-BF2E141B65ED}"/>
+                <a16:creationId xmlns:a16="http://schemas.microsoft.com/office/drawing/2014/main" id="{877F649B-FEC5-4059-8B9B-5EE97D95FF18}"/>
               </a:ext>
             </a:extLst>
           </p:cNvPr>
@@ -3625,8 +7503,9 @@
               <a:rPr lang="en-US" dirty="0">
                 <a:cs typeface="Calibri Light"/>
               </a:rPr>
-              <a:t>How are we planning to achieve this?</a:t>
-            </a:r>
+              <a:t>Why is it a relevant topic?</a:t>
+            </a:r>
+            <a:endParaRPr lang="en-US" dirty="0"/>
           </a:p>
         </p:txBody>
       </p:sp>
@@ -3635,7 +7514,7 @@
           <p:cNvPr id="3" name="Content Placeholder 2">
             <a:extLst>
               <a:ext uri="{FF2B5EF4-FFF2-40B4-BE49-F238E27FC236}">
-                <a16:creationId xmlns:a16="http://schemas.microsoft.com/office/drawing/2014/main" id="{06979B7C-934B-4354-A351-2C1E1E56FCEE}"/>
+                <a16:creationId xmlns:a16="http://schemas.microsoft.com/office/drawing/2014/main" id="{9D1B7160-69D7-45D7-9813-BCA75C2CF8A2}"/>
               </a:ext>
             </a:extLst>
           </p:cNvPr>
@@ -3646,7 +7525,12 @@
             <p:ph idx="1"/>
           </p:nvPr>
         </p:nvSpPr>
-        <p:spPr/>
+        <p:spPr>
+          <a:xfrm>
+            <a:off x="838200" y="1825625"/>
+            <a:ext cx="10515600" cy="2936196"/>
+          </a:xfrm>
+        </p:spPr>
         <p:txBody>
           <a:bodyPr vert="horz" lIns="91440" tIns="45720" rIns="91440" bIns="45720" rtlCol="0" anchor="t">
             <a:normAutofit/>
@@ -3657,7 +7541,7 @@
               <a:rPr lang="en-US" dirty="0">
                 <a:cs typeface="Calibri"/>
               </a:rPr>
-              <a:t>The ARCS is a web client which is will be used by people to perform payments of rents and maintenance through online payment modes.</a:t>
+              <a:t>In today's society, the importance of technology has become ever more pronounced.</a:t>
             </a:r>
           </a:p>
           <a:p>
@@ -3665,7 +7549,7 @@
               <a:rPr lang="en-US" dirty="0">
                 <a:cs typeface="Calibri"/>
               </a:rPr>
-              <a:t>These transaction records are stored on a remote database.</a:t>
+              <a:t>ARCS aims to digitize the process of record keeping.</a:t>
             </a:r>
           </a:p>
           <a:p>
@@ -3673,51 +7557,1439 @@
               <a:rPr lang="en-US" dirty="0">
                 <a:cs typeface="Calibri"/>
               </a:rPr>
-              <a:t>The printable </a:t>
-            </a:r>
-            <a:r>
-              <a:rPr lang="en-US" dirty="0" err="1">
+              <a:t>This would avoid any human errors; increases the ease of accessing information from the records; and help in creating a transparent and unadulterated system for managing and storing information.</a:t>
+            </a:r>
+          </a:p>
+        </p:txBody>
+      </p:sp>
+    </p:spTree>
+    <p:extLst>
+      <p:ext uri="{BB962C8B-B14F-4D97-AF65-F5344CB8AC3E}">
+        <p14:creationId xmlns:p14="http://schemas.microsoft.com/office/powerpoint/2010/main" val="459837830"/>
+      </p:ext>
+    </p:extLst>
+  </p:cSld>
+  <p:clrMapOvr>
+    <a:masterClrMapping/>
+  </p:clrMapOvr>
+</p:sld>
+</file>
+
+<file path=ppt/slides/slide6.xml><?xml version="1.0" encoding="utf-8"?>
+<p:sld xmlns:a="http://schemas.openxmlformats.org/drawingml/2006/main" xmlns:r="http://schemas.openxmlformats.org/officeDocument/2006/relationships" xmlns:p="http://schemas.openxmlformats.org/presentationml/2006/main">
+  <p:cSld>
+    <p:spTree>
+      <p:nvGrpSpPr>
+        <p:cNvPr id="1" name=""/>
+        <p:cNvGrpSpPr/>
+        <p:nvPr/>
+      </p:nvGrpSpPr>
+      <p:grpSpPr>
+        <a:xfrm>
+          <a:off x="0" y="0"/>
+          <a:ext cx="0" cy="0"/>
+          <a:chOff x="0" y="0"/>
+          <a:chExt cx="0" cy="0"/>
+        </a:xfrm>
+      </p:grpSpPr>
+      <p:sp>
+        <p:nvSpPr>
+          <p:cNvPr id="3" name="Content Placeholder 2">
+            <a:extLst>
+              <a:ext uri="{FF2B5EF4-FFF2-40B4-BE49-F238E27FC236}">
+                <a16:creationId xmlns:a16="http://schemas.microsoft.com/office/drawing/2014/main" id="{2C224476-4FB6-49AF-893B-96BC6B2939C3}"/>
+              </a:ext>
+            </a:extLst>
+          </p:cNvPr>
+          <p:cNvSpPr>
+            <a:spLocks noGrp="1"/>
+          </p:cNvSpPr>
+          <p:nvPr>
+            <p:ph idx="1"/>
+          </p:nvPr>
+        </p:nvSpPr>
+        <p:spPr>
+          <a:xfrm>
+            <a:off x="636494" y="415819"/>
+            <a:ext cx="10515600" cy="5424968"/>
+          </a:xfrm>
+        </p:spPr>
+        <p:txBody>
+          <a:bodyPr vert="horz" lIns="91440" tIns="45720" rIns="91440" bIns="45720" rtlCol="0" anchor="t">
+            <a:normAutofit fontScale="92500" lnSpcReduction="20000"/>
+          </a:bodyPr>
+          <a:lstStyle/>
+          <a:p>
+            <a:pPr marL="0" indent="0">
+              <a:buNone/>
+            </a:pPr>
+            <a:r>
+              <a:rPr lang="en-US" sz="2600" dirty="0">
                 <a:cs typeface="Calibri"/>
               </a:rPr>
-              <a:t>reciepts</a:t>
+              <a:t>Constraints</a:t>
             </a:r>
             <a:r>
               <a:rPr lang="en-US" dirty="0">
                 <a:cs typeface="Calibri"/>
               </a:rPr>
-              <a:t> will be available for residents to keep for future reference.</a:t>
-            </a:r>
-          </a:p>
-          <a:p>
+              <a:t>:</a:t>
+            </a:r>
+            <a:endParaRPr lang="en-US" dirty="0"/>
+          </a:p>
+          <a:p>
+            <a:pPr marL="0" indent="0">
+              <a:buNone/>
+            </a:pPr>
             <a:r>
               <a:rPr lang="en-US" dirty="0">
                 <a:cs typeface="Calibri"/>
               </a:rPr>
-              <a:t>Deadlines will be maintained to avoid late fee.</a:t>
-            </a:r>
-          </a:p>
-          <a:p>
+              <a:t>- Lack of knowledge of the user regarding the revenue system</a:t>
+            </a:r>
+          </a:p>
+          <a:p>
+            <a:pPr marL="0" indent="0">
+              <a:buNone/>
+            </a:pPr>
             <a:r>
               <a:rPr lang="en-US" dirty="0">
                 <a:cs typeface="Calibri"/>
               </a:rPr>
-              <a:t>For any late payment, related late fee will be imposed.</a:t>
-            </a:r>
-          </a:p>
-          <a:p>
+              <a:t>- Selective propagation of information to the end user about usage.</a:t>
+            </a:r>
+          </a:p>
+          <a:p>
+            <a:pPr marL="0" indent="0">
+              <a:buNone/>
+            </a:pPr>
             <a:r>
               <a:rPr lang="en-US" dirty="0">
                 <a:cs typeface="Calibri"/>
               </a:rPr>
-              <a:t>The payment status and record of all the payments can be accessed by the committee during meetings.</a:t>
-            </a:r>
+              <a:t>- Unavailability of adequate technology to access the system</a:t>
+            </a:r>
+          </a:p>
+          <a:p>
+            <a:pPr marL="0" indent="0">
+              <a:buNone/>
+            </a:pPr>
+            <a:endParaRPr lang="en-US" dirty="0">
+              <a:cs typeface="Calibri"/>
+            </a:endParaRPr>
+          </a:p>
+          <a:p>
+            <a:pPr marL="0" indent="0">
+              <a:buNone/>
+            </a:pPr>
+            <a:r>
+              <a:rPr lang="en-US" sz="2600" dirty="0">
+                <a:cs typeface="Calibri"/>
+              </a:rPr>
+              <a:t>Budget</a:t>
+            </a:r>
+            <a:r>
+              <a:rPr lang="en-US" dirty="0">
+                <a:cs typeface="Calibri"/>
+              </a:rPr>
+              <a:t>:</a:t>
+            </a:r>
+          </a:p>
+          <a:p>
+            <a:pPr marL="0" indent="0">
+              <a:buNone/>
+            </a:pPr>
+            <a:r>
+              <a:rPr lang="en-US" dirty="0">
+                <a:cs typeface="Calibri"/>
+              </a:rPr>
+              <a:t>It depends on the following factors:</a:t>
+            </a:r>
+          </a:p>
+          <a:p>
+            <a:pPr marL="0" indent="0">
+              <a:buNone/>
+            </a:pPr>
+            <a:r>
+              <a:rPr lang="en-US" dirty="0">
+                <a:cs typeface="Calibri"/>
+              </a:rPr>
+              <a:t>- Cost of Research</a:t>
+            </a:r>
+          </a:p>
+          <a:p>
+            <a:pPr marL="0" indent="0">
+              <a:buNone/>
+            </a:pPr>
+            <a:r>
+              <a:rPr lang="en-US" dirty="0">
+                <a:cs typeface="Calibri"/>
+              </a:rPr>
+              <a:t>- Cost of hosting the system on the web</a:t>
+            </a:r>
+          </a:p>
+          <a:p>
+            <a:pPr marL="0" indent="0">
+              <a:buNone/>
+            </a:pPr>
+            <a:r>
+              <a:rPr lang="en-US" dirty="0">
+                <a:cs typeface="Calibri"/>
+              </a:rPr>
+              <a:t>- Maintaining the database and website</a:t>
+            </a:r>
+          </a:p>
+          <a:p>
+            <a:pPr marL="0" indent="0">
+              <a:buNone/>
+            </a:pPr>
+            <a:r>
+              <a:rPr lang="en-US" dirty="0">
+                <a:cs typeface="Calibri"/>
+              </a:rPr>
+              <a:t>- Designing Cost</a:t>
+            </a:r>
+          </a:p>
+          <a:p>
+            <a:pPr marL="0" indent="0">
+              <a:buNone/>
+            </a:pPr>
+            <a:r>
+              <a:rPr lang="en-US" dirty="0">
+                <a:cs typeface="Calibri"/>
+              </a:rPr>
+              <a:t>- Coding</a:t>
+            </a:r>
+          </a:p>
+          <a:p>
+            <a:pPr marL="0" indent="0">
+              <a:buNone/>
+            </a:pPr>
+            <a:r>
+              <a:rPr lang="en-US" dirty="0">
+                <a:cs typeface="Calibri"/>
+              </a:rPr>
+              <a:t>- Testing</a:t>
+            </a:r>
+          </a:p>
+          <a:p>
+            <a:pPr marL="0" indent="0">
+              <a:buNone/>
+            </a:pPr>
+            <a:r>
+              <a:rPr lang="en-US" dirty="0">
+                <a:cs typeface="Calibri"/>
+              </a:rPr>
+              <a:t>- Incorporating security</a:t>
+            </a:r>
+          </a:p>
+          <a:p>
+            <a:pPr marL="0" indent="0">
+              <a:buNone/>
+            </a:pPr>
+            <a:endParaRPr lang="en-US" dirty="0">
+              <a:cs typeface="Calibri"/>
+            </a:endParaRPr>
+          </a:p>
+          <a:p>
+            <a:endParaRPr lang="en-US" dirty="0">
+              <a:cs typeface="Calibri"/>
+            </a:endParaRPr>
+          </a:p>
+          <a:p>
+            <a:endParaRPr lang="en-US" dirty="0">
+              <a:cs typeface="Calibri"/>
+            </a:endParaRPr>
           </a:p>
         </p:txBody>
       </p:sp>
     </p:spTree>
     <p:extLst>
       <p:ext uri="{BB962C8B-B14F-4D97-AF65-F5344CB8AC3E}">
-        <p14:creationId xmlns:p14="http://schemas.microsoft.com/office/powerpoint/2010/main" val="731880317"/>
+        <p14:creationId xmlns:p14="http://schemas.microsoft.com/office/powerpoint/2010/main" val="1726665168"/>
+      </p:ext>
+    </p:extLst>
+  </p:cSld>
+  <p:clrMapOvr>
+    <a:masterClrMapping/>
+  </p:clrMapOvr>
+</p:sld>
+</file>
+
+<file path=ppt/slides/slide7.xml><?xml version="1.0" encoding="utf-8"?>
+<p:sld xmlns:a="http://schemas.openxmlformats.org/drawingml/2006/main" xmlns:r="http://schemas.openxmlformats.org/officeDocument/2006/relationships" xmlns:p="http://schemas.openxmlformats.org/presentationml/2006/main">
+  <p:cSld>
+    <p:spTree>
+      <p:nvGrpSpPr>
+        <p:cNvPr id="1" name=""/>
+        <p:cNvGrpSpPr/>
+        <p:nvPr/>
+      </p:nvGrpSpPr>
+      <p:grpSpPr>
+        <a:xfrm>
+          <a:off x="0" y="0"/>
+          <a:ext cx="0" cy="0"/>
+          <a:chOff x="0" y="0"/>
+          <a:chExt cx="0" cy="0"/>
+        </a:xfrm>
+      </p:grpSpPr>
+      <p:sp>
+        <p:nvSpPr>
+          <p:cNvPr id="3" name="Content Placeholder 2">
+            <a:extLst>
+              <a:ext uri="{FF2B5EF4-FFF2-40B4-BE49-F238E27FC236}">
+                <a16:creationId xmlns:a16="http://schemas.microsoft.com/office/drawing/2014/main" id="{37F3756E-DFAD-4F71-8480-B1F9B677CA80}"/>
+              </a:ext>
+            </a:extLst>
+          </p:cNvPr>
+          <p:cNvSpPr>
+            <a:spLocks noGrp="1"/>
+          </p:cNvSpPr>
+          <p:nvPr>
+            <p:ph idx="1"/>
+          </p:nvPr>
+        </p:nvSpPr>
+        <p:spPr>
+          <a:xfrm>
+            <a:off x="602876" y="380067"/>
+            <a:ext cx="10515600" cy="5796896"/>
+          </a:xfrm>
+        </p:spPr>
+        <p:txBody>
+          <a:bodyPr vert="horz" lIns="91440" tIns="45720" rIns="91440" bIns="45720" rtlCol="0" anchor="t">
+            <a:normAutofit/>
+          </a:bodyPr>
+          <a:lstStyle/>
+          <a:p>
+            <a:pPr marL="0" indent="0">
+              <a:buNone/>
+            </a:pPr>
+            <a:endParaRPr lang="en-US" dirty="0">
+              <a:cs typeface="Calibri" panose="020F0502020204030204"/>
+            </a:endParaRPr>
+          </a:p>
+          <a:p>
+            <a:pPr marL="0" indent="0">
+              <a:buNone/>
+            </a:pPr>
+            <a:endParaRPr lang="en-US" dirty="0">
+              <a:cs typeface="Calibri" panose="020F0502020204030204"/>
+            </a:endParaRPr>
+          </a:p>
+          <a:p>
+            <a:pPr marL="0" indent="0">
+              <a:buNone/>
+            </a:pPr>
+            <a:endParaRPr lang="en-US" dirty="0">
+              <a:cs typeface="Calibri" panose="020F0502020204030204"/>
+            </a:endParaRPr>
+          </a:p>
+          <a:p>
+            <a:pPr marL="0" indent="0">
+              <a:buNone/>
+            </a:pPr>
+            <a:r>
+              <a:rPr lang="en-US" sz="2400">
+                <a:cs typeface="Calibri" panose="020F0502020204030204"/>
+              </a:rPr>
+              <a:t>Duration</a:t>
+            </a:r>
+            <a:r>
+              <a:rPr lang="en-US">
+                <a:cs typeface="Calibri" panose="020F0502020204030204"/>
+              </a:rPr>
+              <a:t>:</a:t>
+            </a:r>
+            <a:endParaRPr lang="en-US"/>
+          </a:p>
+          <a:p>
+            <a:pPr marL="0" indent="0">
+              <a:buNone/>
+            </a:pPr>
+            <a:r>
+              <a:rPr lang="en-US" dirty="0">
+                <a:cs typeface="Calibri" panose="020F0502020204030204"/>
+              </a:rPr>
+              <a:t> - Research : 1 week</a:t>
+            </a:r>
+          </a:p>
+          <a:p>
+            <a:pPr marL="0" indent="0">
+              <a:buNone/>
+            </a:pPr>
+            <a:r>
+              <a:rPr lang="en-US" dirty="0">
+                <a:cs typeface="Calibri" panose="020F0502020204030204"/>
+              </a:rPr>
+              <a:t> - Designing : 1 week</a:t>
+            </a:r>
+          </a:p>
+          <a:p>
+            <a:pPr marL="0" indent="0">
+              <a:buNone/>
+            </a:pPr>
+            <a:r>
+              <a:rPr lang="en-US" dirty="0">
+                <a:cs typeface="Calibri" panose="020F0502020204030204"/>
+              </a:rPr>
+              <a:t> - Coding : 2 weeks</a:t>
+            </a:r>
+          </a:p>
+          <a:p>
+            <a:pPr marL="0" indent="0">
+              <a:buNone/>
+            </a:pPr>
+            <a:r>
+              <a:rPr lang="en-US" dirty="0">
+                <a:cs typeface="Calibri" panose="020F0502020204030204"/>
+              </a:rPr>
+              <a:t> - Testing : 1 week</a:t>
+            </a:r>
+          </a:p>
+          <a:p>
+            <a:pPr marL="0" indent="0">
+              <a:buNone/>
+            </a:pPr>
+            <a:r>
+              <a:rPr lang="en-US" dirty="0">
+                <a:cs typeface="Calibri" panose="020F0502020204030204"/>
+              </a:rPr>
+              <a:t> - Creation of Database : 2 days</a:t>
+            </a:r>
+          </a:p>
+          <a:p>
+            <a:pPr marL="0" indent="0">
+              <a:buNone/>
+            </a:pPr>
+            <a:endParaRPr lang="en-US" dirty="0">
+              <a:cs typeface="Calibri" panose="020F0502020204030204"/>
+            </a:endParaRPr>
+          </a:p>
+          <a:p>
+            <a:pPr marL="0" indent="0">
+              <a:buNone/>
+            </a:pPr>
+            <a:endParaRPr lang="en-US" dirty="0">
+              <a:cs typeface="Calibri" panose="020F0502020204030204"/>
+            </a:endParaRPr>
+          </a:p>
+        </p:txBody>
+      </p:sp>
+    </p:spTree>
+    <p:extLst>
+      <p:ext uri="{BB962C8B-B14F-4D97-AF65-F5344CB8AC3E}">
+        <p14:creationId xmlns:p14="http://schemas.microsoft.com/office/powerpoint/2010/main" val="2788318289"/>
+      </p:ext>
+    </p:extLst>
+  </p:cSld>
+  <p:clrMapOvr>
+    <a:masterClrMapping/>
+  </p:clrMapOvr>
+</p:sld>
+</file>
+
+<file path=ppt/slides/slide8.xml><?xml version="1.0" encoding="utf-8"?>
+<p:sld xmlns:a="http://schemas.openxmlformats.org/drawingml/2006/main" xmlns:r="http://schemas.openxmlformats.org/officeDocument/2006/relationships" xmlns:p="http://schemas.openxmlformats.org/presentationml/2006/main">
+  <p:cSld>
+    <p:spTree>
+      <p:nvGrpSpPr>
+        <p:cNvPr id="1" name=""/>
+        <p:cNvGrpSpPr/>
+        <p:nvPr/>
+      </p:nvGrpSpPr>
+      <p:grpSpPr>
+        <a:xfrm>
+          <a:off x="0" y="0"/>
+          <a:ext cx="0" cy="0"/>
+          <a:chOff x="0" y="0"/>
+          <a:chExt cx="0" cy="0"/>
+        </a:xfrm>
+      </p:grpSpPr>
+      <p:graphicFrame>
+        <p:nvGraphicFramePr>
+          <p:cNvPr id="2" name="Table 2">
+            <a:extLst>
+              <a:ext uri="{FF2B5EF4-FFF2-40B4-BE49-F238E27FC236}">
+                <a16:creationId xmlns:a16="http://schemas.microsoft.com/office/drawing/2014/main" id="{B0A615CF-BB17-4B40-819E-A01D10BEABB8}"/>
+              </a:ext>
+            </a:extLst>
+          </p:cNvPr>
+          <p:cNvGraphicFramePr>
+            <a:graphicFrameLocks noGrp="1"/>
+          </p:cNvGraphicFramePr>
+          <p:nvPr>
+            <p:extLst>
+              <p:ext uri="{D42A27DB-BD31-4B8C-83A1-F6EECF244321}">
+                <p14:modId xmlns:p14="http://schemas.microsoft.com/office/powerpoint/2010/main" val="1992620332"/>
+              </p:ext>
+            </p:extLst>
+          </p:nvPr>
+        </p:nvGraphicFramePr>
+        <p:xfrm>
+          <a:off x="1826558" y="2151529"/>
+          <a:ext cx="8420775" cy="3674844"/>
+        </p:xfrm>
+        <a:graphic>
+          <a:graphicData uri="http://schemas.openxmlformats.org/drawingml/2006/table">
+            <a:tbl>
+              <a:tblPr firstRow="1" bandRow="1">
+                <a:tableStyleId>{5C22544A-7EE6-4342-B048-85BDC9FD1C3A}</a:tableStyleId>
+              </a:tblPr>
+              <a:tblGrid>
+                <a:gridCol w="8420775">
+                  <a:extLst>
+                    <a:ext uri="{9D8B030D-6E8A-4147-A177-3AD203B41FA5}">
+                      <a16:colId xmlns:a16="http://schemas.microsoft.com/office/drawing/2014/main" val="1261819260"/>
+                    </a:ext>
+                  </a:extLst>
+                </a:gridCol>
+              </a:tblGrid>
+              <a:tr h="1837422">
+                <a:tc>
+                  <a:txBody>
+                    <a:bodyPr/>
+                    <a:lstStyle/>
+                    <a:p>
+                      <a:endParaRPr lang="en-US"/>
+                    </a:p>
+                  </a:txBody>
+                  <a:tcPr/>
+                </a:tc>
+                <a:extLst>
+                  <a:ext uri="{0D108BD9-81ED-4DB2-BD59-A6C34878D82A}">
+                    <a16:rowId xmlns:a16="http://schemas.microsoft.com/office/drawing/2014/main" val="1776167261"/>
+                  </a:ext>
+                </a:extLst>
+              </a:tr>
+              <a:tr h="1837422">
+                <a:tc>
+                  <a:txBody>
+                    <a:bodyPr/>
+                    <a:lstStyle/>
+                    <a:p>
+                      <a:endParaRPr lang="en-US"/>
+                    </a:p>
+                  </a:txBody>
+                  <a:tcPr/>
+                </a:tc>
+                <a:extLst>
+                  <a:ext uri="{0D108BD9-81ED-4DB2-BD59-A6C34878D82A}">
+                    <a16:rowId xmlns:a16="http://schemas.microsoft.com/office/drawing/2014/main" val="2899700692"/>
+                  </a:ext>
+                </a:extLst>
+              </a:tr>
+            </a:tbl>
+          </a:graphicData>
+        </a:graphic>
+      </p:graphicFrame>
+      <p:sp>
+        <p:nvSpPr>
+          <p:cNvPr id="4" name="TextBox 3">
+            <a:extLst>
+              <a:ext uri="{FF2B5EF4-FFF2-40B4-BE49-F238E27FC236}">
+                <a16:creationId xmlns:a16="http://schemas.microsoft.com/office/drawing/2014/main" id="{862275DB-F2D4-432E-9464-D707C5A2A473}"/>
+              </a:ext>
+            </a:extLst>
+          </p:cNvPr>
+          <p:cNvSpPr txBox="1"/>
+          <p:nvPr/>
+        </p:nvSpPr>
+        <p:spPr>
+          <a:xfrm>
+            <a:off x="2046195" y="634252"/>
+            <a:ext cx="2743200" cy="477054"/>
+          </a:xfrm>
+          <a:prstGeom prst="rect">
+            <a:avLst/>
+          </a:prstGeom>
+          <a:noFill/>
+        </p:spPr>
+        <p:txBody>
+          <a:bodyPr rot="0" spcFirstLastPara="0" vertOverflow="overflow" horzOverflow="overflow" vert="horz" wrap="square" lIns="91440" tIns="45720" rIns="91440" bIns="45720" numCol="1" spcCol="0" rtlCol="0" fromWordArt="0" anchor="t" anchorCtr="0" forceAA="0" compatLnSpc="1">
+            <a:prstTxWarp prst="textNoShape">
+              <a:avLst/>
+            </a:prstTxWarp>
+            <a:spAutoFit/>
+          </a:bodyPr>
+          <a:lstStyle/>
+          <a:p>
+            <a:pPr algn="l"/>
+            <a:r>
+              <a:rPr lang="en-US" sz="2500" dirty="0">
+                <a:cs typeface="Calibri"/>
+              </a:rPr>
+              <a:t>STAKEHOLDERS</a:t>
+            </a:r>
+          </a:p>
+        </p:txBody>
+      </p:sp>
+      <p:sp>
+        <p:nvSpPr>
+          <p:cNvPr id="5" name="TextBox 4">
+            <a:extLst>
+              <a:ext uri="{FF2B5EF4-FFF2-40B4-BE49-F238E27FC236}">
+                <a16:creationId xmlns:a16="http://schemas.microsoft.com/office/drawing/2014/main" id="{F26FE56D-FDC7-499A-AE3B-CC7B8C271ED0}"/>
+              </a:ext>
+            </a:extLst>
+          </p:cNvPr>
+          <p:cNvSpPr txBox="1"/>
+          <p:nvPr/>
+        </p:nvSpPr>
+        <p:spPr>
+          <a:xfrm>
+            <a:off x="2043393" y="1527922"/>
+            <a:ext cx="1252818" cy="369332"/>
+          </a:xfrm>
+          <a:prstGeom prst="rect">
+            <a:avLst/>
+          </a:prstGeom>
+          <a:noFill/>
+        </p:spPr>
+        <p:txBody>
+          <a:bodyPr rot="0" spcFirstLastPara="0" vertOverflow="overflow" horzOverflow="overflow" vert="horz" wrap="square" lIns="91440" tIns="45720" rIns="91440" bIns="45720" numCol="1" spcCol="0" rtlCol="0" fromWordArt="0" anchor="t" anchorCtr="0" forceAA="0" compatLnSpc="1">
+            <a:prstTxWarp prst="textNoShape">
+              <a:avLst/>
+            </a:prstTxWarp>
+            <a:spAutoFit/>
+          </a:bodyPr>
+          <a:lstStyle/>
+          <a:p>
+            <a:r>
+              <a:rPr lang="en-US" dirty="0">
+                <a:cs typeface="Calibri"/>
+              </a:rPr>
+              <a:t>End User</a:t>
+            </a:r>
+          </a:p>
+        </p:txBody>
+      </p:sp>
+      <p:sp>
+        <p:nvSpPr>
+          <p:cNvPr id="6" name="TextBox 5">
+            <a:extLst>
+              <a:ext uri="{FF2B5EF4-FFF2-40B4-BE49-F238E27FC236}">
+                <a16:creationId xmlns:a16="http://schemas.microsoft.com/office/drawing/2014/main" id="{D8B828B5-1781-4EC2-BB67-22F46216B9ED}"/>
+              </a:ext>
+            </a:extLst>
+          </p:cNvPr>
+          <p:cNvSpPr txBox="1"/>
+          <p:nvPr/>
+        </p:nvSpPr>
+        <p:spPr>
+          <a:xfrm>
+            <a:off x="4786032" y="1525121"/>
+            <a:ext cx="1364877" cy="369332"/>
+          </a:xfrm>
+          <a:prstGeom prst="rect">
+            <a:avLst/>
+          </a:prstGeom>
+          <a:noFill/>
+        </p:spPr>
+        <p:txBody>
+          <a:bodyPr rot="0" spcFirstLastPara="0" vertOverflow="overflow" horzOverflow="overflow" vert="horz" wrap="square" lIns="91440" tIns="45720" rIns="91440" bIns="45720" numCol="1" spcCol="0" rtlCol="0" fromWordArt="0" anchor="t" anchorCtr="0" forceAA="0" compatLnSpc="1">
+            <a:prstTxWarp prst="textNoShape">
+              <a:avLst/>
+            </a:prstTxWarp>
+            <a:spAutoFit/>
+          </a:bodyPr>
+          <a:lstStyle/>
+          <a:p>
+            <a:r>
+              <a:rPr lang="en-US" dirty="0">
+                <a:cs typeface="Calibri"/>
+              </a:rPr>
+              <a:t>Build Team</a:t>
+            </a:r>
+          </a:p>
+        </p:txBody>
+      </p:sp>
+      <p:sp>
+        <p:nvSpPr>
+          <p:cNvPr id="7" name="TextBox 6">
+            <a:extLst>
+              <a:ext uri="{FF2B5EF4-FFF2-40B4-BE49-F238E27FC236}">
+                <a16:creationId xmlns:a16="http://schemas.microsoft.com/office/drawing/2014/main" id="{BAF325A7-3740-44EE-A60D-35A75483E36B}"/>
+              </a:ext>
+            </a:extLst>
+          </p:cNvPr>
+          <p:cNvSpPr txBox="1"/>
+          <p:nvPr/>
+        </p:nvSpPr>
+        <p:spPr>
+          <a:xfrm>
+            <a:off x="7573496" y="1522319"/>
+            <a:ext cx="1364877" cy="369332"/>
+          </a:xfrm>
+          <a:prstGeom prst="rect">
+            <a:avLst/>
+          </a:prstGeom>
+          <a:noFill/>
+        </p:spPr>
+        <p:txBody>
+          <a:bodyPr rot="0" spcFirstLastPara="0" vertOverflow="overflow" horzOverflow="overflow" vert="horz" wrap="square" lIns="91440" tIns="45720" rIns="91440" bIns="45720" numCol="1" spcCol="0" rtlCol="0" fromWordArt="0" anchor="t" anchorCtr="0" forceAA="0" compatLnSpc="1">
+            <a:prstTxWarp prst="textNoShape">
+              <a:avLst/>
+            </a:prstTxWarp>
+            <a:spAutoFit/>
+          </a:bodyPr>
+          <a:lstStyle/>
+          <a:p>
+            <a:pPr algn="l"/>
+            <a:r>
+              <a:rPr lang="en-US" dirty="0">
+                <a:cs typeface="Calibri"/>
+              </a:rPr>
+              <a:t>Authorities</a:t>
+            </a:r>
+          </a:p>
+        </p:txBody>
+      </p:sp>
+      <p:sp>
+        <p:nvSpPr>
+          <p:cNvPr id="8" name="TextBox 7">
+            <a:extLst>
+              <a:ext uri="{FF2B5EF4-FFF2-40B4-BE49-F238E27FC236}">
+                <a16:creationId xmlns:a16="http://schemas.microsoft.com/office/drawing/2014/main" id="{2754AE8B-23BF-4F53-BD05-E4E826802738}"/>
+              </a:ext>
+            </a:extLst>
+          </p:cNvPr>
+          <p:cNvSpPr txBox="1"/>
+          <p:nvPr/>
+        </p:nvSpPr>
+        <p:spPr>
+          <a:xfrm>
+            <a:off x="454959" y="2740959"/>
+            <a:ext cx="1230406" cy="369332"/>
+          </a:xfrm>
+          <a:prstGeom prst="rect">
+            <a:avLst/>
+          </a:prstGeom>
+          <a:noFill/>
+        </p:spPr>
+        <p:txBody>
+          <a:bodyPr rot="0" spcFirstLastPara="0" vertOverflow="overflow" horzOverflow="overflow" vert="horz" wrap="square" lIns="91440" tIns="45720" rIns="91440" bIns="45720" numCol="1" spcCol="0" rtlCol="0" fromWordArt="0" anchor="t" anchorCtr="0" forceAA="0" compatLnSpc="1">
+            <a:prstTxWarp prst="textNoShape">
+              <a:avLst/>
+            </a:prstTxWarp>
+            <a:spAutoFit/>
+          </a:bodyPr>
+          <a:lstStyle/>
+          <a:p>
+            <a:pPr algn="l"/>
+            <a:r>
+              <a:rPr lang="en-US" dirty="0">
+                <a:cs typeface="Calibri"/>
+              </a:rPr>
+              <a:t>Internal</a:t>
+            </a:r>
+          </a:p>
+        </p:txBody>
+      </p:sp>
+      <p:sp>
+        <p:nvSpPr>
+          <p:cNvPr id="9" name="TextBox 8">
+            <a:extLst>
+              <a:ext uri="{FF2B5EF4-FFF2-40B4-BE49-F238E27FC236}">
+                <a16:creationId xmlns:a16="http://schemas.microsoft.com/office/drawing/2014/main" id="{ABCE9BDC-5D9E-4AB3-9BE5-71C3D93F328C}"/>
+              </a:ext>
+            </a:extLst>
+          </p:cNvPr>
+          <p:cNvSpPr txBox="1"/>
+          <p:nvPr/>
+        </p:nvSpPr>
+        <p:spPr>
+          <a:xfrm>
+            <a:off x="452157" y="4553511"/>
+            <a:ext cx="1095936" cy="369332"/>
+          </a:xfrm>
+          <a:prstGeom prst="rect">
+            <a:avLst/>
+          </a:prstGeom>
+          <a:noFill/>
+        </p:spPr>
+        <p:txBody>
+          <a:bodyPr rot="0" spcFirstLastPara="0" vertOverflow="overflow" horzOverflow="overflow" vert="horz" wrap="square" lIns="91440" tIns="45720" rIns="91440" bIns="45720" numCol="1" spcCol="0" rtlCol="0" fromWordArt="0" anchor="t" anchorCtr="0" forceAA="0" compatLnSpc="1">
+            <a:prstTxWarp prst="textNoShape">
+              <a:avLst/>
+            </a:prstTxWarp>
+            <a:spAutoFit/>
+          </a:bodyPr>
+          <a:lstStyle/>
+          <a:p>
+            <a:pPr algn="l"/>
+            <a:r>
+              <a:rPr lang="en-US" dirty="0">
+                <a:cs typeface="Calibri"/>
+              </a:rPr>
+              <a:t>External</a:t>
+            </a:r>
+          </a:p>
+        </p:txBody>
+      </p:sp>
+      <p:sp>
+        <p:nvSpPr>
+          <p:cNvPr id="10" name="TextBox 9">
+            <a:extLst>
+              <a:ext uri="{FF2B5EF4-FFF2-40B4-BE49-F238E27FC236}">
+                <a16:creationId xmlns:a16="http://schemas.microsoft.com/office/drawing/2014/main" id="{CCC8037B-121E-4638-9F36-AF4EE2714F87}"/>
+              </a:ext>
+            </a:extLst>
+          </p:cNvPr>
+          <p:cNvSpPr txBox="1"/>
+          <p:nvPr/>
+        </p:nvSpPr>
+        <p:spPr>
+          <a:xfrm>
+            <a:off x="2197473" y="2612091"/>
+            <a:ext cx="1118348" cy="369332"/>
+          </a:xfrm>
+          <a:prstGeom prst="rect">
+            <a:avLst/>
+          </a:prstGeom>
+          <a:noFill/>
+        </p:spPr>
+        <p:txBody>
+          <a:bodyPr rot="0" spcFirstLastPara="0" vertOverflow="overflow" horzOverflow="overflow" vert="horz" wrap="square" lIns="91440" tIns="45720" rIns="91440" bIns="45720" numCol="1" spcCol="0" rtlCol="0" fromWordArt="0" anchor="t" anchorCtr="0" forceAA="0" compatLnSpc="1">
+            <a:prstTxWarp prst="textNoShape">
+              <a:avLst/>
+            </a:prstTxWarp>
+            <a:spAutoFit/>
+          </a:bodyPr>
+          <a:lstStyle/>
+          <a:p>
+            <a:pPr algn="l"/>
+            <a:r>
+              <a:rPr lang="en-US" dirty="0">
+                <a:solidFill>
+                  <a:srgbClr val="FFFF00"/>
+                </a:solidFill>
+                <a:cs typeface="Calibri"/>
+              </a:rPr>
+              <a:t>Tenants</a:t>
+            </a:r>
+          </a:p>
+        </p:txBody>
+      </p:sp>
+      <p:sp>
+        <p:nvSpPr>
+          <p:cNvPr id="3" name="TextBox 2">
+            <a:extLst>
+              <a:ext uri="{FF2B5EF4-FFF2-40B4-BE49-F238E27FC236}">
+                <a16:creationId xmlns:a16="http://schemas.microsoft.com/office/drawing/2014/main" id="{CDAF5B61-198A-4B84-89EF-B417E5BF7640}"/>
+              </a:ext>
+            </a:extLst>
+          </p:cNvPr>
+          <p:cNvSpPr txBox="1"/>
+          <p:nvPr/>
+        </p:nvSpPr>
+        <p:spPr>
+          <a:xfrm>
+            <a:off x="5018554" y="2609290"/>
+            <a:ext cx="1518024" cy="369332"/>
+          </a:xfrm>
+          <a:prstGeom prst="rect">
+            <a:avLst/>
+          </a:prstGeom>
+          <a:noFill/>
+        </p:spPr>
+        <p:txBody>
+          <a:bodyPr rot="0" spcFirstLastPara="0" vertOverflow="overflow" horzOverflow="overflow" vert="horz" wrap="square" lIns="91440" tIns="45720" rIns="91440" bIns="45720" numCol="1" spcCol="0" rtlCol="0" fromWordArt="0" anchor="t" anchorCtr="0" forceAA="0" compatLnSpc="1">
+            <a:prstTxWarp prst="textNoShape">
+              <a:avLst/>
+            </a:prstTxWarp>
+            <a:spAutoFit/>
+          </a:bodyPr>
+          <a:lstStyle/>
+          <a:p>
+            <a:pPr algn="l"/>
+            <a:r>
+              <a:rPr lang="en-US">
+                <a:solidFill>
+                  <a:srgbClr val="92D050"/>
+                </a:solidFill>
+                <a:cs typeface="Calibri"/>
+              </a:rPr>
+              <a:t>Developers</a:t>
+            </a:r>
+            <a:endParaRPr lang="en-US" dirty="0">
+              <a:solidFill>
+                <a:srgbClr val="92D050"/>
+              </a:solidFill>
+              <a:cs typeface="Calibri"/>
+            </a:endParaRPr>
+          </a:p>
+        </p:txBody>
+      </p:sp>
+      <p:sp>
+        <p:nvSpPr>
+          <p:cNvPr id="11" name="TextBox 10">
+            <a:extLst>
+              <a:ext uri="{FF2B5EF4-FFF2-40B4-BE49-F238E27FC236}">
+                <a16:creationId xmlns:a16="http://schemas.microsoft.com/office/drawing/2014/main" id="{BFDC4B63-2191-4A0A-84B8-724CB2AC1720}"/>
+              </a:ext>
+            </a:extLst>
+          </p:cNvPr>
+          <p:cNvSpPr txBox="1"/>
+          <p:nvPr/>
+        </p:nvSpPr>
+        <p:spPr>
+          <a:xfrm>
+            <a:off x="7534409" y="2662518"/>
+            <a:ext cx="2178281" cy="646331"/>
+          </a:xfrm>
+          <a:prstGeom prst="rect">
+            <a:avLst/>
+          </a:prstGeom>
+          <a:noFill/>
+        </p:spPr>
+        <p:txBody>
+          <a:bodyPr rot="0" spcFirstLastPara="0" vertOverflow="overflow" horzOverflow="overflow" vert="horz" wrap="square" lIns="91440" tIns="45720" rIns="91440" bIns="45720" numCol="1" spcCol="0" rtlCol="0" fromWordArt="0" anchor="t" anchorCtr="0" forceAA="0" compatLnSpc="1">
+            <a:prstTxWarp prst="textNoShape">
+              <a:avLst/>
+            </a:prstTxWarp>
+            <a:spAutoFit/>
+          </a:bodyPr>
+          <a:lstStyle/>
+          <a:p>
+            <a:r>
+              <a:rPr lang="en-US">
+                <a:cs typeface="Calibri"/>
+              </a:rPr>
+              <a:t>Secretary, President,Cashier</a:t>
+            </a:r>
+          </a:p>
+        </p:txBody>
+      </p:sp>
+      <p:sp>
+        <p:nvSpPr>
+          <p:cNvPr id="12" name="TextBox 11">
+            <a:extLst>
+              <a:ext uri="{FF2B5EF4-FFF2-40B4-BE49-F238E27FC236}">
+                <a16:creationId xmlns:a16="http://schemas.microsoft.com/office/drawing/2014/main" id="{E10398FA-F6C0-4B01-B7A5-CE408CAE64C8}"/>
+              </a:ext>
+            </a:extLst>
+          </p:cNvPr>
+          <p:cNvSpPr txBox="1"/>
+          <p:nvPr/>
+        </p:nvSpPr>
+        <p:spPr>
+          <a:xfrm>
+            <a:off x="2043393" y="4553510"/>
+            <a:ext cx="2194112" cy="923330"/>
+          </a:xfrm>
+          <a:prstGeom prst="rect">
+            <a:avLst/>
+          </a:prstGeom>
+          <a:noFill/>
+        </p:spPr>
+        <p:txBody>
+          <a:bodyPr rot="0" spcFirstLastPara="0" vertOverflow="overflow" horzOverflow="overflow" vert="horz" wrap="square" lIns="91440" tIns="45720" rIns="91440" bIns="45720" numCol="1" spcCol="0" rtlCol="0" fromWordArt="0" anchor="t" anchorCtr="0" forceAA="0" compatLnSpc="1">
+            <a:prstTxWarp prst="textNoShape">
+              <a:avLst/>
+            </a:prstTxWarp>
+            <a:spAutoFit/>
+          </a:bodyPr>
+          <a:lstStyle/>
+          <a:p>
+            <a:r>
+              <a:rPr lang="en-US">
+                <a:solidFill>
+                  <a:srgbClr val="0070C0"/>
+                </a:solidFill>
+                <a:cs typeface="Calibri"/>
+              </a:rPr>
+              <a:t>Water Supply Board,</a:t>
+            </a:r>
+          </a:p>
+          <a:p>
+            <a:r>
+              <a:rPr lang="en-US">
+                <a:solidFill>
+                  <a:srgbClr val="0070C0"/>
+                </a:solidFill>
+                <a:cs typeface="Calibri"/>
+              </a:rPr>
+              <a:t>Electrical Board</a:t>
+            </a:r>
+          </a:p>
+        </p:txBody>
+      </p:sp>
+      <p:sp>
+        <p:nvSpPr>
+          <p:cNvPr id="13" name="TextBox 12">
+            <a:extLst>
+              <a:ext uri="{FF2B5EF4-FFF2-40B4-BE49-F238E27FC236}">
+                <a16:creationId xmlns:a16="http://schemas.microsoft.com/office/drawing/2014/main" id="{23E3708F-3CF5-4781-AB78-15F2EB7EC3B4}"/>
+              </a:ext>
+            </a:extLst>
+          </p:cNvPr>
+          <p:cNvSpPr txBox="1"/>
+          <p:nvPr/>
+        </p:nvSpPr>
+        <p:spPr>
+          <a:xfrm>
+            <a:off x="6153150" y="4629149"/>
+            <a:ext cx="2743200" cy="369332"/>
+          </a:xfrm>
+          <a:prstGeom prst="rect">
+            <a:avLst/>
+          </a:prstGeom>
+          <a:noFill/>
+        </p:spPr>
+        <p:txBody>
+          <a:bodyPr rot="0" spcFirstLastPara="0" vertOverflow="overflow" horzOverflow="overflow" vert="horz" wrap="square" lIns="91440" tIns="45720" rIns="91440" bIns="45720" numCol="1" spcCol="0" rtlCol="0" fromWordArt="0" anchor="t" anchorCtr="0" forceAA="0" compatLnSpc="1">
+            <a:prstTxWarp prst="textNoShape">
+              <a:avLst/>
+            </a:prstTxWarp>
+            <a:spAutoFit/>
+          </a:bodyPr>
+          <a:lstStyle/>
+          <a:p>
+            <a:pPr algn="l"/>
+            <a:endParaRPr lang="en-US" dirty="0">
+              <a:cs typeface="Calibri"/>
+            </a:endParaRPr>
+          </a:p>
+        </p:txBody>
+      </p:sp>
+      <p:sp>
+        <p:nvSpPr>
+          <p:cNvPr id="14" name="TextBox 13">
+            <a:extLst>
+              <a:ext uri="{FF2B5EF4-FFF2-40B4-BE49-F238E27FC236}">
+                <a16:creationId xmlns:a16="http://schemas.microsoft.com/office/drawing/2014/main" id="{1E1B6A35-121B-4E26-B8C4-1F89867289B7}"/>
+              </a:ext>
+            </a:extLst>
+          </p:cNvPr>
+          <p:cNvSpPr txBox="1"/>
+          <p:nvPr/>
+        </p:nvSpPr>
+        <p:spPr>
+          <a:xfrm>
+            <a:off x="7549306" y="4548797"/>
+            <a:ext cx="2285537" cy="646331"/>
+          </a:xfrm>
+          <a:prstGeom prst="rect">
+            <a:avLst/>
+          </a:prstGeom>
+          <a:noFill/>
+        </p:spPr>
+        <p:txBody>
+          <a:bodyPr rot="0" spcFirstLastPara="0" vertOverflow="overflow" horzOverflow="overflow" vert="horz" wrap="square" lIns="91440" tIns="45720" rIns="91440" bIns="45720" numCol="1" spcCol="0" rtlCol="0" fromWordArt="0" anchor="t" anchorCtr="0" forceAA="0" compatLnSpc="1">
+            <a:prstTxWarp prst="textNoShape">
+              <a:avLst/>
+            </a:prstTxWarp>
+            <a:spAutoFit/>
+          </a:bodyPr>
+          <a:lstStyle/>
+          <a:p>
+            <a:r>
+              <a:rPr lang="en-US">
+                <a:solidFill>
+                  <a:srgbClr val="0070C0"/>
+                </a:solidFill>
+                <a:cs typeface="Calibri"/>
+              </a:rPr>
+              <a:t>Muncipal Corporation</a:t>
+            </a:r>
+          </a:p>
+        </p:txBody>
+      </p:sp>
+      <p:sp>
+        <p:nvSpPr>
+          <p:cNvPr id="15" name="TextBox 14">
+            <a:extLst>
+              <a:ext uri="{FF2B5EF4-FFF2-40B4-BE49-F238E27FC236}">
+                <a16:creationId xmlns:a16="http://schemas.microsoft.com/office/drawing/2014/main" id="{36287D79-E83C-45DC-9C70-1676A9D1A570}"/>
+              </a:ext>
+            </a:extLst>
+          </p:cNvPr>
+          <p:cNvSpPr txBox="1"/>
+          <p:nvPr/>
+        </p:nvSpPr>
+        <p:spPr>
+          <a:xfrm>
+            <a:off x="4847665" y="4567517"/>
+            <a:ext cx="1432112" cy="923330"/>
+          </a:xfrm>
+          <a:prstGeom prst="rect">
+            <a:avLst/>
+          </a:prstGeom>
+          <a:noFill/>
+        </p:spPr>
+        <p:txBody>
+          <a:bodyPr rot="0" spcFirstLastPara="0" vertOverflow="overflow" horzOverflow="overflow" vert="horz" wrap="square" lIns="91440" tIns="45720" rIns="91440" bIns="45720" numCol="1" spcCol="0" rtlCol="0" fromWordArt="0" anchor="t" anchorCtr="0" forceAA="0" compatLnSpc="1">
+            <a:prstTxWarp prst="textNoShape">
+              <a:avLst/>
+            </a:prstTxWarp>
+            <a:spAutoFit/>
+          </a:bodyPr>
+          <a:lstStyle/>
+          <a:p>
+            <a:r>
+              <a:rPr lang="en-US">
+                <a:solidFill>
+                  <a:srgbClr val="0070C0"/>
+                </a:solidFill>
+              </a:rPr>
+              <a:t>ICICI bank, Area-51, TNEB</a:t>
+            </a:r>
+          </a:p>
+        </p:txBody>
+      </p:sp>
+    </p:spTree>
+    <p:extLst>
+      <p:ext uri="{BB962C8B-B14F-4D97-AF65-F5344CB8AC3E}">
+        <p14:creationId xmlns:p14="http://schemas.microsoft.com/office/powerpoint/2010/main" val="845774409"/>
+      </p:ext>
+    </p:extLst>
+  </p:cSld>
+  <p:clrMapOvr>
+    <a:masterClrMapping/>
+  </p:clrMapOvr>
+</p:sld>
+</file>
+
+<file path=ppt/slides/slide9.xml><?xml version="1.0" encoding="utf-8"?>
+<p:sld xmlns:a="http://schemas.openxmlformats.org/drawingml/2006/main" xmlns:r="http://schemas.openxmlformats.org/officeDocument/2006/relationships" xmlns:p="http://schemas.openxmlformats.org/presentationml/2006/main">
+  <p:cSld>
+    <p:spTree>
+      <p:nvGrpSpPr>
+        <p:cNvPr id="1" name=""/>
+        <p:cNvGrpSpPr/>
+        <p:nvPr/>
+      </p:nvGrpSpPr>
+      <p:grpSpPr>
+        <a:xfrm>
+          <a:off x="0" y="0"/>
+          <a:ext cx="0" cy="0"/>
+          <a:chOff x="0" y="0"/>
+          <a:chExt cx="0" cy="0"/>
+        </a:xfrm>
+      </p:grpSpPr>
+      <p:graphicFrame>
+        <p:nvGraphicFramePr>
+          <p:cNvPr id="2" name="Table 2">
+            <a:extLst>
+              <a:ext uri="{FF2B5EF4-FFF2-40B4-BE49-F238E27FC236}">
+                <a16:creationId xmlns:a16="http://schemas.microsoft.com/office/drawing/2014/main" id="{F81EE1FD-F445-4450-AE3F-3E6B89790D90}"/>
+              </a:ext>
+            </a:extLst>
+          </p:cNvPr>
+          <p:cNvGraphicFramePr>
+            <a:graphicFrameLocks noGrp="1"/>
+          </p:cNvGraphicFramePr>
+          <p:nvPr>
+            <p:extLst>
+              <p:ext uri="{D42A27DB-BD31-4B8C-83A1-F6EECF244321}">
+                <p14:modId xmlns:p14="http://schemas.microsoft.com/office/powerpoint/2010/main" val="3217546016"/>
+              </p:ext>
+            </p:extLst>
+          </p:nvPr>
+        </p:nvGraphicFramePr>
+        <p:xfrm>
+          <a:off x="280147" y="481852"/>
+          <a:ext cx="10517630" cy="5809636"/>
+        </p:xfrm>
+        <a:graphic>
+          <a:graphicData uri="http://schemas.openxmlformats.org/drawingml/2006/table">
+            <a:tbl>
+              <a:tblPr firstRow="1" bandRow="1">
+                <a:tableStyleId>{5C22544A-7EE6-4342-B048-85BDC9FD1C3A}</a:tableStyleId>
+              </a:tblPr>
+              <a:tblGrid>
+                <a:gridCol w="871681">
+                  <a:extLst>
+                    <a:ext uri="{9D8B030D-6E8A-4147-A177-3AD203B41FA5}">
+                      <a16:colId xmlns:a16="http://schemas.microsoft.com/office/drawing/2014/main" val="3431933939"/>
+                    </a:ext>
+                  </a:extLst>
+                </a:gridCol>
+                <a:gridCol w="4751525">
+                  <a:extLst>
+                    <a:ext uri="{9D8B030D-6E8A-4147-A177-3AD203B41FA5}">
+                      <a16:colId xmlns:a16="http://schemas.microsoft.com/office/drawing/2014/main" val="3114863866"/>
+                    </a:ext>
+                  </a:extLst>
+                </a:gridCol>
+                <a:gridCol w="3247160">
+                  <a:extLst>
+                    <a:ext uri="{9D8B030D-6E8A-4147-A177-3AD203B41FA5}">
+                      <a16:colId xmlns:a16="http://schemas.microsoft.com/office/drawing/2014/main" val="2312962056"/>
+                    </a:ext>
+                  </a:extLst>
+                </a:gridCol>
+                <a:gridCol w="1647264">
+                  <a:extLst>
+                    <a:ext uri="{9D8B030D-6E8A-4147-A177-3AD203B41FA5}">
+                      <a16:colId xmlns:a16="http://schemas.microsoft.com/office/drawing/2014/main" val="1364372311"/>
+                    </a:ext>
+                  </a:extLst>
+                </a:gridCol>
+              </a:tblGrid>
+              <a:tr h="709621">
+                <a:tc>
+                  <a:txBody>
+                    <a:bodyPr/>
+                    <a:lstStyle/>
+                    <a:p>
+                      <a:r>
+                        <a:rPr lang="en-US"/>
+                        <a:t>SL NO</a:t>
+                      </a:r>
+                    </a:p>
+                  </a:txBody>
+                  <a:tcPr/>
+                </a:tc>
+                <a:tc>
+                  <a:txBody>
+                    <a:bodyPr/>
+                    <a:lstStyle/>
+                    <a:p>
+                      <a:r>
+                        <a:rPr lang="en-US"/>
+                        <a:t>USER STORIES</a:t>
+                      </a:r>
+                    </a:p>
+                  </a:txBody>
+                  <a:tcPr/>
+                </a:tc>
+                <a:tc>
+                  <a:txBody>
+                    <a:bodyPr/>
+                    <a:lstStyle/>
+                    <a:p>
+                      <a:r>
+                        <a:rPr lang="en-US"/>
+                        <a:t>RESULT</a:t>
+                      </a:r>
+                    </a:p>
+                  </a:txBody>
+                  <a:tcPr/>
+                </a:tc>
+                <a:tc>
+                  <a:txBody>
+                    <a:bodyPr/>
+                    <a:lstStyle/>
+                    <a:p>
+                      <a:r>
+                        <a:rPr lang="en-US"/>
+                        <a:t>OWNER</a:t>
+                      </a:r>
+                      <a:endParaRPr lang="en-US" dirty="0"/>
+                    </a:p>
+                  </a:txBody>
+                  <a:tcPr/>
+                </a:tc>
+                <a:extLst>
+                  <a:ext uri="{0D108BD9-81ED-4DB2-BD59-A6C34878D82A}">
+                    <a16:rowId xmlns:a16="http://schemas.microsoft.com/office/drawing/2014/main" val="2454026380"/>
+                  </a:ext>
+                </a:extLst>
+              </a:tr>
+              <a:tr h="2539695">
+                <a:tc>
+                  <a:txBody>
+                    <a:bodyPr/>
+                    <a:lstStyle/>
+                    <a:p>
+                      <a:r>
+                        <a:rPr lang="en-US"/>
+                        <a:t>1.</a:t>
+                      </a:r>
+                    </a:p>
+                  </a:txBody>
+                  <a:tcPr/>
+                </a:tc>
+                <a:tc>
+                  <a:txBody>
+                    <a:bodyPr/>
+                    <a:lstStyle/>
+                    <a:p>
+                      <a:r>
+                        <a:rPr lang="en-US"/>
+                        <a:t>I feel it inconvenient</a:t>
+                      </a:r>
+                    </a:p>
+                    <a:p>
+                      <a:pPr lvl="0">
+                        <a:buNone/>
+                      </a:pPr>
+                      <a:r>
+                        <a:rPr lang="en-US"/>
+                        <a:t>to find the cashier,</a:t>
+                      </a:r>
+                    </a:p>
+                    <a:p>
+                      <a:pPr lvl="0">
+                        <a:buNone/>
+                      </a:pPr>
+                      <a:r>
+                        <a:rPr lang="en-US" dirty="0"/>
+                        <a:t>also some tenants forget to pay the revenue before deadline, which </a:t>
+                      </a:r>
+                      <a:r>
+                        <a:rPr lang="en-US"/>
+                        <a:t>adversely affects us.</a:t>
+                      </a:r>
+                      <a:endParaRPr lang="en-US" dirty="0"/>
+                    </a:p>
+                    <a:p>
+                      <a:pPr lvl="0">
+                        <a:buNone/>
+                      </a:pPr>
+                      <a:r>
+                        <a:rPr lang="en-US" dirty="0"/>
+                        <a:t>Hence, I request for an online portal which can automate this </a:t>
+                      </a:r>
+                      <a:r>
+                        <a:rPr lang="en-US"/>
+                        <a:t>process.</a:t>
+                      </a:r>
+                    </a:p>
+                  </a:txBody>
+                  <a:tcPr/>
+                </a:tc>
+                <a:tc>
+                  <a:txBody>
+                    <a:bodyPr/>
+                    <a:lstStyle/>
+                    <a:p>
+                      <a:r>
+                        <a:rPr lang="en-US" dirty="0"/>
+                        <a:t>Remainder of submission and reciept of payment after submission made available to </a:t>
+                      </a:r>
+                      <a:r>
+                        <a:rPr lang="en-US"/>
+                        <a:t>the tenants</a:t>
+                      </a:r>
+                      <a:endParaRPr lang="en-US" dirty="0"/>
+                    </a:p>
+                  </a:txBody>
+                  <a:tcPr/>
+                </a:tc>
+                <a:tc>
+                  <a:txBody>
+                    <a:bodyPr/>
+                    <a:lstStyle/>
+                    <a:p>
+                      <a:r>
+                        <a:rPr lang="en-US"/>
+                        <a:t>Tenant</a:t>
+                      </a:r>
+                    </a:p>
+                  </a:txBody>
+                  <a:tcPr/>
+                </a:tc>
+                <a:extLst>
+                  <a:ext uri="{0D108BD9-81ED-4DB2-BD59-A6C34878D82A}">
+                    <a16:rowId xmlns:a16="http://schemas.microsoft.com/office/drawing/2014/main" val="1938001825"/>
+                  </a:ext>
+                </a:extLst>
+              </a:tr>
+              <a:tr h="1456592">
+                <a:tc>
+                  <a:txBody>
+                    <a:bodyPr/>
+                    <a:lstStyle/>
+                    <a:p>
+                      <a:r>
+                        <a:rPr lang="en-US"/>
+                        <a:t>2.</a:t>
+                      </a:r>
+                    </a:p>
+                  </a:txBody>
+                  <a:tcPr/>
+                </a:tc>
+                <a:tc>
+                  <a:txBody>
+                    <a:bodyPr/>
+                    <a:lstStyle/>
+                    <a:p>
+                      <a:r>
+                        <a:rPr lang="en-US" dirty="0"/>
+                        <a:t>As a committee member, we store all records of revenue in physical </a:t>
+                      </a:r>
+                      <a:r>
+                        <a:rPr lang="en-US"/>
+                        <a:t>form. This process is tedious and prone to error.</a:t>
+                      </a:r>
+                      <a:endParaRPr lang="en-US" dirty="0"/>
+                    </a:p>
+                    <a:p>
+                      <a:pPr lvl="0">
+                        <a:buNone/>
+                      </a:pPr>
+                      <a:r>
+                        <a:rPr lang="en-US" dirty="0"/>
+                        <a:t>When residents fail to pay the revenue on time, it makes the </a:t>
+                      </a:r>
+                      <a:r>
+                        <a:rPr lang="en-US"/>
+                        <a:t>process of record keeping even more difficult.</a:t>
+                      </a:r>
+                    </a:p>
+                    <a:p>
+                      <a:pPr lvl="0">
+                        <a:buNone/>
+                      </a:pPr>
+                      <a:r>
+                        <a:rPr lang="en-US" dirty="0"/>
+                        <a:t>Hence, I would reccommed an online platform on which these </a:t>
+                      </a:r>
+                      <a:r>
+                        <a:rPr lang="en-US"/>
+                        <a:t>records can be stored and maintained.</a:t>
+                      </a:r>
+                    </a:p>
+                  </a:txBody>
+                  <a:tcPr/>
+                </a:tc>
+                <a:tc>
+                  <a:txBody>
+                    <a:bodyPr/>
+                    <a:lstStyle/>
+                    <a:p>
+                      <a:r>
+                        <a:rPr lang="en-US" dirty="0"/>
+                        <a:t>Updation of data on the online database is done </a:t>
+                      </a:r>
+                      <a:r>
+                        <a:rPr lang="en-US"/>
+                        <a:t>immidiately when the payment has been done on time. On demand, </a:t>
+                      </a:r>
+                    </a:p>
+                  </a:txBody>
+                  <a:tcPr/>
+                </a:tc>
+                <a:tc>
+                  <a:txBody>
+                    <a:bodyPr/>
+                    <a:lstStyle/>
+                    <a:p>
+                      <a:r>
+                        <a:rPr lang="en-US"/>
+                        <a:t>Committee</a:t>
+                      </a:r>
+                      <a:endParaRPr lang="en-US" dirty="0"/>
+                    </a:p>
+                  </a:txBody>
+                  <a:tcPr/>
+                </a:tc>
+                <a:extLst>
+                  <a:ext uri="{0D108BD9-81ED-4DB2-BD59-A6C34878D82A}">
+                    <a16:rowId xmlns:a16="http://schemas.microsoft.com/office/drawing/2014/main" val="4200659068"/>
+                  </a:ext>
+                </a:extLst>
+              </a:tr>
+            </a:tbl>
+          </a:graphicData>
+        </a:graphic>
+      </p:graphicFrame>
+    </p:spTree>
+    <p:extLst>
+      <p:ext uri="{BB962C8B-B14F-4D97-AF65-F5344CB8AC3E}">
+        <p14:creationId xmlns:p14="http://schemas.microsoft.com/office/powerpoint/2010/main" val="1093309325"/>
       </p:ext>
     </p:extLst>
   </p:cSld>
@@ -3728,9 +9000,9 @@
 </file>
 
 <file path=ppt/theme/theme1.xml><?xml version="1.0" encoding="utf-8"?>
-<a:theme xmlns:a="http://schemas.openxmlformats.org/drawingml/2006/main" name="office theme">
+<a:theme xmlns:a="http://schemas.openxmlformats.org/drawingml/2006/main" name="Ion">
   <a:themeElements>
-    <a:clrScheme name="Office Theme">
+    <a:clrScheme name="Ion">
       <a:dk1>
         <a:sysClr val="windowText" lastClr="000000"/>
       </a:dk1>
@@ -3738,42 +9010,42 @@
         <a:sysClr val="window" lastClr="FFFFFF"/>
       </a:lt1>
       <a:dk2>
-        <a:srgbClr val="44546A"/>
+        <a:srgbClr val="1E5155"/>
       </a:dk2>
       <a:lt2>
-        <a:srgbClr val="E7E6E6"/>
+        <a:srgbClr val="EBEBEB"/>
       </a:lt2>
       <a:accent1>
-        <a:srgbClr val="4472C4"/>
+        <a:srgbClr val="B01513"/>
       </a:accent1>
       <a:accent2>
-        <a:srgbClr val="ED7D31"/>
+        <a:srgbClr val="EA6312"/>
       </a:accent2>
       <a:accent3>
-        <a:srgbClr val="A5A5A5"/>
+        <a:srgbClr val="E6B729"/>
       </a:accent3>
       <a:accent4>
-        <a:srgbClr val="FFC000"/>
+        <a:srgbClr val="6AAC90"/>
       </a:accent4>
       <a:accent5>
-        <a:srgbClr val="5B9BD5"/>
+        <a:srgbClr val="54849A"/>
       </a:accent5>
       <a:accent6>
-        <a:srgbClr val="70AD47"/>
+        <a:srgbClr val="9E5E9B"/>
       </a:accent6>
       <a:hlink>
-        <a:srgbClr val="0563C1"/>
+        <a:srgbClr val="58C1BA"/>
       </a:hlink>
       <a:folHlink>
-        <a:srgbClr val="954F72"/>
+        <a:srgbClr val="9DFFCB"/>
       </a:folHlink>
     </a:clrScheme>
-    <a:fontScheme name="Office Theme">
+    <a:fontScheme name="Ion">
       <a:majorFont>
-        <a:latin typeface="Calibri Light" panose="020F0302020204030204"/>
+        <a:latin typeface="Century Gothic" panose="020B0502020202020204"/>
         <a:ea typeface=""/>
         <a:cs typeface=""/>
-        <a:font script="Jpan" typeface="ＭＳ Ｐゴシック"/>
+        <a:font script="Jpan" typeface="メイリオ"/>
         <a:font script="Hang" typeface="맑은 고딕"/>
         <a:font script="Hans" typeface="宋体"/>
         <a:font script="Hant" typeface="新細明體"/>
@@ -3805,10 +9077,10 @@
         <a:font script="Geor" typeface="Sylfaen"/>
       </a:majorFont>
       <a:minorFont>
-        <a:latin typeface="Calibri" panose="020F0502020204030204"/>
+        <a:latin typeface="Century Gothic" panose="020B0502020202020204"/>
         <a:ea typeface=""/>
         <a:cs typeface=""/>
-        <a:font script="Jpan" typeface="ＭＳ Ｐゴシック"/>
+        <a:font script="Jpan" typeface="メイリオ"/>
         <a:font script="Hang" typeface="맑은 고딕"/>
         <a:font script="Hans" typeface="宋体"/>
         <a:font script="Hant" typeface="新細明體"/>
@@ -3840,7 +9112,7 @@
         <a:font script="Geor" typeface="Sylfaen"/>
       </a:minorFont>
     </a:fontScheme>
-    <a:fmtScheme name="Office Theme">
+    <a:fmtScheme name="Ion">
       <a:fillStyleLst>
         <a:solidFill>
           <a:schemeClr val="phClr"/>
@@ -3849,23 +9121,15 @@
           <a:gsLst>
             <a:gs pos="0">
               <a:schemeClr val="phClr">
-                <a:lumMod val="110000"/>
-                <a:satMod val="105000"/>
-                <a:tint val="67000"/>
-              </a:schemeClr>
-            </a:gs>
-            <a:gs pos="50000">
-              <a:schemeClr val="phClr">
-                <a:lumMod val="105000"/>
-                <a:satMod val="103000"/>
-                <a:tint val="73000"/>
+                <a:tint val="64000"/>
+                <a:lumMod val="118000"/>
               </a:schemeClr>
             </a:gs>
             <a:gs pos="100000">
               <a:schemeClr val="phClr">
-                <a:lumMod val="105000"/>
-                <a:satMod val="109000"/>
-                <a:tint val="81000"/>
+                <a:tint val="92000"/>
+                <a:alpha val="100000"/>
+                <a:lumMod val="110000"/>
               </a:schemeClr>
             </a:gs>
           </a:gsLst>
@@ -3875,23 +9139,14 @@
           <a:gsLst>
             <a:gs pos="0">
               <a:schemeClr val="phClr">
-                <a:satMod val="103000"/>
-                <a:lumMod val="102000"/>
-                <a:tint val="94000"/>
-              </a:schemeClr>
-            </a:gs>
-            <a:gs pos="50000">
-              <a:schemeClr val="phClr">
-                <a:satMod val="110000"/>
-                <a:lumMod val="100000"/>
-                <a:shade val="100000"/>
+                <a:tint val="98000"/>
+                <a:lumMod val="114000"/>
               </a:schemeClr>
             </a:gs>
             <a:gs pos="100000">
               <a:schemeClr val="phClr">
-                <a:lumMod val="99000"/>
-                <a:satMod val="120000"/>
-                <a:shade val="78000"/>
+                <a:shade val="90000"/>
+                <a:lumMod val="84000"/>
               </a:schemeClr>
             </a:gs>
           </a:gsLst>
@@ -3899,26 +9154,23 @@
         </a:gradFill>
       </a:fillStyleLst>
       <a:lnStyleLst>
-        <a:ln w="6350" cap="flat" cmpd="sng" algn="ctr">
+        <a:ln w="9525" cap="rnd" cmpd="sng" algn="ctr">
           <a:solidFill>
             <a:schemeClr val="phClr"/>
           </a:solidFill>
           <a:prstDash val="solid"/>
-          <a:miter lim="800000"/>
         </a:ln>
-        <a:ln w="12700" cap="flat" cmpd="sng" algn="ctr">
+        <a:ln w="19050" cap="rnd" cmpd="sng" algn="ctr">
           <a:solidFill>
             <a:schemeClr val="phClr"/>
           </a:solidFill>
           <a:prstDash val="solid"/>
-          <a:miter lim="800000"/>
         </a:ln>
-        <a:ln w="19050" cap="flat" cmpd="sng" algn="ctr">
+        <a:ln w="28575" cap="rnd" cmpd="sng" algn="ctr">
           <a:solidFill>
             <a:schemeClr val="phClr"/>
           </a:solidFill>
           <a:prstDash val="solid"/>
-          <a:miter lim="800000"/>
         </a:ln>
       </a:lnStyleLst>
       <a:effectStyleLst>
@@ -3926,55 +9178,80 @@
           <a:effectLst/>
         </a:effectStyle>
         <a:effectStyle>
-          <a:effectLst/>
+          <a:effectLst>
+            <a:outerShdw blurRad="38100" dist="25400" dir="5400000" rotWithShape="0">
+              <a:srgbClr val="000000">
+                <a:alpha val="45000"/>
+              </a:srgbClr>
+            </a:outerShdw>
+          </a:effectLst>
         </a:effectStyle>
         <a:effectStyle>
           <a:effectLst>
-            <a:outerShdw blurRad="57150" dist="19050" dir="5400000" algn="ctr" rotWithShape="0">
+            <a:outerShdw blurRad="63500" dist="38100" dir="5400000" rotWithShape="0">
               <a:srgbClr val="000000">
-                <a:alpha val="63000"/>
+                <a:alpha val="60000"/>
               </a:srgbClr>
             </a:outerShdw>
           </a:effectLst>
+          <a:scene3d>
+            <a:camera prst="orthographicFront">
+              <a:rot lat="0" lon="0" rev="0"/>
+            </a:camera>
+            <a:lightRig rig="threePt" dir="tl"/>
+          </a:scene3d>
+          <a:sp3d prstMaterial="plastic">
+            <a:bevelT w="0" h="0"/>
+          </a:sp3d>
         </a:effectStyle>
       </a:effectStyleLst>
       <a:bgFillStyleLst>
         <a:solidFill>
           <a:schemeClr val="phClr"/>
         </a:solidFill>
-        <a:solidFill>
-          <a:schemeClr val="phClr">
-            <a:tint val="95000"/>
-            <a:satMod val="170000"/>
-          </a:schemeClr>
-        </a:solidFill>
         <a:gradFill rotWithShape="1">
           <a:gsLst>
             <a:gs pos="0">
               <a:schemeClr val="phClr">
-                <a:tint val="93000"/>
-                <a:satMod val="150000"/>
-                <a:shade val="98000"/>
-                <a:lumMod val="102000"/>
-              </a:schemeClr>
-            </a:gs>
-            <a:gs pos="50000">
-              <a:schemeClr val="phClr">
-                <a:tint val="98000"/>
+                <a:tint val="97000"/>
+                <a:hueMod val="88000"/>
                 <a:satMod val="130000"/>
-                <a:shade val="90000"/>
-                <a:lumMod val="103000"/>
+                <a:lumMod val="124000"/>
               </a:schemeClr>
             </a:gs>
             <a:gs pos="100000">
               <a:schemeClr val="phClr">
-                <a:shade val="63000"/>
-                <a:satMod val="120000"/>
+                <a:tint val="96000"/>
+                <a:shade val="88000"/>
+                <a:hueMod val="108000"/>
+                <a:satMod val="164000"/>
+                <a:lumMod val="76000"/>
               </a:schemeClr>
             </a:gs>
           </a:gsLst>
-          <a:lin ang="5400000" scaled="0"/>
+          <a:path path="circle">
+            <a:fillToRect l="45000" t="65000" r="125000" b="100000"/>
+          </a:path>
         </a:gradFill>
+        <a:blipFill rotWithShape="1">
+          <a:blip xmlns:r="http://schemas.openxmlformats.org/officeDocument/2006/relationships" r:embed="rId1">
+            <a:duotone>
+              <a:schemeClr val="phClr">
+                <a:shade val="69000"/>
+                <a:hueMod val="108000"/>
+                <a:satMod val="164000"/>
+                <a:lumMod val="74000"/>
+              </a:schemeClr>
+              <a:schemeClr val="phClr">
+                <a:tint val="96000"/>
+                <a:hueMod val="88000"/>
+                <a:satMod val="140000"/>
+                <a:lumMod val="132000"/>
+              </a:schemeClr>
+            </a:duotone>
+          </a:blip>
+          <a:stretch/>
+        </a:blipFill>
       </a:bgFillStyleLst>
     </a:fmtScheme>
   </a:themeElements>
@@ -3982,7 +9259,7 @@
   <a:extraClrSchemeLst/>
   <a:extLst>
     <a:ext uri="{05A4C25C-085E-4340-85A3-A5531E510DB2}">
-      <thm15:themeFamily xmlns:thm15="http://schemas.microsoft.com/office/thememl/2012/main" name="Office Theme" id="{62F939B6-93AF-4DB8-9C6B-D6C7DFDC589F}" vid="{4A3C46E8-61CC-4603-A589-7422A47A8E4A}"/>
+      <thm15:themeFamily xmlns:thm15="http://schemas.microsoft.com/office/thememl/2012/main" name="Ion" id="{B8441ADB-2E43-4AF7-B97A-BD870242C6A8}" vid="{292E63A9-BB86-4E3D-B92A-7223C6510D2E}"/>
     </a:ext>
   </a:extLst>
 </a:theme>
